--- a/BEM-Arch.pptx
+++ b/BEM-Arch.pptx
@@ -6,10 +6,10 @@
     <p:sldMasterId id="2147483660" r:id="rId3"/>
   </p:sldMasterIdLst>
   <p:notesMasterIdLst>
-    <p:notesMasterId r:id="rId23"/>
+    <p:notesMasterId r:id="rId32"/>
   </p:notesMasterIdLst>
   <p:handoutMasterIdLst>
-    <p:handoutMasterId r:id="rId24"/>
+    <p:handoutMasterId r:id="rId33"/>
   </p:handoutMasterIdLst>
   <p:sldIdLst>
     <p:sldId id="357" r:id="rId4"/>
@@ -30,7 +30,16 @@
     <p:sldId id="400" r:id="rId19"/>
     <p:sldId id="401" r:id="rId20"/>
     <p:sldId id="404" r:id="rId21"/>
-    <p:sldId id="368" r:id="rId22"/>
+    <p:sldId id="412" r:id="rId22"/>
+    <p:sldId id="414" r:id="rId23"/>
+    <p:sldId id="415" r:id="rId24"/>
+    <p:sldId id="416" r:id="rId25"/>
+    <p:sldId id="417" r:id="rId26"/>
+    <p:sldId id="419" r:id="rId27"/>
+    <p:sldId id="420" r:id="rId28"/>
+    <p:sldId id="421" r:id="rId29"/>
+    <p:sldId id="411" r:id="rId30"/>
+    <p:sldId id="368" r:id="rId31"/>
   </p:sldIdLst>
   <p:sldSz cx="9144000" cy="5143500"/>
   <p:notesSz cx="6858000" cy="9144000"/>
@@ -14080,7 +14089,7 @@
                 <a:cs typeface="Arial Unicode MS" panose="020B0604020202020204" charset="-122"/>
                 <a:sym typeface="+mn-ea"/>
               </a:rPr>
-              <a:t>BEM &amp; Pre-Processors</a:t>
+              <a:t>What are CSS Pre-Processors?</a:t>
             </a:r>
             <a:endParaRPr lang="en-US" sz="2800" b="1" strike="noStrike" cap="small" noProof="1" dirty="0" smtClean="0">
               <a:solidFill>
@@ -14101,7 +14110,7 @@
         <p:spPr>
           <a:xfrm>
             <a:off x="913765" y="1050290"/>
-            <a:ext cx="7088505" cy="1060450"/>
+            <a:ext cx="7088505" cy="2999740"/>
           </a:xfrm>
           <a:prstGeom prst="rect">
             <a:avLst/>
@@ -14132,7 +14141,173 @@
                 <a:ea typeface="Arial Unicode MS" panose="020B0604020202020204" charset="-122"/>
                 <a:sym typeface="Arial" panose="020B0604020202020204" pitchFamily="34" charset="0"/>
               </a:rPr>
-              <a:t>BEM can make it easier to use preprocessors like Sass or Less by allowing you to nest selectors and create variables for commonly used values. This can help you write more maintainable and reusable code</a:t>
+              <a:t>You may be thinking, okay, CSS sounds great, what could go wrong? There are still some downsides. As the web gets more advanced, writing regular vanilla (plain) CSS can get </a:t>
+            </a:r>
+            <a:r>
+              <a:rPr lang="en-US" altLang="en-US" sz="1400" b="1" dirty="0">
+                <a:solidFill>
+                  <a:schemeClr val="tx1"/>
+                </a:solidFill>
+                <a:latin typeface="Arial Unicode MS" panose="020B0604020202020204" charset="-122"/>
+                <a:ea typeface="Arial Unicode MS" panose="020B0604020202020204" charset="-122"/>
+                <a:sym typeface="Arial" panose="020B0604020202020204" pitchFamily="34" charset="0"/>
+              </a:rPr>
+              <a:t>lengthy </a:t>
+            </a:r>
+            <a:r>
+              <a:rPr lang="en-US" altLang="en-US" sz="1400" dirty="0">
+                <a:solidFill>
+                  <a:schemeClr val="tx1"/>
+                </a:solidFill>
+                <a:latin typeface="Arial Unicode MS" panose="020B0604020202020204" charset="-122"/>
+                <a:ea typeface="Arial Unicode MS" panose="020B0604020202020204" charset="-122"/>
+                <a:sym typeface="Arial" panose="020B0604020202020204" pitchFamily="34" charset="0"/>
+              </a:rPr>
+              <a:t>and </a:t>
+            </a:r>
+            <a:r>
+              <a:rPr lang="en-US" altLang="en-US" sz="1400" b="1" dirty="0">
+                <a:solidFill>
+                  <a:schemeClr val="tx1"/>
+                </a:solidFill>
+                <a:latin typeface="Arial Unicode MS" panose="020B0604020202020204" charset="-122"/>
+                <a:ea typeface="Arial Unicode MS" panose="020B0604020202020204" charset="-122"/>
+                <a:sym typeface="Arial" panose="020B0604020202020204" pitchFamily="34" charset="0"/>
+              </a:rPr>
+              <a:t>repetitive</a:t>
+            </a:r>
+            <a:r>
+              <a:rPr lang="en-US" altLang="en-US" sz="1400" dirty="0">
+                <a:solidFill>
+                  <a:schemeClr val="tx1"/>
+                </a:solidFill>
+                <a:latin typeface="Arial Unicode MS" panose="020B0604020202020204" charset="-122"/>
+                <a:ea typeface="Arial Unicode MS" panose="020B0604020202020204" charset="-122"/>
+                <a:sym typeface="Arial" panose="020B0604020202020204" pitchFamily="34" charset="0"/>
+              </a:rPr>
+              <a:t>. </a:t>
+            </a:r>
+            <a:endParaRPr lang="en-US" altLang="en-US" sz="1400" dirty="0">
+              <a:solidFill>
+                <a:schemeClr val="tx1"/>
+              </a:solidFill>
+              <a:latin typeface="Arial Unicode MS" panose="020B0604020202020204" charset="-122"/>
+              <a:ea typeface="Arial Unicode MS" panose="020B0604020202020204" charset="-122"/>
+              <a:sym typeface="Arial" panose="020B0604020202020204" pitchFamily="34" charset="0"/>
+            </a:endParaRPr>
+          </a:p>
+          <a:p>
+            <a:pPr marL="171450" indent="-171450" algn="l">
+              <a:lnSpc>
+                <a:spcPct val="150000"/>
+              </a:lnSpc>
+              <a:buFont typeface="Wingdings" panose="05000000000000000000" charset="0"/>
+              <a:buChar char="Ø"/>
+            </a:pPr>
+            <a:endParaRPr lang="en-US" altLang="en-US" sz="1400" dirty="0">
+              <a:solidFill>
+                <a:schemeClr val="tx1"/>
+              </a:solidFill>
+              <a:latin typeface="Arial Unicode MS" panose="020B0604020202020204" charset="-122"/>
+              <a:ea typeface="Arial Unicode MS" panose="020B0604020202020204" charset="-122"/>
+              <a:sym typeface="Arial" panose="020B0604020202020204" pitchFamily="34" charset="0"/>
+            </a:endParaRPr>
+          </a:p>
+          <a:p>
+            <a:pPr marL="171450" indent="-171450" algn="l">
+              <a:lnSpc>
+                <a:spcPct val="150000"/>
+              </a:lnSpc>
+              <a:buFont typeface="Wingdings" panose="05000000000000000000" charset="0"/>
+              <a:buChar char="Ø"/>
+            </a:pPr>
+            <a:r>
+              <a:rPr lang="en-US" altLang="en-US" sz="1400" b="1" dirty="0">
+                <a:solidFill>
+                  <a:schemeClr val="tx1"/>
+                </a:solidFill>
+                <a:latin typeface="Arial Unicode MS" panose="020B0604020202020204" charset="-122"/>
+                <a:ea typeface="Arial Unicode MS" panose="020B0604020202020204" charset="-122"/>
+                <a:sym typeface="Arial" panose="020B0604020202020204" pitchFamily="34" charset="0"/>
+              </a:rPr>
+              <a:t>CSS preprocessors extend the functionality of regular CSS.</a:t>
+            </a:r>
+            <a:r>
+              <a:rPr lang="en-US" altLang="en-US" sz="1400" dirty="0">
+                <a:solidFill>
+                  <a:schemeClr val="tx1"/>
+                </a:solidFill>
+                <a:latin typeface="Arial Unicode MS" panose="020B0604020202020204" charset="-122"/>
+                <a:ea typeface="Arial Unicode MS" panose="020B0604020202020204" charset="-122"/>
+                <a:sym typeface="Arial" panose="020B0604020202020204" pitchFamily="34" charset="0"/>
+              </a:rPr>
+              <a:t> They add more logical syntax and tools like </a:t>
+            </a:r>
+            <a:r>
+              <a:rPr lang="en-US" altLang="en-US" sz="1400" b="1" dirty="0">
+                <a:solidFill>
+                  <a:schemeClr val="tx1"/>
+                </a:solidFill>
+                <a:latin typeface="Arial Unicode MS" panose="020B0604020202020204" charset="-122"/>
+                <a:ea typeface="Arial Unicode MS" panose="020B0604020202020204" charset="-122"/>
+                <a:sym typeface="Arial" panose="020B0604020202020204" pitchFamily="34" charset="0"/>
+              </a:rPr>
+              <a:t>variables</a:t>
+            </a:r>
+            <a:r>
+              <a:rPr lang="en-US" altLang="en-US" sz="1400" dirty="0">
+                <a:solidFill>
+                  <a:schemeClr val="tx1"/>
+                </a:solidFill>
+                <a:latin typeface="Arial Unicode MS" panose="020B0604020202020204" charset="-122"/>
+                <a:ea typeface="Arial Unicode MS" panose="020B0604020202020204" charset="-122"/>
+                <a:sym typeface="Arial" panose="020B0604020202020204" pitchFamily="34" charset="0"/>
+              </a:rPr>
+              <a:t>, </a:t>
+            </a:r>
+            <a:r>
+              <a:rPr lang="en-US" altLang="en-US" sz="1400" b="1" dirty="0">
+                <a:solidFill>
+                  <a:schemeClr val="tx1"/>
+                </a:solidFill>
+                <a:latin typeface="Arial Unicode MS" panose="020B0604020202020204" charset="-122"/>
+                <a:ea typeface="Arial Unicode MS" panose="020B0604020202020204" charset="-122"/>
+                <a:sym typeface="Arial" panose="020B0604020202020204" pitchFamily="34" charset="0"/>
+              </a:rPr>
+              <a:t>if/else statements</a:t>
+            </a:r>
+            <a:r>
+              <a:rPr lang="en-US" altLang="en-US" sz="1400" dirty="0">
+                <a:solidFill>
+                  <a:schemeClr val="tx1"/>
+                </a:solidFill>
+                <a:latin typeface="Arial Unicode MS" panose="020B0604020202020204" charset="-122"/>
+                <a:ea typeface="Arial Unicode MS" panose="020B0604020202020204" charset="-122"/>
+                <a:sym typeface="Arial" panose="020B0604020202020204" pitchFamily="34" charset="0"/>
+              </a:rPr>
+              <a:t>, and </a:t>
+            </a:r>
+            <a:r>
+              <a:rPr lang="en-US" altLang="en-US" sz="1400" b="1" dirty="0">
+                <a:solidFill>
+                  <a:schemeClr val="tx1"/>
+                </a:solidFill>
+                <a:latin typeface="Arial Unicode MS" panose="020B0604020202020204" charset="-122"/>
+                <a:ea typeface="Arial Unicode MS" panose="020B0604020202020204" charset="-122"/>
+                <a:sym typeface="Arial" panose="020B0604020202020204" pitchFamily="34" charset="0"/>
+              </a:rPr>
+              <a:t>loops</a:t>
+            </a:r>
+            <a:r>
+              <a:rPr lang="en-US" altLang="en-US" sz="1400" dirty="0">
+                <a:solidFill>
+                  <a:schemeClr val="tx1"/>
+                </a:solidFill>
+                <a:latin typeface="Arial Unicode MS" panose="020B0604020202020204" charset="-122"/>
+                <a:ea typeface="Arial Unicode MS" panose="020B0604020202020204" charset="-122"/>
+                <a:sym typeface="Arial" panose="020B0604020202020204" pitchFamily="34" charset="0"/>
+              </a:rPr>
+              <a:t>. This makes the CSS more efficient and concise, powerful and dynamic. Using a CSS preprocessor, a developer is able to write out more complex style and layout. The source code can be shorter and more readable.</a:t>
             </a:r>
             <a:endParaRPr lang="en-US" altLang="en-US" sz="1400" dirty="0">
               <a:solidFill>
@@ -14161,8 +14336,8 @@
         </p:blipFill>
         <p:spPr>
           <a:xfrm rot="5400000">
-            <a:off x="7734300" y="0"/>
-            <a:ext cx="1409700" cy="1409700"/>
+            <a:off x="7843520" y="0"/>
+            <a:ext cx="1300480" cy="1300480"/>
           </a:xfrm>
           <a:prstGeom prst="rect">
             <a:avLst/>
@@ -14185,32 +14360,8 @@
         </p:blipFill>
         <p:spPr>
           <a:xfrm rot="16200000">
-            <a:off x="0" y="3733800"/>
-            <a:ext cx="1409700" cy="1409700"/>
-          </a:xfrm>
-          <a:prstGeom prst="rect">
-            <a:avLst/>
-          </a:prstGeom>
-        </p:spPr>
-      </p:pic>
-      <p:pic>
-        <p:nvPicPr>
-          <p:cNvPr id="3" name="Picture 2"/>
-          <p:cNvPicPr>
-            <a:picLocks noChangeAspect="1"/>
-          </p:cNvPicPr>
-          <p:nvPr/>
-        </p:nvPicPr>
-        <p:blipFill>
-          <a:blip r:embed="rId2"/>
-          <a:stretch>
-            <a:fillRect/>
-          </a:stretch>
-        </p:blipFill>
-        <p:spPr>
-          <a:xfrm>
-            <a:off x="1323340" y="2098675"/>
-            <a:ext cx="6497955" cy="2931160"/>
+            <a:off x="0" y="4050030"/>
+            <a:ext cx="1093470" cy="1093470"/>
           </a:xfrm>
           <a:prstGeom prst="rect">
             <a:avLst/>
@@ -14480,14 +14631,6 @@
 <file path=ppt/slides/slide19.xml><?xml version="1.0" encoding="utf-8"?>
 <p:sld xmlns:a="http://schemas.openxmlformats.org/drawingml/2006/main" xmlns:r="http://schemas.openxmlformats.org/officeDocument/2006/relationships" xmlns:p="http://schemas.openxmlformats.org/presentationml/2006/main">
   <p:cSld>
-    <p:bg>
-      <p:bgPr>
-        <a:solidFill>
-          <a:srgbClr val="002748"/>
-        </a:solidFill>
-        <a:effectLst/>
-      </p:bgPr>
-    </p:bg>
     <p:spTree>
       <p:nvGrpSpPr>
         <p:cNvPr id="1" name=""/>
@@ -14497,69 +14640,41 @@
       <p:grpSpPr/>
       <p:sp>
         <p:nvSpPr>
-          <p:cNvPr id="24579" name="文本框 2"/>
-          <p:cNvSpPr txBox="1"/>
+          <p:cNvPr id="13" name="Copyright Notice"/>
+          <p:cNvSpPr/>
           <p:nvPr/>
         </p:nvSpPr>
-        <p:spPr>
+        <p:spPr bwMode="auto">
           <a:xfrm>
-            <a:off x="1562100" y="2443163"/>
-            <a:ext cx="6011863" cy="612775"/>
+            <a:off x="777875" y="383540"/>
+            <a:ext cx="7087235" cy="610235"/>
           </a:xfrm>
           <a:prstGeom prst="rect">
             <a:avLst/>
           </a:prstGeom>
           <a:noFill/>
-          <a:ln w="9525">
+          <a:ln w="6350" cap="flat" cmpd="sng" algn="ctr">
             <a:noFill/>
+            <a:prstDash val="solid"/>
           </a:ln>
-        </p:spPr>
-        <p:txBody>
-          <a:bodyPr wrap="square" anchor="t">
-            <a:spAutoFit/>
-          </a:bodyPr>
-          <a:p>
-            <a:pPr algn="dist"/>
-            <a:r>
-              <a:rPr lang="en-US" altLang="zh-CN" sz="3200" b="1">
+          <a:effectLst/>
+          <a:extLst>
+            <a:ext uri="{909E8E84-426E-40DD-AFC4-6F175D3DCCD1}">
+              <a14:hiddenFill xmlns:a14="http://schemas.microsoft.com/office/drawing/2010/main">
                 <a:solidFill>
                   <a:schemeClr val="bg1"/>
                 </a:solidFill>
-                <a:latin typeface="Arial Unicode MS" panose="020B0604020202020204" charset="-122"/>
-                <a:ea typeface="Arial Unicode MS" panose="020B0604020202020204" charset="-122"/>
-              </a:rPr>
-              <a:t>THANKS</a:t>
-            </a:r>
-            <a:endParaRPr lang="en-US" altLang="zh-CN" sz="3200" b="1">
-              <a:solidFill>
-                <a:srgbClr val="FF9900"/>
-              </a:solidFill>
-              <a:latin typeface="Arial Unicode MS" panose="020B0604020202020204" charset="-122"/>
-              <a:ea typeface="Arial Unicode MS" panose="020B0604020202020204" charset="-122"/>
-            </a:endParaRPr>
-          </a:p>
-        </p:txBody>
-      </p:sp>
-      <p:sp>
-        <p:nvSpPr>
-          <p:cNvPr id="2" name="矩形 1"/>
-          <p:cNvSpPr/>
-          <p:nvPr/>
-        </p:nvSpPr>
-        <p:spPr>
-          <a:xfrm>
-            <a:off x="-9525" y="3232150"/>
-            <a:ext cx="9153525" cy="76200"/>
-          </a:xfrm>
-          <a:prstGeom prst="rect">
-            <a:avLst/>
-          </a:prstGeom>
-          <a:solidFill>
-            <a:srgbClr val="FF9900"/>
-          </a:solidFill>
-          <a:ln>
-            <a:noFill/>
-          </a:ln>
+              </a14:hiddenFill>
+            </a:ext>
+            <a:ext uri="{91240B29-F687-4F45-9708-019B960494DF}">
+              <a14:hiddenLine xmlns:a14="http://schemas.microsoft.com/office/drawing/2010/main" w="6350">
+                <a:solidFill>
+                  <a:srgbClr val="FFFFFF"/>
+                </a:solidFill>
+                <a:prstDash val="solid"/>
+              </a14:hiddenLine>
+            </a:ext>
+          </a:extLst>
         </p:spPr>
         <p:style>
           <a:lnRef idx="2">
@@ -14578,10 +14693,127 @@
           </a:fontRef>
         </p:style>
         <p:txBody>
-          <a:bodyPr rtlCol="0" anchor="ctr"/>
-          <a:p>
-            <a:pPr algn="ctr" fontAlgn="base"/>
-            <a:endParaRPr lang="zh-CN" altLang="en-US" strike="noStrike" noProof="1">
+          <a:bodyPr wrap="square" lIns="56626" tIns="25481" rIns="56626" bIns="25481" rtlCol="0" anchor="t">
+            <a:spAutoFit/>
+          </a:bodyPr>
+          <a:lstStyle>
+            <a:defPPr>
+              <a:defRPr lang="zh-CN"/>
+            </a:defPPr>
+            <a:lvl1pPr marL="0" algn="l" defTabSz="914400" rtl="0" eaLnBrk="1" latinLnBrk="0" hangingPunct="1">
+              <a:defRPr sz="1800" kern="1200">
+                <a:solidFill>
+                  <a:schemeClr val="lt1"/>
+                </a:solidFill>
+                <a:latin typeface="+mn-lt"/>
+                <a:ea typeface="+mn-ea"/>
+                <a:cs typeface="+mn-cs"/>
+              </a:defRPr>
+            </a:lvl1pPr>
+            <a:lvl2pPr marL="457200" algn="l" defTabSz="914400" rtl="0" eaLnBrk="1" latinLnBrk="0" hangingPunct="1">
+              <a:defRPr sz="1800" kern="1200">
+                <a:solidFill>
+                  <a:schemeClr val="lt1"/>
+                </a:solidFill>
+                <a:latin typeface="+mn-lt"/>
+                <a:ea typeface="+mn-ea"/>
+                <a:cs typeface="+mn-cs"/>
+              </a:defRPr>
+            </a:lvl2pPr>
+            <a:lvl3pPr marL="914400" algn="l" defTabSz="914400" rtl="0" eaLnBrk="1" latinLnBrk="0" hangingPunct="1">
+              <a:defRPr sz="1800" kern="1200">
+                <a:solidFill>
+                  <a:schemeClr val="lt1"/>
+                </a:solidFill>
+                <a:latin typeface="+mn-lt"/>
+                <a:ea typeface="+mn-ea"/>
+                <a:cs typeface="+mn-cs"/>
+              </a:defRPr>
+            </a:lvl3pPr>
+            <a:lvl4pPr marL="1371600" algn="l" defTabSz="914400" rtl="0" eaLnBrk="1" latinLnBrk="0" hangingPunct="1">
+              <a:defRPr sz="1800" kern="1200">
+                <a:solidFill>
+                  <a:schemeClr val="lt1"/>
+                </a:solidFill>
+                <a:latin typeface="+mn-lt"/>
+                <a:ea typeface="+mn-ea"/>
+                <a:cs typeface="+mn-cs"/>
+              </a:defRPr>
+            </a:lvl4pPr>
+            <a:lvl5pPr marL="1828800" algn="l" defTabSz="914400" rtl="0" eaLnBrk="1" latinLnBrk="0" hangingPunct="1">
+              <a:defRPr sz="1800" kern="1200">
+                <a:solidFill>
+                  <a:schemeClr val="lt1"/>
+                </a:solidFill>
+                <a:latin typeface="+mn-lt"/>
+                <a:ea typeface="+mn-ea"/>
+                <a:cs typeface="+mn-cs"/>
+              </a:defRPr>
+            </a:lvl5pPr>
+            <a:lvl6pPr marL="2286000" algn="l" defTabSz="914400" rtl="0" eaLnBrk="1" latinLnBrk="0" hangingPunct="1">
+              <a:defRPr sz="1800" kern="1200">
+                <a:solidFill>
+                  <a:schemeClr val="lt1"/>
+                </a:solidFill>
+                <a:latin typeface="+mn-lt"/>
+                <a:ea typeface="+mn-ea"/>
+                <a:cs typeface="+mn-cs"/>
+              </a:defRPr>
+            </a:lvl6pPr>
+            <a:lvl7pPr marL="2743200" algn="l" defTabSz="914400" rtl="0" eaLnBrk="1" latinLnBrk="0" hangingPunct="1">
+              <a:defRPr sz="1800" kern="1200">
+                <a:solidFill>
+                  <a:schemeClr val="lt1"/>
+                </a:solidFill>
+                <a:latin typeface="+mn-lt"/>
+                <a:ea typeface="+mn-ea"/>
+                <a:cs typeface="+mn-cs"/>
+              </a:defRPr>
+            </a:lvl7pPr>
+            <a:lvl8pPr marL="3200400" algn="l" defTabSz="914400" rtl="0" eaLnBrk="1" latinLnBrk="0" hangingPunct="1">
+              <a:defRPr sz="1800" kern="1200">
+                <a:solidFill>
+                  <a:schemeClr val="lt1"/>
+                </a:solidFill>
+                <a:latin typeface="+mn-lt"/>
+                <a:ea typeface="+mn-ea"/>
+                <a:cs typeface="+mn-cs"/>
+              </a:defRPr>
+            </a:lvl8pPr>
+            <a:lvl9pPr marL="3657600" algn="l" defTabSz="914400" rtl="0" eaLnBrk="1" latinLnBrk="0" hangingPunct="1">
+              <a:defRPr sz="1800" kern="1200">
+                <a:solidFill>
+                  <a:schemeClr val="lt1"/>
+                </a:solidFill>
+                <a:latin typeface="+mn-lt"/>
+                <a:ea typeface="+mn-ea"/>
+                <a:cs typeface="+mn-cs"/>
+              </a:defRPr>
+            </a:lvl9pPr>
+          </a:lstStyle>
+          <a:p>
+            <a:pPr algn="ctr">
+              <a:lnSpc>
+                <a:spcPct val="130000"/>
+              </a:lnSpc>
+            </a:pPr>
+            <a:r>
+              <a:rPr lang="en-US" altLang="x-none" sz="2800" b="1" dirty="0">
+                <a:solidFill>
+                  <a:srgbClr val="002748"/>
+                </a:solidFill>
+                <a:latin typeface="Arial Unicode MS" panose="020B0604020202020204" charset="-122"/>
+                <a:ea typeface="Arial Unicode MS" panose="020B0604020202020204" charset="-122"/>
+                <a:cs typeface="Arial Unicode MS" panose="020B0604020202020204" charset="-122"/>
+                <a:sym typeface="+mn-ea"/>
+              </a:rPr>
+              <a:t>How does it work?</a:t>
+            </a:r>
+            <a:endParaRPr lang="en-US" sz="2800" b="1" strike="noStrike" cap="small" noProof="1" dirty="0" smtClean="0">
+              <a:solidFill>
+                <a:srgbClr val="FF9900"/>
+              </a:solidFill>
+              <a:latin typeface="Arial Unicode MS" panose="020B0604020202020204" charset="-122"/>
               <a:ea typeface="Arial Unicode MS" panose="020B0604020202020204" charset="-122"/>
             </a:endParaRPr>
           </a:p>
@@ -14589,279 +14821,77 @@
       </p:sp>
       <p:sp>
         <p:nvSpPr>
-          <p:cNvPr id="3" name="等腰三角形 2"/>
-          <p:cNvSpPr/>
-          <p:nvPr/>
-        </p:nvSpPr>
-        <p:spPr>
-          <a:xfrm rot="8100000">
-            <a:off x="2611438" y="1014413"/>
-            <a:ext cx="336550" cy="290513"/>
-          </a:xfrm>
-          <a:prstGeom prst="triangle">
-            <a:avLst/>
-          </a:prstGeom>
-          <a:solidFill>
-            <a:srgbClr val="FF9900"/>
-          </a:solidFill>
-          <a:ln>
-            <a:noFill/>
-          </a:ln>
-        </p:spPr>
-        <p:style>
-          <a:lnRef idx="2">
-            <a:schemeClr val="accent1">
-              <a:shade val="50000"/>
-            </a:schemeClr>
-          </a:lnRef>
-          <a:fillRef idx="1">
-            <a:schemeClr val="accent1"/>
-          </a:fillRef>
-          <a:effectRef idx="0">
-            <a:schemeClr val="accent1"/>
-          </a:effectRef>
-          <a:fontRef idx="minor">
-            <a:schemeClr val="lt1"/>
-          </a:fontRef>
-        </p:style>
-        <p:txBody>
-          <a:bodyPr rtlCol="0" anchor="ctr"/>
-          <a:p>
-            <a:pPr algn="ctr" fontAlgn="base"/>
-            <a:endParaRPr lang="zh-CN" altLang="en-US" strike="noStrike" noProof="1">
-              <a:ea typeface="Arial Unicode MS" panose="020B0604020202020204" charset="-122"/>
-            </a:endParaRPr>
-          </a:p>
-        </p:txBody>
-      </p:sp>
-      <p:sp>
-        <p:nvSpPr>
-          <p:cNvPr id="4" name="等腰三角形 3"/>
-          <p:cNvSpPr/>
-          <p:nvPr/>
-        </p:nvSpPr>
-        <p:spPr>
-          <a:xfrm rot="1740000">
-            <a:off x="3270250" y="1706563"/>
-            <a:ext cx="261938" cy="225425"/>
-          </a:xfrm>
-          <a:prstGeom prst="triangle">
-            <a:avLst/>
-          </a:prstGeom>
-          <a:solidFill>
-            <a:schemeClr val="bg1"/>
-          </a:solidFill>
-          <a:ln>
-            <a:noFill/>
-          </a:ln>
-        </p:spPr>
-        <p:style>
-          <a:lnRef idx="2">
-            <a:schemeClr val="accent1">
-              <a:shade val="50000"/>
-            </a:schemeClr>
-          </a:lnRef>
-          <a:fillRef idx="1">
-            <a:schemeClr val="accent1"/>
-          </a:fillRef>
-          <a:effectRef idx="0">
-            <a:schemeClr val="accent1"/>
-          </a:effectRef>
-          <a:fontRef idx="minor">
-            <a:schemeClr val="lt1"/>
-          </a:fontRef>
-        </p:style>
-        <p:txBody>
-          <a:bodyPr rtlCol="0" anchor="ctr"/>
-          <a:p>
-            <a:pPr algn="ctr" fontAlgn="base"/>
-            <a:endParaRPr lang="zh-CN" altLang="en-US" strike="noStrike" noProof="1">
-              <a:ea typeface="Arial Unicode MS" panose="020B0604020202020204" charset="-122"/>
-            </a:endParaRPr>
-          </a:p>
-        </p:txBody>
-      </p:sp>
-      <p:sp>
-        <p:nvSpPr>
-          <p:cNvPr id="5" name="等腰三角形 4"/>
-          <p:cNvSpPr/>
-          <p:nvPr/>
-        </p:nvSpPr>
-        <p:spPr>
-          <a:xfrm rot="11580000">
-            <a:off x="6451600" y="1036638"/>
-            <a:ext cx="336550" cy="290513"/>
-          </a:xfrm>
-          <a:prstGeom prst="triangle">
-            <a:avLst/>
-          </a:prstGeom>
-          <a:solidFill>
-            <a:srgbClr val="FF9900"/>
-          </a:solidFill>
-          <a:ln>
-            <a:noFill/>
-          </a:ln>
-        </p:spPr>
-        <p:style>
-          <a:lnRef idx="2">
-            <a:schemeClr val="accent1">
-              <a:shade val="50000"/>
-            </a:schemeClr>
-          </a:lnRef>
-          <a:fillRef idx="1">
-            <a:schemeClr val="accent1"/>
-          </a:fillRef>
-          <a:effectRef idx="0">
-            <a:schemeClr val="accent1"/>
-          </a:effectRef>
-          <a:fontRef idx="minor">
-            <a:schemeClr val="lt1"/>
-          </a:fontRef>
-        </p:style>
-        <p:txBody>
-          <a:bodyPr rtlCol="0" anchor="ctr"/>
-          <a:p>
-            <a:pPr algn="ctr" fontAlgn="base"/>
-            <a:endParaRPr lang="zh-CN" altLang="en-US" strike="noStrike" noProof="1">
-              <a:ea typeface="Arial Unicode MS" panose="020B0604020202020204" charset="-122"/>
-            </a:endParaRPr>
-          </a:p>
-        </p:txBody>
-      </p:sp>
-      <p:sp>
-        <p:nvSpPr>
-          <p:cNvPr id="7" name="等腰三角形 6"/>
-          <p:cNvSpPr/>
-          <p:nvPr/>
-        </p:nvSpPr>
-        <p:spPr>
-          <a:xfrm rot="6360000">
-            <a:off x="5611813" y="1797050"/>
-            <a:ext cx="260350" cy="225425"/>
-          </a:xfrm>
-          <a:prstGeom prst="triangle">
-            <a:avLst/>
-          </a:prstGeom>
-          <a:solidFill>
-            <a:schemeClr val="bg1"/>
-          </a:solidFill>
-          <a:ln>
-            <a:noFill/>
-          </a:ln>
-        </p:spPr>
-        <p:style>
-          <a:lnRef idx="2">
-            <a:schemeClr val="accent1">
-              <a:shade val="50000"/>
-            </a:schemeClr>
-          </a:lnRef>
-          <a:fillRef idx="1">
-            <a:schemeClr val="accent1"/>
-          </a:fillRef>
-          <a:effectRef idx="0">
-            <a:schemeClr val="accent1"/>
-          </a:effectRef>
-          <a:fontRef idx="minor">
-            <a:schemeClr val="lt1"/>
-          </a:fontRef>
-        </p:style>
-        <p:txBody>
-          <a:bodyPr rtlCol="0" anchor="ctr"/>
-          <a:p>
-            <a:pPr algn="ctr" fontAlgn="base"/>
-            <a:endParaRPr lang="zh-CN" altLang="en-US" strike="noStrike" noProof="1">
-              <a:ea typeface="Arial Unicode MS" panose="020B0604020202020204" charset="-122"/>
-            </a:endParaRPr>
-          </a:p>
-        </p:txBody>
-      </p:sp>
-      <p:sp>
-        <p:nvSpPr>
-          <p:cNvPr id="8" name="Text Box 7"/>
+          <p:cNvPr id="52249" name="文本框 4"/>
           <p:cNvSpPr txBox="1"/>
           <p:nvPr/>
         </p:nvSpPr>
         <p:spPr>
           <a:xfrm>
-            <a:off x="-107950" y="3630930"/>
-            <a:ext cx="9349740" cy="521970"/>
+            <a:off x="935355" y="1685290"/>
+            <a:ext cx="7088505" cy="1706880"/>
           </a:xfrm>
           <a:prstGeom prst="rect">
             <a:avLst/>
           </a:prstGeom>
           <a:noFill/>
+          <a:ln w="9525">
+            <a:noFill/>
+          </a:ln>
         </p:spPr>
         <p:txBody>
-          <a:bodyPr wrap="square" rtlCol="0">
+          <a:bodyPr wrap="square" anchor="t">
             <a:spAutoFit/>
           </a:bodyPr>
           <a:p>
-            <a:pPr algn="ctr"/>
+            <a:pPr marL="171450" indent="-171450" algn="l">
+              <a:lnSpc>
+                <a:spcPct val="150000"/>
+              </a:lnSpc>
+              <a:buFont typeface="Wingdings" panose="05000000000000000000" charset="0"/>
+              <a:buChar char="Ø"/>
+            </a:pPr>
             <a:r>
-              <a:rPr lang="en-US" sz="2800">
-                <a:solidFill>
-                  <a:schemeClr val="bg1"/>
-                </a:solidFill>
-                <a:latin typeface="Bahnschrift SemiLight" panose="020B0502040204020203" charset="0"/>
-                <a:cs typeface="Bahnschrift SemiLight" panose="020B0502040204020203" charset="0"/>
+              <a:rPr lang="en-US" altLang="en-US" sz="1400" dirty="0">
+                <a:solidFill>
+                  <a:schemeClr val="tx1"/>
+                </a:solidFill>
+                <a:latin typeface="Arial Unicode MS" panose="020B0604020202020204" charset="-122"/>
+                <a:ea typeface="Arial Unicode MS" panose="020B0604020202020204" charset="-122"/>
+                <a:sym typeface="Arial" panose="020B0604020202020204" pitchFamily="34" charset="0"/>
               </a:rPr>
-              <a:t>Aamer Qanadilo</a:t>
+              <a:t>To accomplish this goal, CSS preprocessors add syntax that is not within CSS itself. More advanced CSS is written that extends the basic functionalities. This advanced code is later compiled as normal CSS code that the browser can understand.</a:t>
             </a:r>
-            <a:endParaRPr lang="en-US" sz="2800">
+            <a:endParaRPr lang="en-US" altLang="en-US" sz="1400" dirty="0">
               <a:solidFill>
-                <a:schemeClr val="bg1"/>
+                <a:schemeClr val="tx1"/>
               </a:solidFill>
-              <a:latin typeface="Bahnschrift SemiLight" panose="020B0502040204020203" charset="0"/>
-              <a:cs typeface="Bahnschrift SemiLight" panose="020B0502040204020203" charset="0"/>
+              <a:latin typeface="Arial Unicode MS" panose="020B0604020202020204" charset="-122"/>
+              <a:ea typeface="Arial Unicode MS" panose="020B0604020202020204" charset="-122"/>
+              <a:sym typeface="Arial" panose="020B0604020202020204" pitchFamily="34" charset="0"/>
             </a:endParaRPr>
           </a:p>
-        </p:txBody>
-      </p:sp>
-      <p:sp>
-        <p:nvSpPr>
-          <p:cNvPr id="9" name="Text Box 8"/>
-          <p:cNvSpPr txBox="1"/>
-          <p:nvPr/>
-        </p:nvSpPr>
-        <p:spPr>
-          <a:xfrm>
-            <a:off x="0" y="4475480"/>
-            <a:ext cx="9160510" cy="368300"/>
-          </a:xfrm>
-          <a:prstGeom prst="rect">
-            <a:avLst/>
-          </a:prstGeom>
-          <a:noFill/>
-        </p:spPr>
-        <p:txBody>
-          <a:bodyPr wrap="square" rtlCol="0">
-            <a:spAutoFit/>
-          </a:bodyPr>
-          <a:p>
-            <a:pPr algn="ctr"/>
-            <a:r>
-              <a:rPr lang="en-US" b="1">
-                <a:solidFill>
-                  <a:schemeClr val="bg1"/>
-                </a:solidFill>
-                <a:latin typeface="Cascadia Code SemiBold" panose="020B0609020000020004" charset="0"/>
-                <a:cs typeface="Cascadia Code SemiBold" panose="020B0609020000020004" charset="0"/>
-              </a:rPr>
-              <a:t>Foothill Technology Solutions</a:t>
-            </a:r>
-            <a:endParaRPr lang="en-US" b="1">
+          <a:p>
+            <a:pPr marL="171450" indent="-171450" algn="l">
+              <a:lnSpc>
+                <a:spcPct val="150000"/>
+              </a:lnSpc>
+              <a:buFont typeface="Wingdings" panose="05000000000000000000" charset="0"/>
+              <a:buChar char="Ø"/>
+            </a:pPr>
+            <a:endParaRPr lang="en-US" altLang="en-US" sz="1400" dirty="0">
               <a:solidFill>
-                <a:schemeClr val="bg1"/>
+                <a:schemeClr val="tx1"/>
               </a:solidFill>
-              <a:latin typeface="Cascadia Code SemiBold" panose="020B0609020000020004" charset="0"/>
-              <a:cs typeface="Cascadia Code SemiBold" panose="020B0609020000020004" charset="0"/>
+              <a:latin typeface="Arial Unicode MS" panose="020B0604020202020204" charset="-122"/>
+              <a:ea typeface="Arial Unicode MS" panose="020B0604020202020204" charset="-122"/>
+              <a:sym typeface="Arial" panose="020B0604020202020204" pitchFamily="34" charset="0"/>
             </a:endParaRPr>
           </a:p>
         </p:txBody>
       </p:sp>
       <p:pic>
         <p:nvPicPr>
-          <p:cNvPr id="10" name="Picture 9" descr="squareLogo-00d15a83d026c2e522bcc0b27f1897a8"/>
+          <p:cNvPr id="7" name="Picture 6"/>
           <p:cNvPicPr>
             <a:picLocks noChangeAspect="1"/>
           </p:cNvPicPr>
@@ -14874,11 +14904,35 @@
           </a:stretch>
         </p:blipFill>
         <p:spPr>
-          <a:xfrm>
-            <a:off x="3996055" y="956310"/>
-            <a:ext cx="1141095" cy="1141095"/>
+          <a:xfrm rot="5400000">
+            <a:off x="7291705" y="0"/>
+            <a:ext cx="1852295" cy="1852295"/>
           </a:xfrm>
-          <a:prstGeom prst="ellipse">
+          <a:prstGeom prst="rect">
+            <a:avLst/>
+          </a:prstGeom>
+        </p:spPr>
+      </p:pic>
+      <p:pic>
+        <p:nvPicPr>
+          <p:cNvPr id="8" name="Picture 7"/>
+          <p:cNvPicPr>
+            <a:picLocks noChangeAspect="1"/>
+          </p:cNvPicPr>
+          <p:nvPr/>
+        </p:nvPicPr>
+        <p:blipFill>
+          <a:blip r:embed="rId1"/>
+          <a:stretch>
+            <a:fillRect/>
+          </a:stretch>
+        </p:blipFill>
+        <p:spPr>
+          <a:xfrm rot="16200000">
+            <a:off x="0" y="3609340"/>
+            <a:ext cx="1534160" cy="1534160"/>
+          </a:xfrm>
+          <a:prstGeom prst="rect">
             <a:avLst/>
           </a:prstGeom>
         </p:spPr>
@@ -14915,7 +14969,7 @@
                             </p:stCondLst>
                             <p:childTnLst>
                               <p:par>
-                                <p:cTn id="5" presetID="10" presetClass="entr" presetSubtype="0" fill="hold" grpId="0" nodeType="afterEffect">
+                                <p:cTn id="5" presetID="49" presetClass="entr" presetSubtype="0" decel="100000" fill="hold" grpId="0" nodeType="afterEffect">
                                   <p:stCondLst>
                                     <p:cond delay="0"/>
                                   </p:stCondLst>
@@ -14928,7 +14982,7 @@
                                           </p:stCondLst>
                                         </p:cTn>
                                         <p:tgtEl>
-                                          <p:spTgt spid="24579"/>
+                                          <p:spTgt spid="13"/>
                                         </p:tgtEl>
                                         <p:attrNameLst>
                                           <p:attrName>style.visibility</p:attrName>
@@ -14938,11 +14992,80 @@
                                         <p:strVal val="visible"/>
                                       </p:to>
                                     </p:set>
+                                    <p:anim calcmode="lin" valueType="num">
+                                      <p:cBhvr>
+                                        <p:cTn id="7" dur="500" fill="hold"/>
+                                        <p:tgtEl>
+                                          <p:spTgt spid="13"/>
+                                        </p:tgtEl>
+                                        <p:attrNameLst>
+                                          <p:attrName>ppt_w</p:attrName>
+                                        </p:attrNameLst>
+                                      </p:cBhvr>
+                                      <p:tavLst>
+                                        <p:tav tm="0">
+                                          <p:val>
+                                            <p:fltVal val="0.000000"/>
+                                          </p:val>
+                                        </p:tav>
+                                        <p:tav tm="100000">
+                                          <p:val>
+                                            <p:strVal val="#ppt_w"/>
+                                          </p:val>
+                                        </p:tav>
+                                      </p:tavLst>
+                                    </p:anim>
+                                    <p:anim calcmode="lin" valueType="num">
+                                      <p:cBhvr>
+                                        <p:cTn id="8" dur="500" fill="hold"/>
+                                        <p:tgtEl>
+                                          <p:spTgt spid="13"/>
+                                        </p:tgtEl>
+                                        <p:attrNameLst>
+                                          <p:attrName>ppt_h</p:attrName>
+                                        </p:attrNameLst>
+                                      </p:cBhvr>
+                                      <p:tavLst>
+                                        <p:tav tm="0">
+                                          <p:val>
+                                            <p:fltVal val="0.000000"/>
+                                          </p:val>
+                                        </p:tav>
+                                        <p:tav tm="100000">
+                                          <p:val>
+                                            <p:strVal val="#ppt_h"/>
+                                          </p:val>
+                                        </p:tav>
+                                      </p:tavLst>
+                                    </p:anim>
+                                    <p:anim calcmode="lin" valueType="num">
+                                      <p:cBhvr>
+                                        <p:cTn id="9" dur="500" fill="hold"/>
+                                        <p:tgtEl>
+                                          <p:spTgt spid="13"/>
+                                        </p:tgtEl>
+                                        <p:attrNameLst>
+                                          <p:attrName>style.rotation</p:attrName>
+                                        </p:attrNameLst>
+                                      </p:cBhvr>
+                                      <p:tavLst>
+                                        <p:tav tm="0">
+                                          <p:val>
+                                            <p:fltVal val="360.000000"/>
+                                          </p:val>
+                                        </p:tav>
+                                        <p:tav tm="100000">
+                                          <p:val>
+                                            <p:fltVal val="0.000000"/>
+                                          </p:val>
+                                        </p:tav>
+                                      </p:tavLst>
+                                    </p:anim>
                                     <p:animEffect transition="in" filter="fade">
                                       <p:cBhvr>
-                                        <p:cTn id="7" dur="500"/>
-                                        <p:tgtEl>
-                                          <p:spTgt spid="24579"/>
+                                        <p:cTn id="10" dur="500"/>
+                                        <p:tgtEl>
+                                          <p:spTgt spid="13"/>
                                         </p:tgtEl>
                                       </p:cBhvr>
                                     </p:animEffect>
@@ -14953,26 +15076,26 @@
                           </p:cTn>
                         </p:par>
                         <p:par>
-                          <p:cTn id="8" fill="hold">
+                          <p:cTn id="11" fill="hold">
                             <p:stCondLst>
                               <p:cond delay="500"/>
                             </p:stCondLst>
                             <p:childTnLst>
                               <p:par>
-                                <p:cTn id="9" presetID="49" presetClass="entr" presetSubtype="0" decel="100000" fill="hold" grpId="0" nodeType="afterEffect">
+                                <p:cTn id="12" presetID="53" presetClass="entr" presetSubtype="16" fill="hold" grpId="0" nodeType="afterEffect">
                                   <p:stCondLst>
                                     <p:cond delay="0"/>
                                   </p:stCondLst>
                                   <p:childTnLst>
                                     <p:set>
                                       <p:cBhvr>
-                                        <p:cTn id="10" dur="1" fill="hold">
+                                        <p:cTn id="13" dur="1" fill="hold">
                                           <p:stCondLst>
                                             <p:cond delay="0"/>
                                           </p:stCondLst>
                                         </p:cTn>
                                         <p:tgtEl>
-                                          <p:spTgt spid="3"/>
+                                          <p:spTgt spid="52249"/>
                                         </p:tgtEl>
                                         <p:attrNameLst>
                                           <p:attrName>style.visibility</p:attrName>
@@ -14984,9 +15107,9 @@
                                     </p:set>
                                     <p:anim calcmode="lin" valueType="num">
                                       <p:cBhvr>
-                                        <p:cTn id="11" dur="500" fill="hold"/>
-                                        <p:tgtEl>
-                                          <p:spTgt spid="3"/>
+                                        <p:cTn id="14" dur="500" fill="hold"/>
+                                        <p:tgtEl>
+                                          <p:spTgt spid="52249"/>
                                         </p:tgtEl>
                                         <p:attrNameLst>
                                           <p:attrName>ppt_w</p:attrName>
@@ -15007,9 +15130,9 @@
                                     </p:anim>
                                     <p:anim calcmode="lin" valueType="num">
                                       <p:cBhvr>
-                                        <p:cTn id="12" dur="500" fill="hold"/>
-                                        <p:tgtEl>
-                                          <p:spTgt spid="3"/>
+                                        <p:cTn id="15" dur="500" fill="hold"/>
+                                        <p:tgtEl>
+                                          <p:spTgt spid="52249"/>
                                         </p:tgtEl>
                                         <p:attrNameLst>
                                           <p:attrName>ppt_h</p:attrName>
@@ -15024,462 +15147,18 @@
                                         <p:tav tm="100000">
                                           <p:val>
                                             <p:strVal val="#ppt_h"/>
-                                          </p:val>
-                                        </p:tav>
-                                      </p:tavLst>
-                                    </p:anim>
-                                    <p:anim calcmode="lin" valueType="num">
-                                      <p:cBhvr>
-                                        <p:cTn id="13" dur="500" fill="hold"/>
-                                        <p:tgtEl>
-                                          <p:spTgt spid="3"/>
-                                        </p:tgtEl>
-                                        <p:attrNameLst>
-                                          <p:attrName>style.rotation</p:attrName>
-                                        </p:attrNameLst>
-                                      </p:cBhvr>
-                                      <p:tavLst>
-                                        <p:tav tm="0">
-                                          <p:val>
-                                            <p:fltVal val="360.000000"/>
-                                          </p:val>
-                                        </p:tav>
-                                        <p:tav tm="100000">
-                                          <p:val>
-                                            <p:fltVal val="0.000000"/>
                                           </p:val>
                                         </p:tav>
                                       </p:tavLst>
                                     </p:anim>
                                     <p:animEffect transition="in" filter="fade">
                                       <p:cBhvr>
-                                        <p:cTn id="14" dur="500"/>
-                                        <p:tgtEl>
-                                          <p:spTgt spid="3"/>
+                                        <p:cTn id="16" dur="500"/>
+                                        <p:tgtEl>
+                                          <p:spTgt spid="52249"/>
                                         </p:tgtEl>
                                       </p:cBhvr>
                                     </p:animEffect>
-                                  </p:childTnLst>
-                                </p:cTn>
-                              </p:par>
-                            </p:childTnLst>
-                          </p:cTn>
-                        </p:par>
-                        <p:par>
-                          <p:cTn id="15" fill="hold">
-                            <p:stCondLst>
-                              <p:cond delay="1000"/>
-                            </p:stCondLst>
-                            <p:childTnLst>
-                              <p:par>
-                                <p:cTn id="16" presetID="49" presetClass="entr" presetSubtype="0" decel="100000" fill="hold" grpId="0" nodeType="afterEffect">
-                                  <p:stCondLst>
-                                    <p:cond delay="0"/>
-                                  </p:stCondLst>
-                                  <p:childTnLst>
-                                    <p:set>
-                                      <p:cBhvr>
-                                        <p:cTn id="17" dur="1" fill="hold">
-                                          <p:stCondLst>
-                                            <p:cond delay="0"/>
-                                          </p:stCondLst>
-                                        </p:cTn>
-                                        <p:tgtEl>
-                                          <p:spTgt spid="7"/>
-                                        </p:tgtEl>
-                                        <p:attrNameLst>
-                                          <p:attrName>style.visibility</p:attrName>
-                                        </p:attrNameLst>
-                                      </p:cBhvr>
-                                      <p:to>
-                                        <p:strVal val="visible"/>
-                                      </p:to>
-                                    </p:set>
-                                    <p:anim calcmode="lin" valueType="num">
-                                      <p:cBhvr>
-                                        <p:cTn id="18" dur="500" fill="hold"/>
-                                        <p:tgtEl>
-                                          <p:spTgt spid="7"/>
-                                        </p:tgtEl>
-                                        <p:attrNameLst>
-                                          <p:attrName>ppt_w</p:attrName>
-                                        </p:attrNameLst>
-                                      </p:cBhvr>
-                                      <p:tavLst>
-                                        <p:tav tm="0">
-                                          <p:val>
-                                            <p:fltVal val="0.000000"/>
-                                          </p:val>
-                                        </p:tav>
-                                        <p:tav tm="100000">
-                                          <p:val>
-                                            <p:strVal val="#ppt_w"/>
-                                          </p:val>
-                                        </p:tav>
-                                      </p:tavLst>
-                                    </p:anim>
-                                    <p:anim calcmode="lin" valueType="num">
-                                      <p:cBhvr>
-                                        <p:cTn id="19" dur="500" fill="hold"/>
-                                        <p:tgtEl>
-                                          <p:spTgt spid="7"/>
-                                        </p:tgtEl>
-                                        <p:attrNameLst>
-                                          <p:attrName>ppt_h</p:attrName>
-                                        </p:attrNameLst>
-                                      </p:cBhvr>
-                                      <p:tavLst>
-                                        <p:tav tm="0">
-                                          <p:val>
-                                            <p:fltVal val="0.000000"/>
-                                          </p:val>
-                                        </p:tav>
-                                        <p:tav tm="100000">
-                                          <p:val>
-                                            <p:strVal val="#ppt_h"/>
-                                          </p:val>
-                                        </p:tav>
-                                      </p:tavLst>
-                                    </p:anim>
-                                    <p:anim calcmode="lin" valueType="num">
-                                      <p:cBhvr>
-                                        <p:cTn id="20" dur="500" fill="hold"/>
-                                        <p:tgtEl>
-                                          <p:spTgt spid="7"/>
-                                        </p:tgtEl>
-                                        <p:attrNameLst>
-                                          <p:attrName>style.rotation</p:attrName>
-                                        </p:attrNameLst>
-                                      </p:cBhvr>
-                                      <p:tavLst>
-                                        <p:tav tm="0">
-                                          <p:val>
-                                            <p:fltVal val="360.000000"/>
-                                          </p:val>
-                                        </p:tav>
-                                        <p:tav tm="100000">
-                                          <p:val>
-                                            <p:fltVal val="0.000000"/>
-                                          </p:val>
-                                        </p:tav>
-                                      </p:tavLst>
-                                    </p:anim>
-                                    <p:animEffect transition="in" filter="fade">
-                                      <p:cBhvr>
-                                        <p:cTn id="21" dur="500"/>
-                                        <p:tgtEl>
-                                          <p:spTgt spid="7"/>
-                                        </p:tgtEl>
-                                      </p:cBhvr>
-                                    </p:animEffect>
-                                  </p:childTnLst>
-                                </p:cTn>
-                              </p:par>
-                            </p:childTnLst>
-                          </p:cTn>
-                        </p:par>
-                        <p:par>
-                          <p:cTn id="22" fill="hold">
-                            <p:stCondLst>
-                              <p:cond delay="1500"/>
-                            </p:stCondLst>
-                            <p:childTnLst>
-                              <p:par>
-                                <p:cTn id="23" presetID="49" presetClass="entr" presetSubtype="0" decel="100000" fill="hold" grpId="0" nodeType="afterEffect">
-                                  <p:stCondLst>
-                                    <p:cond delay="0"/>
-                                  </p:stCondLst>
-                                  <p:childTnLst>
-                                    <p:set>
-                                      <p:cBhvr>
-                                        <p:cTn id="24" dur="1" fill="hold">
-                                          <p:stCondLst>
-                                            <p:cond delay="0"/>
-                                          </p:stCondLst>
-                                        </p:cTn>
-                                        <p:tgtEl>
-                                          <p:spTgt spid="5"/>
-                                        </p:tgtEl>
-                                        <p:attrNameLst>
-                                          <p:attrName>style.visibility</p:attrName>
-                                        </p:attrNameLst>
-                                      </p:cBhvr>
-                                      <p:to>
-                                        <p:strVal val="visible"/>
-                                      </p:to>
-                                    </p:set>
-                                    <p:anim calcmode="lin" valueType="num">
-                                      <p:cBhvr>
-                                        <p:cTn id="25" dur="500" fill="hold"/>
-                                        <p:tgtEl>
-                                          <p:spTgt spid="5"/>
-                                        </p:tgtEl>
-                                        <p:attrNameLst>
-                                          <p:attrName>ppt_w</p:attrName>
-                                        </p:attrNameLst>
-                                      </p:cBhvr>
-                                      <p:tavLst>
-                                        <p:tav tm="0">
-                                          <p:val>
-                                            <p:fltVal val="0.000000"/>
-                                          </p:val>
-                                        </p:tav>
-                                        <p:tav tm="100000">
-                                          <p:val>
-                                            <p:strVal val="#ppt_w"/>
-                                          </p:val>
-                                        </p:tav>
-                                      </p:tavLst>
-                                    </p:anim>
-                                    <p:anim calcmode="lin" valueType="num">
-                                      <p:cBhvr>
-                                        <p:cTn id="26" dur="500" fill="hold"/>
-                                        <p:tgtEl>
-                                          <p:spTgt spid="5"/>
-                                        </p:tgtEl>
-                                        <p:attrNameLst>
-                                          <p:attrName>ppt_h</p:attrName>
-                                        </p:attrNameLst>
-                                      </p:cBhvr>
-                                      <p:tavLst>
-                                        <p:tav tm="0">
-                                          <p:val>
-                                            <p:fltVal val="0.000000"/>
-                                          </p:val>
-                                        </p:tav>
-                                        <p:tav tm="100000">
-                                          <p:val>
-                                            <p:strVal val="#ppt_h"/>
-                                          </p:val>
-                                        </p:tav>
-                                      </p:tavLst>
-                                    </p:anim>
-                                    <p:anim calcmode="lin" valueType="num">
-                                      <p:cBhvr>
-                                        <p:cTn id="27" dur="500" fill="hold"/>
-                                        <p:tgtEl>
-                                          <p:spTgt spid="5"/>
-                                        </p:tgtEl>
-                                        <p:attrNameLst>
-                                          <p:attrName>style.rotation</p:attrName>
-                                        </p:attrNameLst>
-                                      </p:cBhvr>
-                                      <p:tavLst>
-                                        <p:tav tm="0">
-                                          <p:val>
-                                            <p:fltVal val="360.000000"/>
-                                          </p:val>
-                                        </p:tav>
-                                        <p:tav tm="100000">
-                                          <p:val>
-                                            <p:fltVal val="0.000000"/>
-                                          </p:val>
-                                        </p:tav>
-                                      </p:tavLst>
-                                    </p:anim>
-                                    <p:animEffect transition="in" filter="fade">
-                                      <p:cBhvr>
-                                        <p:cTn id="28" dur="500"/>
-                                        <p:tgtEl>
-                                          <p:spTgt spid="5"/>
-                                        </p:tgtEl>
-                                      </p:cBhvr>
-                                    </p:animEffect>
-                                  </p:childTnLst>
-                                </p:cTn>
-                              </p:par>
-                            </p:childTnLst>
-                          </p:cTn>
-                        </p:par>
-                        <p:par>
-                          <p:cTn id="29" fill="hold">
-                            <p:stCondLst>
-                              <p:cond delay="2000"/>
-                            </p:stCondLst>
-                            <p:childTnLst>
-                              <p:par>
-                                <p:cTn id="30" presetID="49" presetClass="entr" presetSubtype="0" decel="100000" fill="hold" grpId="0" nodeType="afterEffect">
-                                  <p:stCondLst>
-                                    <p:cond delay="0"/>
-                                  </p:stCondLst>
-                                  <p:childTnLst>
-                                    <p:set>
-                                      <p:cBhvr>
-                                        <p:cTn id="31" dur="1" fill="hold">
-                                          <p:stCondLst>
-                                            <p:cond delay="0"/>
-                                          </p:stCondLst>
-                                        </p:cTn>
-                                        <p:tgtEl>
-                                          <p:spTgt spid="4"/>
-                                        </p:tgtEl>
-                                        <p:attrNameLst>
-                                          <p:attrName>style.visibility</p:attrName>
-                                        </p:attrNameLst>
-                                      </p:cBhvr>
-                                      <p:to>
-                                        <p:strVal val="visible"/>
-                                      </p:to>
-                                    </p:set>
-                                    <p:anim calcmode="lin" valueType="num">
-                                      <p:cBhvr>
-                                        <p:cTn id="32" dur="500" fill="hold"/>
-                                        <p:tgtEl>
-                                          <p:spTgt spid="4"/>
-                                        </p:tgtEl>
-                                        <p:attrNameLst>
-                                          <p:attrName>ppt_w</p:attrName>
-                                        </p:attrNameLst>
-                                      </p:cBhvr>
-                                      <p:tavLst>
-                                        <p:tav tm="0">
-                                          <p:val>
-                                            <p:fltVal val="0.000000"/>
-                                          </p:val>
-                                        </p:tav>
-                                        <p:tav tm="100000">
-                                          <p:val>
-                                            <p:strVal val="#ppt_w"/>
-                                          </p:val>
-                                        </p:tav>
-                                      </p:tavLst>
-                                    </p:anim>
-                                    <p:anim calcmode="lin" valueType="num">
-                                      <p:cBhvr>
-                                        <p:cTn id="33" dur="500" fill="hold"/>
-                                        <p:tgtEl>
-                                          <p:spTgt spid="4"/>
-                                        </p:tgtEl>
-                                        <p:attrNameLst>
-                                          <p:attrName>ppt_h</p:attrName>
-                                        </p:attrNameLst>
-                                      </p:cBhvr>
-                                      <p:tavLst>
-                                        <p:tav tm="0">
-                                          <p:val>
-                                            <p:fltVal val="0.000000"/>
-                                          </p:val>
-                                        </p:tav>
-                                        <p:tav tm="100000">
-                                          <p:val>
-                                            <p:strVal val="#ppt_h"/>
-                                          </p:val>
-                                        </p:tav>
-                                      </p:tavLst>
-                                    </p:anim>
-                                    <p:anim calcmode="lin" valueType="num">
-                                      <p:cBhvr>
-                                        <p:cTn id="34" dur="500" fill="hold"/>
-                                        <p:tgtEl>
-                                          <p:spTgt spid="4"/>
-                                        </p:tgtEl>
-                                        <p:attrNameLst>
-                                          <p:attrName>style.rotation</p:attrName>
-                                        </p:attrNameLst>
-                                      </p:cBhvr>
-                                      <p:tavLst>
-                                        <p:tav tm="0">
-                                          <p:val>
-                                            <p:fltVal val="360.000000"/>
-                                          </p:val>
-                                        </p:tav>
-                                        <p:tav tm="100000">
-                                          <p:val>
-                                            <p:fltVal val="0.000000"/>
-                                          </p:val>
-                                        </p:tav>
-                                      </p:tavLst>
-                                    </p:anim>
-                                    <p:animEffect transition="in" filter="fade">
-                                      <p:cBhvr>
-                                        <p:cTn id="35" dur="500"/>
-                                        <p:tgtEl>
-                                          <p:spTgt spid="4"/>
-                                        </p:tgtEl>
-                                      </p:cBhvr>
-                                    </p:animEffect>
-                                  </p:childTnLst>
-                                </p:cTn>
-                              </p:par>
-                            </p:childTnLst>
-                          </p:cTn>
-                        </p:par>
-                        <p:par>
-                          <p:cTn id="36" fill="hold">
-                            <p:stCondLst>
-                              <p:cond delay="2500"/>
-                            </p:stCondLst>
-                            <p:childTnLst>
-                              <p:par>
-                                <p:cTn id="37" presetID="2" presetClass="entr" presetSubtype="8" fill="hold" grpId="0" nodeType="afterEffect">
-                                  <p:stCondLst>
-                                    <p:cond delay="0"/>
-                                  </p:stCondLst>
-                                  <p:childTnLst>
-                                    <p:set>
-                                      <p:cBhvr>
-                                        <p:cTn id="38" dur="1" fill="hold">
-                                          <p:stCondLst>
-                                            <p:cond delay="0"/>
-                                          </p:stCondLst>
-                                        </p:cTn>
-                                        <p:tgtEl>
-                                          <p:spTgt spid="2"/>
-                                        </p:tgtEl>
-                                        <p:attrNameLst>
-                                          <p:attrName>style.visibility</p:attrName>
-                                        </p:attrNameLst>
-                                      </p:cBhvr>
-                                      <p:to>
-                                        <p:strVal val="visible"/>
-                                      </p:to>
-                                    </p:set>
-                                    <p:anim calcmode="lin" valueType="num">
-                                      <p:cBhvr>
-                                        <p:cTn id="39" dur="500" fill="hold"/>
-                                        <p:tgtEl>
-                                          <p:spTgt spid="2"/>
-                                        </p:tgtEl>
-                                        <p:attrNameLst>
-                                          <p:attrName>ppt_x</p:attrName>
-                                        </p:attrNameLst>
-                                      </p:cBhvr>
-                                      <p:tavLst>
-                                        <p:tav tm="0">
-                                          <p:val>
-                                            <p:strVal val="0-#ppt_w/2"/>
-                                          </p:val>
-                                        </p:tav>
-                                        <p:tav tm="100000">
-                                          <p:val>
-                                            <p:strVal val="#ppt_x"/>
-                                          </p:val>
-                                        </p:tav>
-                                      </p:tavLst>
-                                    </p:anim>
-                                    <p:anim calcmode="lin" valueType="num">
-                                      <p:cBhvr>
-                                        <p:cTn id="40" dur="500" fill="hold"/>
-                                        <p:tgtEl>
-                                          <p:spTgt spid="2"/>
-                                        </p:tgtEl>
-                                        <p:attrNameLst>
-                                          <p:attrName>ppt_y</p:attrName>
-                                        </p:attrNameLst>
-                                      </p:cBhvr>
-                                      <p:tavLst>
-                                        <p:tav tm="0">
-                                          <p:val>
-                                            <p:strVal val="#ppt_y"/>
-                                          </p:val>
-                                        </p:tav>
-                                        <p:tav tm="100000">
-                                          <p:val>
-                                            <p:strVal val="#ppt_y"/>
-                                          </p:val>
-                                        </p:tav>
-                                      </p:tavLst>
-                                    </p:anim>
                                   </p:childTnLst>
                                 </p:cTn>
                               </p:par>
@@ -15511,12 +15190,8 @@
       </p:par>
     </p:tnLst>
     <p:bldLst>
-      <p:bldP spid="24579" grpId="0"/>
-      <p:bldP spid="3" grpId="0" bldLvl="0" animBg="1"/>
-      <p:bldP spid="7" grpId="0" bldLvl="0" animBg="1"/>
-      <p:bldP spid="5" grpId="0" bldLvl="0" animBg="1"/>
-      <p:bldP spid="4" grpId="0" bldLvl="0" animBg="1"/>
-      <p:bldP spid="2" grpId="0" bldLvl="0" animBg="1"/>
+      <p:bldP spid="13" grpId="0" bldLvl="0" animBg="1"/>
+      <p:bldP spid="52249" grpId="0"/>
     </p:bldLst>
   </p:timing>
 </p:sld>
@@ -21353,6 +21028,6486 @@
       <p:bldP spid="3" grpId="0"/>
       <p:bldP spid="11" grpId="0"/>
       <p:bldP spid="10" grpId="0" bldLvl="0" animBg="1"/>
+    </p:bldLst>
+  </p:timing>
+</p:sld>
+</file>
+
+<file path=ppt/slides/slide20.xml><?xml version="1.0" encoding="utf-8"?>
+<p:sld xmlns:a="http://schemas.openxmlformats.org/drawingml/2006/main" xmlns:r="http://schemas.openxmlformats.org/officeDocument/2006/relationships" xmlns:p="http://schemas.openxmlformats.org/presentationml/2006/main">
+  <p:cSld>
+    <p:spTree>
+      <p:nvGrpSpPr>
+        <p:cNvPr id="1" name=""/>
+        <p:cNvGrpSpPr/>
+        <p:nvPr/>
+      </p:nvGrpSpPr>
+      <p:grpSpPr/>
+      <p:sp>
+        <p:nvSpPr>
+          <p:cNvPr id="13" name="Copyright Notice"/>
+          <p:cNvSpPr/>
+          <p:nvPr/>
+        </p:nvSpPr>
+        <p:spPr bwMode="auto">
+          <a:xfrm>
+            <a:off x="777875" y="383540"/>
+            <a:ext cx="7087235" cy="610235"/>
+          </a:xfrm>
+          <a:prstGeom prst="rect">
+            <a:avLst/>
+          </a:prstGeom>
+          <a:noFill/>
+          <a:ln w="6350" cap="flat" cmpd="sng" algn="ctr">
+            <a:noFill/>
+            <a:prstDash val="solid"/>
+          </a:ln>
+          <a:effectLst/>
+          <a:extLst>
+            <a:ext uri="{909E8E84-426E-40DD-AFC4-6F175D3DCCD1}">
+              <a14:hiddenFill xmlns:a14="http://schemas.microsoft.com/office/drawing/2010/main">
+                <a:solidFill>
+                  <a:schemeClr val="bg1"/>
+                </a:solidFill>
+              </a14:hiddenFill>
+            </a:ext>
+            <a:ext uri="{91240B29-F687-4F45-9708-019B960494DF}">
+              <a14:hiddenLine xmlns:a14="http://schemas.microsoft.com/office/drawing/2010/main" w="6350">
+                <a:solidFill>
+                  <a:srgbClr val="FFFFFF"/>
+                </a:solidFill>
+                <a:prstDash val="solid"/>
+              </a14:hiddenLine>
+            </a:ext>
+          </a:extLst>
+        </p:spPr>
+        <p:style>
+          <a:lnRef idx="2">
+            <a:schemeClr val="accent1">
+              <a:shade val="50000"/>
+            </a:schemeClr>
+          </a:lnRef>
+          <a:fillRef idx="1">
+            <a:schemeClr val="accent1"/>
+          </a:fillRef>
+          <a:effectRef idx="0">
+            <a:schemeClr val="accent1"/>
+          </a:effectRef>
+          <a:fontRef idx="minor">
+            <a:schemeClr val="lt1"/>
+          </a:fontRef>
+        </p:style>
+        <p:txBody>
+          <a:bodyPr wrap="square" lIns="56626" tIns="25481" rIns="56626" bIns="25481" rtlCol="0" anchor="t">
+            <a:spAutoFit/>
+          </a:bodyPr>
+          <a:lstStyle>
+            <a:defPPr>
+              <a:defRPr lang="zh-CN"/>
+            </a:defPPr>
+            <a:lvl1pPr marL="0" algn="l" defTabSz="914400" rtl="0" eaLnBrk="1" latinLnBrk="0" hangingPunct="1">
+              <a:defRPr sz="1800" kern="1200">
+                <a:solidFill>
+                  <a:schemeClr val="lt1"/>
+                </a:solidFill>
+                <a:latin typeface="+mn-lt"/>
+                <a:ea typeface="+mn-ea"/>
+                <a:cs typeface="+mn-cs"/>
+              </a:defRPr>
+            </a:lvl1pPr>
+            <a:lvl2pPr marL="457200" algn="l" defTabSz="914400" rtl="0" eaLnBrk="1" latinLnBrk="0" hangingPunct="1">
+              <a:defRPr sz="1800" kern="1200">
+                <a:solidFill>
+                  <a:schemeClr val="lt1"/>
+                </a:solidFill>
+                <a:latin typeface="+mn-lt"/>
+                <a:ea typeface="+mn-ea"/>
+                <a:cs typeface="+mn-cs"/>
+              </a:defRPr>
+            </a:lvl2pPr>
+            <a:lvl3pPr marL="914400" algn="l" defTabSz="914400" rtl="0" eaLnBrk="1" latinLnBrk="0" hangingPunct="1">
+              <a:defRPr sz="1800" kern="1200">
+                <a:solidFill>
+                  <a:schemeClr val="lt1"/>
+                </a:solidFill>
+                <a:latin typeface="+mn-lt"/>
+                <a:ea typeface="+mn-ea"/>
+                <a:cs typeface="+mn-cs"/>
+              </a:defRPr>
+            </a:lvl3pPr>
+            <a:lvl4pPr marL="1371600" algn="l" defTabSz="914400" rtl="0" eaLnBrk="1" latinLnBrk="0" hangingPunct="1">
+              <a:defRPr sz="1800" kern="1200">
+                <a:solidFill>
+                  <a:schemeClr val="lt1"/>
+                </a:solidFill>
+                <a:latin typeface="+mn-lt"/>
+                <a:ea typeface="+mn-ea"/>
+                <a:cs typeface="+mn-cs"/>
+              </a:defRPr>
+            </a:lvl4pPr>
+            <a:lvl5pPr marL="1828800" algn="l" defTabSz="914400" rtl="0" eaLnBrk="1" latinLnBrk="0" hangingPunct="1">
+              <a:defRPr sz="1800" kern="1200">
+                <a:solidFill>
+                  <a:schemeClr val="lt1"/>
+                </a:solidFill>
+                <a:latin typeface="+mn-lt"/>
+                <a:ea typeface="+mn-ea"/>
+                <a:cs typeface="+mn-cs"/>
+              </a:defRPr>
+            </a:lvl5pPr>
+            <a:lvl6pPr marL="2286000" algn="l" defTabSz="914400" rtl="0" eaLnBrk="1" latinLnBrk="0" hangingPunct="1">
+              <a:defRPr sz="1800" kern="1200">
+                <a:solidFill>
+                  <a:schemeClr val="lt1"/>
+                </a:solidFill>
+                <a:latin typeface="+mn-lt"/>
+                <a:ea typeface="+mn-ea"/>
+                <a:cs typeface="+mn-cs"/>
+              </a:defRPr>
+            </a:lvl6pPr>
+            <a:lvl7pPr marL="2743200" algn="l" defTabSz="914400" rtl="0" eaLnBrk="1" latinLnBrk="0" hangingPunct="1">
+              <a:defRPr sz="1800" kern="1200">
+                <a:solidFill>
+                  <a:schemeClr val="lt1"/>
+                </a:solidFill>
+                <a:latin typeface="+mn-lt"/>
+                <a:ea typeface="+mn-ea"/>
+                <a:cs typeface="+mn-cs"/>
+              </a:defRPr>
+            </a:lvl7pPr>
+            <a:lvl8pPr marL="3200400" algn="l" defTabSz="914400" rtl="0" eaLnBrk="1" latinLnBrk="0" hangingPunct="1">
+              <a:defRPr sz="1800" kern="1200">
+                <a:solidFill>
+                  <a:schemeClr val="lt1"/>
+                </a:solidFill>
+                <a:latin typeface="+mn-lt"/>
+                <a:ea typeface="+mn-ea"/>
+                <a:cs typeface="+mn-cs"/>
+              </a:defRPr>
+            </a:lvl8pPr>
+            <a:lvl9pPr marL="3657600" algn="l" defTabSz="914400" rtl="0" eaLnBrk="1" latinLnBrk="0" hangingPunct="1">
+              <a:defRPr sz="1800" kern="1200">
+                <a:solidFill>
+                  <a:schemeClr val="lt1"/>
+                </a:solidFill>
+                <a:latin typeface="+mn-lt"/>
+                <a:ea typeface="+mn-ea"/>
+                <a:cs typeface="+mn-cs"/>
+              </a:defRPr>
+            </a:lvl9pPr>
+          </a:lstStyle>
+          <a:p>
+            <a:pPr algn="ctr">
+              <a:lnSpc>
+                <a:spcPct val="130000"/>
+              </a:lnSpc>
+            </a:pPr>
+            <a:r>
+              <a:rPr lang="en-US" altLang="x-none" sz="2800" b="1" dirty="0">
+                <a:solidFill>
+                  <a:srgbClr val="002748"/>
+                </a:solidFill>
+                <a:latin typeface="Arial Unicode MS" panose="020B0604020202020204" charset="-122"/>
+                <a:ea typeface="Arial Unicode MS" panose="020B0604020202020204" charset="-122"/>
+                <a:cs typeface="Arial Unicode MS" panose="020B0604020202020204" charset="-122"/>
+                <a:sym typeface="+mn-ea"/>
+              </a:rPr>
+              <a:t>Pre-Processor Variables</a:t>
+            </a:r>
+            <a:endParaRPr lang="en-US" sz="2800" b="1" strike="noStrike" cap="small" noProof="1" dirty="0" smtClean="0">
+              <a:solidFill>
+                <a:srgbClr val="FF9900"/>
+              </a:solidFill>
+              <a:latin typeface="Arial Unicode MS" panose="020B0604020202020204" charset="-122"/>
+              <a:ea typeface="Arial Unicode MS" panose="020B0604020202020204" charset="-122"/>
+            </a:endParaRPr>
+          </a:p>
+        </p:txBody>
+      </p:sp>
+      <p:sp>
+        <p:nvSpPr>
+          <p:cNvPr id="52249" name="文本框 4"/>
+          <p:cNvSpPr txBox="1"/>
+          <p:nvPr/>
+        </p:nvSpPr>
+        <p:spPr>
+          <a:xfrm>
+            <a:off x="915035" y="1288415"/>
+            <a:ext cx="7088505" cy="1383665"/>
+          </a:xfrm>
+          <a:prstGeom prst="rect">
+            <a:avLst/>
+          </a:prstGeom>
+          <a:noFill/>
+          <a:ln w="9525">
+            <a:noFill/>
+          </a:ln>
+        </p:spPr>
+        <p:txBody>
+          <a:bodyPr wrap="square" anchor="t">
+            <a:spAutoFit/>
+          </a:bodyPr>
+          <a:p>
+            <a:pPr marL="171450" indent="-171450" algn="l">
+              <a:lnSpc>
+                <a:spcPct val="150000"/>
+              </a:lnSpc>
+              <a:buFont typeface="Wingdings" panose="05000000000000000000" charset="0"/>
+              <a:buChar char="Ø"/>
+            </a:pPr>
+            <a:r>
+              <a:rPr lang="en-US" altLang="en-US" sz="1400" dirty="0">
+                <a:solidFill>
+                  <a:schemeClr val="tx1"/>
+                </a:solidFill>
+                <a:latin typeface="Arial Unicode MS" panose="020B0604020202020204" charset="-122"/>
+                <a:ea typeface="Arial Unicode MS" panose="020B0604020202020204" charset="-122"/>
+                <a:sym typeface="Arial" panose="020B0604020202020204" pitchFamily="34" charset="0"/>
+              </a:rPr>
+              <a:t>Just like in regular programming languages, CSS preprocessors give you the opportunity to add variables to your styles. This is helpful for styles you plan to reuse often.</a:t>
+            </a:r>
+            <a:endParaRPr lang="en-US" altLang="en-US" sz="1400" dirty="0">
+              <a:solidFill>
+                <a:schemeClr val="tx1"/>
+              </a:solidFill>
+              <a:latin typeface="Arial Unicode MS" panose="020B0604020202020204" charset="-122"/>
+              <a:ea typeface="Arial Unicode MS" panose="020B0604020202020204" charset="-122"/>
+              <a:sym typeface="Arial" panose="020B0604020202020204" pitchFamily="34" charset="0"/>
+            </a:endParaRPr>
+          </a:p>
+          <a:p>
+            <a:pPr marL="171450" indent="-171450" algn="l">
+              <a:lnSpc>
+                <a:spcPct val="150000"/>
+              </a:lnSpc>
+              <a:buFont typeface="Wingdings" panose="05000000000000000000" charset="0"/>
+              <a:buChar char="Ø"/>
+            </a:pPr>
+            <a:endParaRPr lang="en-US" altLang="en-US" sz="1400" dirty="0">
+              <a:solidFill>
+                <a:schemeClr val="tx1"/>
+              </a:solidFill>
+              <a:latin typeface="Arial Unicode MS" panose="020B0604020202020204" charset="-122"/>
+              <a:ea typeface="Arial Unicode MS" panose="020B0604020202020204" charset="-122"/>
+              <a:sym typeface="Arial" panose="020B0604020202020204" pitchFamily="34" charset="0"/>
+            </a:endParaRPr>
+          </a:p>
+        </p:txBody>
+      </p:sp>
+      <p:pic>
+        <p:nvPicPr>
+          <p:cNvPr id="7" name="Picture 6"/>
+          <p:cNvPicPr>
+            <a:picLocks noChangeAspect="1"/>
+          </p:cNvPicPr>
+          <p:nvPr/>
+        </p:nvPicPr>
+        <p:blipFill>
+          <a:blip r:embed="rId1"/>
+          <a:stretch>
+            <a:fillRect/>
+          </a:stretch>
+        </p:blipFill>
+        <p:spPr>
+          <a:xfrm rot="5400000">
+            <a:off x="7855585" y="0"/>
+            <a:ext cx="1288415" cy="1288415"/>
+          </a:xfrm>
+          <a:prstGeom prst="rect">
+            <a:avLst/>
+          </a:prstGeom>
+        </p:spPr>
+      </p:pic>
+      <p:pic>
+        <p:nvPicPr>
+          <p:cNvPr id="8" name="Picture 7"/>
+          <p:cNvPicPr>
+            <a:picLocks noChangeAspect="1"/>
+          </p:cNvPicPr>
+          <p:nvPr/>
+        </p:nvPicPr>
+        <p:blipFill>
+          <a:blip r:embed="rId1"/>
+          <a:stretch>
+            <a:fillRect/>
+          </a:stretch>
+        </p:blipFill>
+        <p:spPr>
+          <a:xfrm rot="16200000">
+            <a:off x="0" y="3873500"/>
+            <a:ext cx="1270000" cy="1270000"/>
+          </a:xfrm>
+          <a:prstGeom prst="rect">
+            <a:avLst/>
+          </a:prstGeom>
+        </p:spPr>
+      </p:pic>
+      <p:pic>
+        <p:nvPicPr>
+          <p:cNvPr id="2" name="Picture 1"/>
+          <p:cNvPicPr>
+            <a:picLocks noChangeAspect="1"/>
+          </p:cNvPicPr>
+          <p:nvPr/>
+        </p:nvPicPr>
+        <p:blipFill>
+          <a:blip r:embed="rId2"/>
+          <a:stretch>
+            <a:fillRect/>
+          </a:stretch>
+        </p:blipFill>
+        <p:spPr>
+          <a:xfrm>
+            <a:off x="2983230" y="2768600"/>
+            <a:ext cx="3177540" cy="1043940"/>
+          </a:xfrm>
+          <a:prstGeom prst="rect">
+            <a:avLst/>
+          </a:prstGeom>
+          <a:ln w="19050">
+            <a:solidFill>
+              <a:srgbClr val="002748"/>
+            </a:solidFill>
+          </a:ln>
+        </p:spPr>
+      </p:pic>
+    </p:spTree>
+  </p:cSld>
+  <p:clrMapOvr>
+    <a:masterClrMapping/>
+  </p:clrMapOvr>
+  <p:transition>
+    <p:fade/>
+  </p:transition>
+  <p:timing>
+    <p:tnLst>
+      <p:par>
+        <p:cTn id="1" dur="indefinite" restart="never" nodeType="tmRoot">
+          <p:childTnLst>
+            <p:seq concurrent="1" nextAc="seek">
+              <p:cTn id="2" dur="indefinite" nodeType="mainSeq">
+                <p:childTnLst>
+                  <p:par>
+                    <p:cTn id="3" fill="hold">
+                      <p:stCondLst>
+                        <p:cond delay="indefinite"/>
+                        <p:cond evt="onBegin" delay="0">
+                          <p:tn val="2"/>
+                        </p:cond>
+                      </p:stCondLst>
+                      <p:childTnLst>
+                        <p:par>
+                          <p:cTn id="4" fill="hold">
+                            <p:stCondLst>
+                              <p:cond delay="0"/>
+                            </p:stCondLst>
+                            <p:childTnLst>
+                              <p:par>
+                                <p:cTn id="5" presetID="49" presetClass="entr" presetSubtype="0" decel="100000" fill="hold" grpId="0" nodeType="afterEffect">
+                                  <p:stCondLst>
+                                    <p:cond delay="0"/>
+                                  </p:stCondLst>
+                                  <p:childTnLst>
+                                    <p:set>
+                                      <p:cBhvr>
+                                        <p:cTn id="6" dur="1" fill="hold">
+                                          <p:stCondLst>
+                                            <p:cond delay="0"/>
+                                          </p:stCondLst>
+                                        </p:cTn>
+                                        <p:tgtEl>
+                                          <p:spTgt spid="13"/>
+                                        </p:tgtEl>
+                                        <p:attrNameLst>
+                                          <p:attrName>style.visibility</p:attrName>
+                                        </p:attrNameLst>
+                                      </p:cBhvr>
+                                      <p:to>
+                                        <p:strVal val="visible"/>
+                                      </p:to>
+                                    </p:set>
+                                    <p:anim calcmode="lin" valueType="num">
+                                      <p:cBhvr>
+                                        <p:cTn id="7" dur="500" fill="hold"/>
+                                        <p:tgtEl>
+                                          <p:spTgt spid="13"/>
+                                        </p:tgtEl>
+                                        <p:attrNameLst>
+                                          <p:attrName>ppt_w</p:attrName>
+                                        </p:attrNameLst>
+                                      </p:cBhvr>
+                                      <p:tavLst>
+                                        <p:tav tm="0">
+                                          <p:val>
+                                            <p:fltVal val="0.000000"/>
+                                          </p:val>
+                                        </p:tav>
+                                        <p:tav tm="100000">
+                                          <p:val>
+                                            <p:strVal val="#ppt_w"/>
+                                          </p:val>
+                                        </p:tav>
+                                      </p:tavLst>
+                                    </p:anim>
+                                    <p:anim calcmode="lin" valueType="num">
+                                      <p:cBhvr>
+                                        <p:cTn id="8" dur="500" fill="hold"/>
+                                        <p:tgtEl>
+                                          <p:spTgt spid="13"/>
+                                        </p:tgtEl>
+                                        <p:attrNameLst>
+                                          <p:attrName>ppt_h</p:attrName>
+                                        </p:attrNameLst>
+                                      </p:cBhvr>
+                                      <p:tavLst>
+                                        <p:tav tm="0">
+                                          <p:val>
+                                            <p:fltVal val="0.000000"/>
+                                          </p:val>
+                                        </p:tav>
+                                        <p:tav tm="100000">
+                                          <p:val>
+                                            <p:strVal val="#ppt_h"/>
+                                          </p:val>
+                                        </p:tav>
+                                      </p:tavLst>
+                                    </p:anim>
+                                    <p:anim calcmode="lin" valueType="num">
+                                      <p:cBhvr>
+                                        <p:cTn id="9" dur="500" fill="hold"/>
+                                        <p:tgtEl>
+                                          <p:spTgt spid="13"/>
+                                        </p:tgtEl>
+                                        <p:attrNameLst>
+                                          <p:attrName>style.rotation</p:attrName>
+                                        </p:attrNameLst>
+                                      </p:cBhvr>
+                                      <p:tavLst>
+                                        <p:tav tm="0">
+                                          <p:val>
+                                            <p:fltVal val="360.000000"/>
+                                          </p:val>
+                                        </p:tav>
+                                        <p:tav tm="100000">
+                                          <p:val>
+                                            <p:fltVal val="0.000000"/>
+                                          </p:val>
+                                        </p:tav>
+                                      </p:tavLst>
+                                    </p:anim>
+                                    <p:animEffect transition="in" filter="fade">
+                                      <p:cBhvr>
+                                        <p:cTn id="10" dur="500"/>
+                                        <p:tgtEl>
+                                          <p:spTgt spid="13"/>
+                                        </p:tgtEl>
+                                      </p:cBhvr>
+                                    </p:animEffect>
+                                  </p:childTnLst>
+                                </p:cTn>
+                              </p:par>
+                            </p:childTnLst>
+                          </p:cTn>
+                        </p:par>
+                        <p:par>
+                          <p:cTn id="11" fill="hold">
+                            <p:stCondLst>
+                              <p:cond delay="500"/>
+                            </p:stCondLst>
+                            <p:childTnLst>
+                              <p:par>
+                                <p:cTn id="12" presetID="53" presetClass="entr" presetSubtype="16" fill="hold" grpId="0" nodeType="afterEffect">
+                                  <p:stCondLst>
+                                    <p:cond delay="0"/>
+                                  </p:stCondLst>
+                                  <p:childTnLst>
+                                    <p:set>
+                                      <p:cBhvr>
+                                        <p:cTn id="13" dur="1" fill="hold">
+                                          <p:stCondLst>
+                                            <p:cond delay="0"/>
+                                          </p:stCondLst>
+                                        </p:cTn>
+                                        <p:tgtEl>
+                                          <p:spTgt spid="52249"/>
+                                        </p:tgtEl>
+                                        <p:attrNameLst>
+                                          <p:attrName>style.visibility</p:attrName>
+                                        </p:attrNameLst>
+                                      </p:cBhvr>
+                                      <p:to>
+                                        <p:strVal val="visible"/>
+                                      </p:to>
+                                    </p:set>
+                                    <p:anim calcmode="lin" valueType="num">
+                                      <p:cBhvr>
+                                        <p:cTn id="14" dur="500" fill="hold"/>
+                                        <p:tgtEl>
+                                          <p:spTgt spid="52249"/>
+                                        </p:tgtEl>
+                                        <p:attrNameLst>
+                                          <p:attrName>ppt_w</p:attrName>
+                                        </p:attrNameLst>
+                                      </p:cBhvr>
+                                      <p:tavLst>
+                                        <p:tav tm="0">
+                                          <p:val>
+                                            <p:fltVal val="0.000000"/>
+                                          </p:val>
+                                        </p:tav>
+                                        <p:tav tm="100000">
+                                          <p:val>
+                                            <p:strVal val="#ppt_w"/>
+                                          </p:val>
+                                        </p:tav>
+                                      </p:tavLst>
+                                    </p:anim>
+                                    <p:anim calcmode="lin" valueType="num">
+                                      <p:cBhvr>
+                                        <p:cTn id="15" dur="500" fill="hold"/>
+                                        <p:tgtEl>
+                                          <p:spTgt spid="52249"/>
+                                        </p:tgtEl>
+                                        <p:attrNameLst>
+                                          <p:attrName>ppt_h</p:attrName>
+                                        </p:attrNameLst>
+                                      </p:cBhvr>
+                                      <p:tavLst>
+                                        <p:tav tm="0">
+                                          <p:val>
+                                            <p:fltVal val="0.000000"/>
+                                          </p:val>
+                                        </p:tav>
+                                        <p:tav tm="100000">
+                                          <p:val>
+                                            <p:strVal val="#ppt_h"/>
+                                          </p:val>
+                                        </p:tav>
+                                      </p:tavLst>
+                                    </p:anim>
+                                    <p:animEffect transition="in" filter="fade">
+                                      <p:cBhvr>
+                                        <p:cTn id="16" dur="500"/>
+                                        <p:tgtEl>
+                                          <p:spTgt spid="52249"/>
+                                        </p:tgtEl>
+                                      </p:cBhvr>
+                                    </p:animEffect>
+                                  </p:childTnLst>
+                                </p:cTn>
+                              </p:par>
+                            </p:childTnLst>
+                          </p:cTn>
+                        </p:par>
+                      </p:childTnLst>
+                    </p:cTn>
+                  </p:par>
+                </p:childTnLst>
+              </p:cTn>
+              <p:prevCondLst>
+                <p:cond evt="onPrev" delay="0">
+                  <p:tgtEl>
+                    <p:sldTgt/>
+                  </p:tgtEl>
+                </p:cond>
+              </p:prevCondLst>
+              <p:nextCondLst>
+                <p:cond evt="onNext" delay="0">
+                  <p:tgtEl>
+                    <p:sldTgt/>
+                  </p:tgtEl>
+                </p:cond>
+              </p:nextCondLst>
+            </p:seq>
+          </p:childTnLst>
+        </p:cTn>
+      </p:par>
+    </p:tnLst>
+    <p:bldLst>
+      <p:bldP spid="13" grpId="0" bldLvl="0" animBg="1"/>
+      <p:bldP spid="52249" grpId="0"/>
+    </p:bldLst>
+  </p:timing>
+</p:sld>
+</file>
+
+<file path=ppt/slides/slide21.xml><?xml version="1.0" encoding="utf-8"?>
+<p:sld xmlns:a="http://schemas.openxmlformats.org/drawingml/2006/main" xmlns:r="http://schemas.openxmlformats.org/officeDocument/2006/relationships" xmlns:p="http://schemas.openxmlformats.org/presentationml/2006/main">
+  <p:cSld>
+    <p:spTree>
+      <p:nvGrpSpPr>
+        <p:cNvPr id="1" name=""/>
+        <p:cNvGrpSpPr/>
+        <p:nvPr/>
+      </p:nvGrpSpPr>
+      <p:grpSpPr/>
+      <p:sp>
+        <p:nvSpPr>
+          <p:cNvPr id="13" name="Copyright Notice"/>
+          <p:cNvSpPr/>
+          <p:nvPr/>
+        </p:nvSpPr>
+        <p:spPr bwMode="auto">
+          <a:xfrm>
+            <a:off x="567690" y="427355"/>
+            <a:ext cx="7833360" cy="610235"/>
+          </a:xfrm>
+          <a:prstGeom prst="rect">
+            <a:avLst/>
+          </a:prstGeom>
+          <a:noFill/>
+          <a:ln w="6350" cap="flat" cmpd="sng" algn="ctr">
+            <a:noFill/>
+            <a:prstDash val="solid"/>
+          </a:ln>
+          <a:effectLst/>
+          <a:extLst>
+            <a:ext uri="{909E8E84-426E-40DD-AFC4-6F175D3DCCD1}">
+              <a14:hiddenFill xmlns:a14="http://schemas.microsoft.com/office/drawing/2010/main">
+                <a:solidFill>
+                  <a:schemeClr val="bg1"/>
+                </a:solidFill>
+              </a14:hiddenFill>
+            </a:ext>
+            <a:ext uri="{91240B29-F687-4F45-9708-019B960494DF}">
+              <a14:hiddenLine xmlns:a14="http://schemas.microsoft.com/office/drawing/2010/main" w="6350">
+                <a:solidFill>
+                  <a:srgbClr val="FFFFFF"/>
+                </a:solidFill>
+                <a:prstDash val="solid"/>
+              </a14:hiddenLine>
+            </a:ext>
+          </a:extLst>
+        </p:spPr>
+        <p:style>
+          <a:lnRef idx="2">
+            <a:schemeClr val="accent1">
+              <a:shade val="50000"/>
+            </a:schemeClr>
+          </a:lnRef>
+          <a:fillRef idx="1">
+            <a:schemeClr val="accent1"/>
+          </a:fillRef>
+          <a:effectRef idx="0">
+            <a:schemeClr val="accent1"/>
+          </a:effectRef>
+          <a:fontRef idx="minor">
+            <a:schemeClr val="lt1"/>
+          </a:fontRef>
+        </p:style>
+        <p:txBody>
+          <a:bodyPr wrap="square" lIns="56626" tIns="25481" rIns="56626" bIns="25481" rtlCol="0" anchor="t">
+            <a:spAutoFit/>
+          </a:bodyPr>
+          <a:lstStyle>
+            <a:defPPr>
+              <a:defRPr lang="zh-CN"/>
+            </a:defPPr>
+            <a:lvl1pPr marL="0" algn="l" defTabSz="914400" rtl="0" eaLnBrk="1" latinLnBrk="0" hangingPunct="1">
+              <a:defRPr sz="1800" kern="1200">
+                <a:solidFill>
+                  <a:schemeClr val="lt1"/>
+                </a:solidFill>
+                <a:latin typeface="+mn-lt"/>
+                <a:ea typeface="+mn-ea"/>
+                <a:cs typeface="+mn-cs"/>
+              </a:defRPr>
+            </a:lvl1pPr>
+            <a:lvl2pPr marL="457200" algn="l" defTabSz="914400" rtl="0" eaLnBrk="1" latinLnBrk="0" hangingPunct="1">
+              <a:defRPr sz="1800" kern="1200">
+                <a:solidFill>
+                  <a:schemeClr val="lt1"/>
+                </a:solidFill>
+                <a:latin typeface="+mn-lt"/>
+                <a:ea typeface="+mn-ea"/>
+                <a:cs typeface="+mn-cs"/>
+              </a:defRPr>
+            </a:lvl2pPr>
+            <a:lvl3pPr marL="914400" algn="l" defTabSz="914400" rtl="0" eaLnBrk="1" latinLnBrk="0" hangingPunct="1">
+              <a:defRPr sz="1800" kern="1200">
+                <a:solidFill>
+                  <a:schemeClr val="lt1"/>
+                </a:solidFill>
+                <a:latin typeface="+mn-lt"/>
+                <a:ea typeface="+mn-ea"/>
+                <a:cs typeface="+mn-cs"/>
+              </a:defRPr>
+            </a:lvl3pPr>
+            <a:lvl4pPr marL="1371600" algn="l" defTabSz="914400" rtl="0" eaLnBrk="1" latinLnBrk="0" hangingPunct="1">
+              <a:defRPr sz="1800" kern="1200">
+                <a:solidFill>
+                  <a:schemeClr val="lt1"/>
+                </a:solidFill>
+                <a:latin typeface="+mn-lt"/>
+                <a:ea typeface="+mn-ea"/>
+                <a:cs typeface="+mn-cs"/>
+              </a:defRPr>
+            </a:lvl4pPr>
+            <a:lvl5pPr marL="1828800" algn="l" defTabSz="914400" rtl="0" eaLnBrk="1" latinLnBrk="0" hangingPunct="1">
+              <a:defRPr sz="1800" kern="1200">
+                <a:solidFill>
+                  <a:schemeClr val="lt1"/>
+                </a:solidFill>
+                <a:latin typeface="+mn-lt"/>
+                <a:ea typeface="+mn-ea"/>
+                <a:cs typeface="+mn-cs"/>
+              </a:defRPr>
+            </a:lvl5pPr>
+            <a:lvl6pPr marL="2286000" algn="l" defTabSz="914400" rtl="0" eaLnBrk="1" latinLnBrk="0" hangingPunct="1">
+              <a:defRPr sz="1800" kern="1200">
+                <a:solidFill>
+                  <a:schemeClr val="lt1"/>
+                </a:solidFill>
+                <a:latin typeface="+mn-lt"/>
+                <a:ea typeface="+mn-ea"/>
+                <a:cs typeface="+mn-cs"/>
+              </a:defRPr>
+            </a:lvl6pPr>
+            <a:lvl7pPr marL="2743200" algn="l" defTabSz="914400" rtl="0" eaLnBrk="1" latinLnBrk="0" hangingPunct="1">
+              <a:defRPr sz="1800" kern="1200">
+                <a:solidFill>
+                  <a:schemeClr val="lt1"/>
+                </a:solidFill>
+                <a:latin typeface="+mn-lt"/>
+                <a:ea typeface="+mn-ea"/>
+                <a:cs typeface="+mn-cs"/>
+              </a:defRPr>
+            </a:lvl7pPr>
+            <a:lvl8pPr marL="3200400" algn="l" defTabSz="914400" rtl="0" eaLnBrk="1" latinLnBrk="0" hangingPunct="1">
+              <a:defRPr sz="1800" kern="1200">
+                <a:solidFill>
+                  <a:schemeClr val="lt1"/>
+                </a:solidFill>
+                <a:latin typeface="+mn-lt"/>
+                <a:ea typeface="+mn-ea"/>
+                <a:cs typeface="+mn-cs"/>
+              </a:defRPr>
+            </a:lvl8pPr>
+            <a:lvl9pPr marL="3657600" algn="l" defTabSz="914400" rtl="0" eaLnBrk="1" latinLnBrk="0" hangingPunct="1">
+              <a:defRPr sz="1800" kern="1200">
+                <a:solidFill>
+                  <a:schemeClr val="lt1"/>
+                </a:solidFill>
+                <a:latin typeface="+mn-lt"/>
+                <a:ea typeface="+mn-ea"/>
+                <a:cs typeface="+mn-cs"/>
+              </a:defRPr>
+            </a:lvl9pPr>
+          </a:lstStyle>
+          <a:p>
+            <a:pPr algn="ctr">
+              <a:lnSpc>
+                <a:spcPct val="130000"/>
+              </a:lnSpc>
+            </a:pPr>
+            <a:r>
+              <a:rPr lang="en-US" altLang="x-none" sz="2800" b="1" dirty="0">
+                <a:solidFill>
+                  <a:srgbClr val="002748"/>
+                </a:solidFill>
+                <a:latin typeface="Arial Unicode MS" panose="020B0604020202020204" charset="-122"/>
+                <a:ea typeface="Arial Unicode MS" panose="020B0604020202020204" charset="-122"/>
+                <a:cs typeface="Arial Unicode MS" panose="020B0604020202020204" charset="-122"/>
+                <a:sym typeface="+mn-ea"/>
+              </a:rPr>
+              <a:t>Don’t we have variables in CSS?</a:t>
+            </a:r>
+            <a:endParaRPr lang="en-US" sz="2800" b="1" strike="noStrike" cap="small" noProof="1" dirty="0" smtClean="0">
+              <a:solidFill>
+                <a:srgbClr val="FF9900"/>
+              </a:solidFill>
+              <a:latin typeface="Arial Unicode MS" panose="020B0604020202020204" charset="-122"/>
+              <a:ea typeface="Arial Unicode MS" panose="020B0604020202020204" charset="-122"/>
+            </a:endParaRPr>
+          </a:p>
+        </p:txBody>
+      </p:sp>
+      <p:sp>
+        <p:nvSpPr>
+          <p:cNvPr id="52249" name="文本框 4"/>
+          <p:cNvSpPr txBox="1"/>
+          <p:nvPr/>
+        </p:nvSpPr>
+        <p:spPr>
+          <a:xfrm>
+            <a:off x="1076960" y="1169670"/>
+            <a:ext cx="7088505" cy="3322955"/>
+          </a:xfrm>
+          <a:prstGeom prst="rect">
+            <a:avLst/>
+          </a:prstGeom>
+          <a:noFill/>
+          <a:ln w="9525">
+            <a:noFill/>
+          </a:ln>
+        </p:spPr>
+        <p:txBody>
+          <a:bodyPr wrap="square" anchor="t">
+            <a:spAutoFit/>
+          </a:bodyPr>
+          <a:p>
+            <a:pPr marL="171450" indent="-171450" algn="l">
+              <a:lnSpc>
+                <a:spcPct val="150000"/>
+              </a:lnSpc>
+              <a:buFont typeface="Wingdings" panose="05000000000000000000" charset="0"/>
+              <a:buChar char="Ø"/>
+            </a:pPr>
+            <a:r>
+              <a:rPr lang="en-US" altLang="en-US" sz="1400" dirty="0">
+                <a:solidFill>
+                  <a:schemeClr val="tx1"/>
+                </a:solidFill>
+                <a:latin typeface="Arial Unicode MS" panose="020B0604020202020204" charset="-122"/>
+                <a:ea typeface="Arial Unicode MS" panose="020B0604020202020204" charset="-122"/>
+                <a:sym typeface="Arial" panose="020B0604020202020204" pitchFamily="34" charset="0"/>
+              </a:rPr>
+              <a:t>It’s true that we can declare variables in CSS and we can even modify them using JavaScript or through the CSS Code.</a:t>
+            </a:r>
+            <a:endParaRPr lang="en-US" altLang="en-US" sz="1400" dirty="0">
+              <a:solidFill>
+                <a:schemeClr val="tx1"/>
+              </a:solidFill>
+              <a:latin typeface="Arial Unicode MS" panose="020B0604020202020204" charset="-122"/>
+              <a:ea typeface="Arial Unicode MS" panose="020B0604020202020204" charset="-122"/>
+              <a:sym typeface="Arial" panose="020B0604020202020204" pitchFamily="34" charset="0"/>
+            </a:endParaRPr>
+          </a:p>
+          <a:p>
+            <a:pPr marL="171450" indent="-171450" algn="l">
+              <a:lnSpc>
+                <a:spcPct val="150000"/>
+              </a:lnSpc>
+              <a:buFont typeface="Wingdings" panose="05000000000000000000" charset="0"/>
+              <a:buChar char="Ø"/>
+            </a:pPr>
+            <a:endParaRPr lang="en-US" altLang="en-US" sz="1400" dirty="0">
+              <a:solidFill>
+                <a:schemeClr val="tx1"/>
+              </a:solidFill>
+              <a:latin typeface="Arial Unicode MS" panose="020B0604020202020204" charset="-122"/>
+              <a:ea typeface="Arial Unicode MS" panose="020B0604020202020204" charset="-122"/>
+              <a:sym typeface="Arial" panose="020B0604020202020204" pitchFamily="34" charset="0"/>
+            </a:endParaRPr>
+          </a:p>
+          <a:p>
+            <a:pPr marL="171450" indent="-171450" algn="l">
+              <a:lnSpc>
+                <a:spcPct val="150000"/>
+              </a:lnSpc>
+              <a:buFont typeface="Wingdings" panose="05000000000000000000" charset="0"/>
+              <a:buChar char="Ø"/>
+            </a:pPr>
+            <a:endParaRPr lang="en-US" altLang="en-US" sz="1400" dirty="0">
+              <a:solidFill>
+                <a:schemeClr val="tx1"/>
+              </a:solidFill>
+              <a:latin typeface="Arial Unicode MS" panose="020B0604020202020204" charset="-122"/>
+              <a:ea typeface="Arial Unicode MS" panose="020B0604020202020204" charset="-122"/>
+              <a:sym typeface="Arial" panose="020B0604020202020204" pitchFamily="34" charset="0"/>
+            </a:endParaRPr>
+          </a:p>
+          <a:p>
+            <a:pPr marL="171450" indent="-171450" algn="l">
+              <a:lnSpc>
+                <a:spcPct val="150000"/>
+              </a:lnSpc>
+              <a:buFont typeface="Wingdings" panose="05000000000000000000" charset="0"/>
+              <a:buChar char="Ø"/>
+            </a:pPr>
+            <a:endParaRPr lang="en-US" altLang="en-US" sz="1400" dirty="0">
+              <a:solidFill>
+                <a:schemeClr val="tx1"/>
+              </a:solidFill>
+              <a:latin typeface="Arial Unicode MS" panose="020B0604020202020204" charset="-122"/>
+              <a:ea typeface="Arial Unicode MS" panose="020B0604020202020204" charset="-122"/>
+              <a:sym typeface="Arial" panose="020B0604020202020204" pitchFamily="34" charset="0"/>
+            </a:endParaRPr>
+          </a:p>
+          <a:p>
+            <a:pPr marL="171450" indent="-171450" algn="l">
+              <a:lnSpc>
+                <a:spcPct val="150000"/>
+              </a:lnSpc>
+              <a:buFont typeface="Wingdings" panose="05000000000000000000" charset="0"/>
+              <a:buChar char="Ø"/>
+            </a:pPr>
+            <a:endParaRPr lang="en-US" altLang="en-US" sz="1400" dirty="0">
+              <a:solidFill>
+                <a:schemeClr val="tx1"/>
+              </a:solidFill>
+              <a:latin typeface="Arial Unicode MS" panose="020B0604020202020204" charset="-122"/>
+              <a:ea typeface="Arial Unicode MS" panose="020B0604020202020204" charset="-122"/>
+              <a:sym typeface="Arial" panose="020B0604020202020204" pitchFamily="34" charset="0"/>
+            </a:endParaRPr>
+          </a:p>
+          <a:p>
+            <a:pPr marL="171450" indent="-171450" algn="l">
+              <a:lnSpc>
+                <a:spcPct val="150000"/>
+              </a:lnSpc>
+              <a:buFont typeface="Wingdings" panose="05000000000000000000" charset="0"/>
+              <a:buChar char="Ø"/>
+            </a:pPr>
+            <a:endParaRPr lang="en-US" altLang="en-US" sz="1400" dirty="0">
+              <a:solidFill>
+                <a:schemeClr val="tx1"/>
+              </a:solidFill>
+              <a:latin typeface="Arial Unicode MS" panose="020B0604020202020204" charset="-122"/>
+              <a:ea typeface="Arial Unicode MS" panose="020B0604020202020204" charset="-122"/>
+              <a:sym typeface="Arial" panose="020B0604020202020204" pitchFamily="34" charset="0"/>
+            </a:endParaRPr>
+          </a:p>
+          <a:p>
+            <a:pPr marL="171450" indent="-171450" algn="l">
+              <a:lnSpc>
+                <a:spcPct val="150000"/>
+              </a:lnSpc>
+              <a:buFont typeface="Wingdings" panose="05000000000000000000" charset="0"/>
+              <a:buChar char="Ø"/>
+            </a:pPr>
+            <a:endParaRPr lang="en-US" altLang="en-US" sz="1400" dirty="0">
+              <a:solidFill>
+                <a:schemeClr val="tx1"/>
+              </a:solidFill>
+              <a:latin typeface="Arial Unicode MS" panose="020B0604020202020204" charset="-122"/>
+              <a:ea typeface="Arial Unicode MS" panose="020B0604020202020204" charset="-122"/>
+              <a:sym typeface="Arial" panose="020B0604020202020204" pitchFamily="34" charset="0"/>
+            </a:endParaRPr>
+          </a:p>
+          <a:p>
+            <a:pPr marL="171450" indent="-171450" algn="l">
+              <a:lnSpc>
+                <a:spcPct val="150000"/>
+              </a:lnSpc>
+              <a:buFont typeface="Wingdings" panose="05000000000000000000" charset="0"/>
+              <a:buChar char="Ø"/>
+            </a:pPr>
+            <a:r>
+              <a:rPr lang="en-US" altLang="en-US" sz="1400" dirty="0">
+                <a:solidFill>
+                  <a:schemeClr val="tx1"/>
+                </a:solidFill>
+                <a:latin typeface="Arial Unicode MS" panose="020B0604020202020204" charset="-122"/>
+                <a:ea typeface="Arial Unicode MS" panose="020B0604020202020204" charset="-122"/>
+                <a:sym typeface="Arial" panose="020B0604020202020204" pitchFamily="34" charset="0"/>
+              </a:rPr>
+              <a:t>But we can’t ignore the fact that we can’t use these variables with the if/else statement that the Pre-Processors have provided for us!</a:t>
+            </a:r>
+            <a:endParaRPr lang="en-US" altLang="en-US" sz="1400" dirty="0">
+              <a:solidFill>
+                <a:schemeClr val="tx1"/>
+              </a:solidFill>
+              <a:latin typeface="Arial Unicode MS" panose="020B0604020202020204" charset="-122"/>
+              <a:ea typeface="Arial Unicode MS" panose="020B0604020202020204" charset="-122"/>
+              <a:sym typeface="Arial" panose="020B0604020202020204" pitchFamily="34" charset="0"/>
+            </a:endParaRPr>
+          </a:p>
+        </p:txBody>
+      </p:sp>
+      <p:pic>
+        <p:nvPicPr>
+          <p:cNvPr id="7" name="Picture 6"/>
+          <p:cNvPicPr>
+            <a:picLocks noChangeAspect="1"/>
+          </p:cNvPicPr>
+          <p:nvPr/>
+        </p:nvPicPr>
+        <p:blipFill>
+          <a:blip r:embed="rId1"/>
+          <a:stretch>
+            <a:fillRect/>
+          </a:stretch>
+        </p:blipFill>
+        <p:spPr>
+          <a:xfrm rot="5400000">
+            <a:off x="7855585" y="0"/>
+            <a:ext cx="1288415" cy="1288415"/>
+          </a:xfrm>
+          <a:prstGeom prst="rect">
+            <a:avLst/>
+          </a:prstGeom>
+        </p:spPr>
+      </p:pic>
+      <p:pic>
+        <p:nvPicPr>
+          <p:cNvPr id="8" name="Picture 7"/>
+          <p:cNvPicPr>
+            <a:picLocks noChangeAspect="1"/>
+          </p:cNvPicPr>
+          <p:nvPr/>
+        </p:nvPicPr>
+        <p:blipFill>
+          <a:blip r:embed="rId1"/>
+          <a:stretch>
+            <a:fillRect/>
+          </a:stretch>
+        </p:blipFill>
+        <p:spPr>
+          <a:xfrm rot="16200000">
+            <a:off x="0" y="4005580"/>
+            <a:ext cx="1137920" cy="1137920"/>
+          </a:xfrm>
+          <a:prstGeom prst="rect">
+            <a:avLst/>
+          </a:prstGeom>
+        </p:spPr>
+      </p:pic>
+      <p:pic>
+        <p:nvPicPr>
+          <p:cNvPr id="3" name="Picture 2"/>
+          <p:cNvPicPr>
+            <a:picLocks noChangeAspect="1"/>
+          </p:cNvPicPr>
+          <p:nvPr/>
+        </p:nvPicPr>
+        <p:blipFill>
+          <a:blip r:embed="rId2"/>
+          <a:stretch>
+            <a:fillRect/>
+          </a:stretch>
+        </p:blipFill>
+        <p:spPr>
+          <a:xfrm>
+            <a:off x="2893060" y="1922145"/>
+            <a:ext cx="3181985" cy="1818005"/>
+          </a:xfrm>
+          <a:prstGeom prst="rect">
+            <a:avLst/>
+          </a:prstGeom>
+          <a:ln w="15875">
+            <a:solidFill>
+              <a:srgbClr val="003366"/>
+            </a:solidFill>
+          </a:ln>
+        </p:spPr>
+      </p:pic>
+    </p:spTree>
+  </p:cSld>
+  <p:clrMapOvr>
+    <a:masterClrMapping/>
+  </p:clrMapOvr>
+  <p:transition>
+    <p:fade/>
+  </p:transition>
+  <p:timing>
+    <p:tnLst>
+      <p:par>
+        <p:cTn id="1" dur="indefinite" restart="never" nodeType="tmRoot">
+          <p:childTnLst>
+            <p:seq concurrent="1" nextAc="seek">
+              <p:cTn id="2" dur="indefinite" nodeType="mainSeq">
+                <p:childTnLst>
+                  <p:par>
+                    <p:cTn id="3" fill="hold">
+                      <p:stCondLst>
+                        <p:cond delay="indefinite"/>
+                        <p:cond evt="onBegin" delay="0">
+                          <p:tn val="2"/>
+                        </p:cond>
+                      </p:stCondLst>
+                      <p:childTnLst>
+                        <p:par>
+                          <p:cTn id="4" fill="hold">
+                            <p:stCondLst>
+                              <p:cond delay="0"/>
+                            </p:stCondLst>
+                            <p:childTnLst>
+                              <p:par>
+                                <p:cTn id="5" presetID="49" presetClass="entr" presetSubtype="0" decel="100000" fill="hold" grpId="0" nodeType="afterEffect">
+                                  <p:stCondLst>
+                                    <p:cond delay="0"/>
+                                  </p:stCondLst>
+                                  <p:childTnLst>
+                                    <p:set>
+                                      <p:cBhvr>
+                                        <p:cTn id="6" dur="1" fill="hold">
+                                          <p:stCondLst>
+                                            <p:cond delay="0"/>
+                                          </p:stCondLst>
+                                        </p:cTn>
+                                        <p:tgtEl>
+                                          <p:spTgt spid="13"/>
+                                        </p:tgtEl>
+                                        <p:attrNameLst>
+                                          <p:attrName>style.visibility</p:attrName>
+                                        </p:attrNameLst>
+                                      </p:cBhvr>
+                                      <p:to>
+                                        <p:strVal val="visible"/>
+                                      </p:to>
+                                    </p:set>
+                                    <p:anim calcmode="lin" valueType="num">
+                                      <p:cBhvr>
+                                        <p:cTn id="7" dur="500" fill="hold"/>
+                                        <p:tgtEl>
+                                          <p:spTgt spid="13"/>
+                                        </p:tgtEl>
+                                        <p:attrNameLst>
+                                          <p:attrName>ppt_w</p:attrName>
+                                        </p:attrNameLst>
+                                      </p:cBhvr>
+                                      <p:tavLst>
+                                        <p:tav tm="0">
+                                          <p:val>
+                                            <p:fltVal val="0.000000"/>
+                                          </p:val>
+                                        </p:tav>
+                                        <p:tav tm="100000">
+                                          <p:val>
+                                            <p:strVal val="#ppt_w"/>
+                                          </p:val>
+                                        </p:tav>
+                                      </p:tavLst>
+                                    </p:anim>
+                                    <p:anim calcmode="lin" valueType="num">
+                                      <p:cBhvr>
+                                        <p:cTn id="8" dur="500" fill="hold"/>
+                                        <p:tgtEl>
+                                          <p:spTgt spid="13"/>
+                                        </p:tgtEl>
+                                        <p:attrNameLst>
+                                          <p:attrName>ppt_h</p:attrName>
+                                        </p:attrNameLst>
+                                      </p:cBhvr>
+                                      <p:tavLst>
+                                        <p:tav tm="0">
+                                          <p:val>
+                                            <p:fltVal val="0.000000"/>
+                                          </p:val>
+                                        </p:tav>
+                                        <p:tav tm="100000">
+                                          <p:val>
+                                            <p:strVal val="#ppt_h"/>
+                                          </p:val>
+                                        </p:tav>
+                                      </p:tavLst>
+                                    </p:anim>
+                                    <p:anim calcmode="lin" valueType="num">
+                                      <p:cBhvr>
+                                        <p:cTn id="9" dur="500" fill="hold"/>
+                                        <p:tgtEl>
+                                          <p:spTgt spid="13"/>
+                                        </p:tgtEl>
+                                        <p:attrNameLst>
+                                          <p:attrName>style.rotation</p:attrName>
+                                        </p:attrNameLst>
+                                      </p:cBhvr>
+                                      <p:tavLst>
+                                        <p:tav tm="0">
+                                          <p:val>
+                                            <p:fltVal val="360.000000"/>
+                                          </p:val>
+                                        </p:tav>
+                                        <p:tav tm="100000">
+                                          <p:val>
+                                            <p:fltVal val="0.000000"/>
+                                          </p:val>
+                                        </p:tav>
+                                      </p:tavLst>
+                                    </p:anim>
+                                    <p:animEffect transition="in" filter="fade">
+                                      <p:cBhvr>
+                                        <p:cTn id="10" dur="500"/>
+                                        <p:tgtEl>
+                                          <p:spTgt spid="13"/>
+                                        </p:tgtEl>
+                                      </p:cBhvr>
+                                    </p:animEffect>
+                                  </p:childTnLst>
+                                </p:cTn>
+                              </p:par>
+                            </p:childTnLst>
+                          </p:cTn>
+                        </p:par>
+                        <p:par>
+                          <p:cTn id="11" fill="hold">
+                            <p:stCondLst>
+                              <p:cond delay="500"/>
+                            </p:stCondLst>
+                            <p:childTnLst>
+                              <p:par>
+                                <p:cTn id="12" presetID="53" presetClass="entr" presetSubtype="16" fill="hold" grpId="0" nodeType="afterEffect">
+                                  <p:stCondLst>
+                                    <p:cond delay="0"/>
+                                  </p:stCondLst>
+                                  <p:childTnLst>
+                                    <p:set>
+                                      <p:cBhvr>
+                                        <p:cTn id="13" dur="1" fill="hold">
+                                          <p:stCondLst>
+                                            <p:cond delay="0"/>
+                                          </p:stCondLst>
+                                        </p:cTn>
+                                        <p:tgtEl>
+                                          <p:spTgt spid="52249"/>
+                                        </p:tgtEl>
+                                        <p:attrNameLst>
+                                          <p:attrName>style.visibility</p:attrName>
+                                        </p:attrNameLst>
+                                      </p:cBhvr>
+                                      <p:to>
+                                        <p:strVal val="visible"/>
+                                      </p:to>
+                                    </p:set>
+                                    <p:anim calcmode="lin" valueType="num">
+                                      <p:cBhvr>
+                                        <p:cTn id="14" dur="500" fill="hold"/>
+                                        <p:tgtEl>
+                                          <p:spTgt spid="52249"/>
+                                        </p:tgtEl>
+                                        <p:attrNameLst>
+                                          <p:attrName>ppt_w</p:attrName>
+                                        </p:attrNameLst>
+                                      </p:cBhvr>
+                                      <p:tavLst>
+                                        <p:tav tm="0">
+                                          <p:val>
+                                            <p:fltVal val="0.000000"/>
+                                          </p:val>
+                                        </p:tav>
+                                        <p:tav tm="100000">
+                                          <p:val>
+                                            <p:strVal val="#ppt_w"/>
+                                          </p:val>
+                                        </p:tav>
+                                      </p:tavLst>
+                                    </p:anim>
+                                    <p:anim calcmode="lin" valueType="num">
+                                      <p:cBhvr>
+                                        <p:cTn id="15" dur="500" fill="hold"/>
+                                        <p:tgtEl>
+                                          <p:spTgt spid="52249"/>
+                                        </p:tgtEl>
+                                        <p:attrNameLst>
+                                          <p:attrName>ppt_h</p:attrName>
+                                        </p:attrNameLst>
+                                      </p:cBhvr>
+                                      <p:tavLst>
+                                        <p:tav tm="0">
+                                          <p:val>
+                                            <p:fltVal val="0.000000"/>
+                                          </p:val>
+                                        </p:tav>
+                                        <p:tav tm="100000">
+                                          <p:val>
+                                            <p:strVal val="#ppt_h"/>
+                                          </p:val>
+                                        </p:tav>
+                                      </p:tavLst>
+                                    </p:anim>
+                                    <p:animEffect transition="in" filter="fade">
+                                      <p:cBhvr>
+                                        <p:cTn id="16" dur="500"/>
+                                        <p:tgtEl>
+                                          <p:spTgt spid="52249"/>
+                                        </p:tgtEl>
+                                      </p:cBhvr>
+                                    </p:animEffect>
+                                  </p:childTnLst>
+                                </p:cTn>
+                              </p:par>
+                            </p:childTnLst>
+                          </p:cTn>
+                        </p:par>
+                      </p:childTnLst>
+                    </p:cTn>
+                  </p:par>
+                </p:childTnLst>
+              </p:cTn>
+              <p:prevCondLst>
+                <p:cond evt="onPrev" delay="0">
+                  <p:tgtEl>
+                    <p:sldTgt/>
+                  </p:tgtEl>
+                </p:cond>
+              </p:prevCondLst>
+              <p:nextCondLst>
+                <p:cond evt="onNext" delay="0">
+                  <p:tgtEl>
+                    <p:sldTgt/>
+                  </p:tgtEl>
+                </p:cond>
+              </p:nextCondLst>
+            </p:seq>
+          </p:childTnLst>
+        </p:cTn>
+      </p:par>
+    </p:tnLst>
+    <p:bldLst>
+      <p:bldP spid="13" grpId="0" bldLvl="0" animBg="1"/>
+      <p:bldP spid="52249" grpId="0"/>
+    </p:bldLst>
+  </p:timing>
+</p:sld>
+</file>
+
+<file path=ppt/slides/slide22.xml><?xml version="1.0" encoding="utf-8"?>
+<p:sld xmlns:a="http://schemas.openxmlformats.org/drawingml/2006/main" xmlns:r="http://schemas.openxmlformats.org/officeDocument/2006/relationships" xmlns:p="http://schemas.openxmlformats.org/presentationml/2006/main">
+  <p:cSld>
+    <p:spTree>
+      <p:nvGrpSpPr>
+        <p:cNvPr id="1" name=""/>
+        <p:cNvGrpSpPr/>
+        <p:nvPr/>
+      </p:nvGrpSpPr>
+      <p:grpSpPr/>
+      <p:sp>
+        <p:nvSpPr>
+          <p:cNvPr id="13" name="Copyright Notice"/>
+          <p:cNvSpPr/>
+          <p:nvPr/>
+        </p:nvSpPr>
+        <p:spPr bwMode="auto">
+          <a:xfrm>
+            <a:off x="567690" y="427355"/>
+            <a:ext cx="7833360" cy="610235"/>
+          </a:xfrm>
+          <a:prstGeom prst="rect">
+            <a:avLst/>
+          </a:prstGeom>
+          <a:noFill/>
+          <a:ln w="6350" cap="flat" cmpd="sng" algn="ctr">
+            <a:noFill/>
+            <a:prstDash val="solid"/>
+          </a:ln>
+          <a:effectLst/>
+          <a:extLst>
+            <a:ext uri="{909E8E84-426E-40DD-AFC4-6F175D3DCCD1}">
+              <a14:hiddenFill xmlns:a14="http://schemas.microsoft.com/office/drawing/2010/main">
+                <a:solidFill>
+                  <a:schemeClr val="bg1"/>
+                </a:solidFill>
+              </a14:hiddenFill>
+            </a:ext>
+            <a:ext uri="{91240B29-F687-4F45-9708-019B960494DF}">
+              <a14:hiddenLine xmlns:a14="http://schemas.microsoft.com/office/drawing/2010/main" w="6350">
+                <a:solidFill>
+                  <a:srgbClr val="FFFFFF"/>
+                </a:solidFill>
+                <a:prstDash val="solid"/>
+              </a14:hiddenLine>
+            </a:ext>
+          </a:extLst>
+        </p:spPr>
+        <p:style>
+          <a:lnRef idx="2">
+            <a:schemeClr val="accent1">
+              <a:shade val="50000"/>
+            </a:schemeClr>
+          </a:lnRef>
+          <a:fillRef idx="1">
+            <a:schemeClr val="accent1"/>
+          </a:fillRef>
+          <a:effectRef idx="0">
+            <a:schemeClr val="accent1"/>
+          </a:effectRef>
+          <a:fontRef idx="minor">
+            <a:schemeClr val="lt1"/>
+          </a:fontRef>
+        </p:style>
+        <p:txBody>
+          <a:bodyPr wrap="square" lIns="56626" tIns="25481" rIns="56626" bIns="25481" rtlCol="0" anchor="t">
+            <a:spAutoFit/>
+          </a:bodyPr>
+          <a:lstStyle>
+            <a:defPPr>
+              <a:defRPr lang="zh-CN"/>
+            </a:defPPr>
+            <a:lvl1pPr marL="0" algn="l" defTabSz="914400" rtl="0" eaLnBrk="1" latinLnBrk="0" hangingPunct="1">
+              <a:defRPr sz="1800" kern="1200">
+                <a:solidFill>
+                  <a:schemeClr val="lt1"/>
+                </a:solidFill>
+                <a:latin typeface="+mn-lt"/>
+                <a:ea typeface="+mn-ea"/>
+                <a:cs typeface="+mn-cs"/>
+              </a:defRPr>
+            </a:lvl1pPr>
+            <a:lvl2pPr marL="457200" algn="l" defTabSz="914400" rtl="0" eaLnBrk="1" latinLnBrk="0" hangingPunct="1">
+              <a:defRPr sz="1800" kern="1200">
+                <a:solidFill>
+                  <a:schemeClr val="lt1"/>
+                </a:solidFill>
+                <a:latin typeface="+mn-lt"/>
+                <a:ea typeface="+mn-ea"/>
+                <a:cs typeface="+mn-cs"/>
+              </a:defRPr>
+            </a:lvl2pPr>
+            <a:lvl3pPr marL="914400" algn="l" defTabSz="914400" rtl="0" eaLnBrk="1" latinLnBrk="0" hangingPunct="1">
+              <a:defRPr sz="1800" kern="1200">
+                <a:solidFill>
+                  <a:schemeClr val="lt1"/>
+                </a:solidFill>
+                <a:latin typeface="+mn-lt"/>
+                <a:ea typeface="+mn-ea"/>
+                <a:cs typeface="+mn-cs"/>
+              </a:defRPr>
+            </a:lvl3pPr>
+            <a:lvl4pPr marL="1371600" algn="l" defTabSz="914400" rtl="0" eaLnBrk="1" latinLnBrk="0" hangingPunct="1">
+              <a:defRPr sz="1800" kern="1200">
+                <a:solidFill>
+                  <a:schemeClr val="lt1"/>
+                </a:solidFill>
+                <a:latin typeface="+mn-lt"/>
+                <a:ea typeface="+mn-ea"/>
+                <a:cs typeface="+mn-cs"/>
+              </a:defRPr>
+            </a:lvl4pPr>
+            <a:lvl5pPr marL="1828800" algn="l" defTabSz="914400" rtl="0" eaLnBrk="1" latinLnBrk="0" hangingPunct="1">
+              <a:defRPr sz="1800" kern="1200">
+                <a:solidFill>
+                  <a:schemeClr val="lt1"/>
+                </a:solidFill>
+                <a:latin typeface="+mn-lt"/>
+                <a:ea typeface="+mn-ea"/>
+                <a:cs typeface="+mn-cs"/>
+              </a:defRPr>
+            </a:lvl5pPr>
+            <a:lvl6pPr marL="2286000" algn="l" defTabSz="914400" rtl="0" eaLnBrk="1" latinLnBrk="0" hangingPunct="1">
+              <a:defRPr sz="1800" kern="1200">
+                <a:solidFill>
+                  <a:schemeClr val="lt1"/>
+                </a:solidFill>
+                <a:latin typeface="+mn-lt"/>
+                <a:ea typeface="+mn-ea"/>
+                <a:cs typeface="+mn-cs"/>
+              </a:defRPr>
+            </a:lvl6pPr>
+            <a:lvl7pPr marL="2743200" algn="l" defTabSz="914400" rtl="0" eaLnBrk="1" latinLnBrk="0" hangingPunct="1">
+              <a:defRPr sz="1800" kern="1200">
+                <a:solidFill>
+                  <a:schemeClr val="lt1"/>
+                </a:solidFill>
+                <a:latin typeface="+mn-lt"/>
+                <a:ea typeface="+mn-ea"/>
+                <a:cs typeface="+mn-cs"/>
+              </a:defRPr>
+            </a:lvl7pPr>
+            <a:lvl8pPr marL="3200400" algn="l" defTabSz="914400" rtl="0" eaLnBrk="1" latinLnBrk="0" hangingPunct="1">
+              <a:defRPr sz="1800" kern="1200">
+                <a:solidFill>
+                  <a:schemeClr val="lt1"/>
+                </a:solidFill>
+                <a:latin typeface="+mn-lt"/>
+                <a:ea typeface="+mn-ea"/>
+                <a:cs typeface="+mn-cs"/>
+              </a:defRPr>
+            </a:lvl8pPr>
+            <a:lvl9pPr marL="3657600" algn="l" defTabSz="914400" rtl="0" eaLnBrk="1" latinLnBrk="0" hangingPunct="1">
+              <a:defRPr sz="1800" kern="1200">
+                <a:solidFill>
+                  <a:schemeClr val="lt1"/>
+                </a:solidFill>
+                <a:latin typeface="+mn-lt"/>
+                <a:ea typeface="+mn-ea"/>
+                <a:cs typeface="+mn-cs"/>
+              </a:defRPr>
+            </a:lvl9pPr>
+          </a:lstStyle>
+          <a:p>
+            <a:pPr algn="ctr">
+              <a:lnSpc>
+                <a:spcPct val="130000"/>
+              </a:lnSpc>
+            </a:pPr>
+            <a:r>
+              <a:rPr lang="en-US" altLang="x-none" sz="2800" b="1" dirty="0">
+                <a:solidFill>
+                  <a:srgbClr val="002748"/>
+                </a:solidFill>
+                <a:latin typeface="Arial Unicode MS" panose="020B0604020202020204" charset="-122"/>
+                <a:ea typeface="Arial Unicode MS" panose="020B0604020202020204" charset="-122"/>
+                <a:cs typeface="Arial Unicode MS" panose="020B0604020202020204" charset="-122"/>
+                <a:sym typeface="+mn-ea"/>
+              </a:rPr>
+              <a:t>Pre-Processor if/else statement</a:t>
+            </a:r>
+            <a:endParaRPr lang="en-US" sz="2800" b="1" strike="noStrike" cap="small" noProof="1" dirty="0" smtClean="0">
+              <a:solidFill>
+                <a:srgbClr val="FF9900"/>
+              </a:solidFill>
+              <a:latin typeface="Arial Unicode MS" panose="020B0604020202020204" charset="-122"/>
+              <a:ea typeface="Arial Unicode MS" panose="020B0604020202020204" charset="-122"/>
+            </a:endParaRPr>
+          </a:p>
+        </p:txBody>
+      </p:sp>
+      <p:sp>
+        <p:nvSpPr>
+          <p:cNvPr id="52249" name="文本框 4"/>
+          <p:cNvSpPr txBox="1"/>
+          <p:nvPr/>
+        </p:nvSpPr>
+        <p:spPr>
+          <a:xfrm>
+            <a:off x="1076960" y="1169670"/>
+            <a:ext cx="7088505" cy="737235"/>
+          </a:xfrm>
+          <a:prstGeom prst="rect">
+            <a:avLst/>
+          </a:prstGeom>
+          <a:noFill/>
+          <a:ln w="9525">
+            <a:noFill/>
+          </a:ln>
+        </p:spPr>
+        <p:txBody>
+          <a:bodyPr wrap="square" anchor="t">
+            <a:spAutoFit/>
+          </a:bodyPr>
+          <a:p>
+            <a:pPr marL="171450" indent="-171450" algn="l">
+              <a:lnSpc>
+                <a:spcPct val="150000"/>
+              </a:lnSpc>
+              <a:buFont typeface="Wingdings" panose="05000000000000000000" charset="0"/>
+              <a:buChar char="Ø"/>
+            </a:pPr>
+            <a:r>
+              <a:rPr lang="en-US" altLang="en-US" sz="1400" dirty="0">
+                <a:solidFill>
+                  <a:schemeClr val="tx1"/>
+                </a:solidFill>
+                <a:latin typeface="Arial Unicode MS" panose="020B0604020202020204" charset="-122"/>
+                <a:ea typeface="Arial Unicode MS" panose="020B0604020202020204" charset="-122"/>
+                <a:sym typeface="Arial" panose="020B0604020202020204" pitchFamily="34" charset="0"/>
+              </a:rPr>
+              <a:t>in Sass preprocessor you can use the @if statement to create conditional styles based on variables. Here is an example:</a:t>
+            </a:r>
+            <a:endParaRPr lang="en-US" altLang="en-US" sz="1400" dirty="0">
+              <a:solidFill>
+                <a:schemeClr val="tx1"/>
+              </a:solidFill>
+              <a:latin typeface="Arial Unicode MS" panose="020B0604020202020204" charset="-122"/>
+              <a:ea typeface="Arial Unicode MS" panose="020B0604020202020204" charset="-122"/>
+              <a:sym typeface="Arial" panose="020B0604020202020204" pitchFamily="34" charset="0"/>
+            </a:endParaRPr>
+          </a:p>
+        </p:txBody>
+      </p:sp>
+      <p:pic>
+        <p:nvPicPr>
+          <p:cNvPr id="7" name="Picture 6"/>
+          <p:cNvPicPr>
+            <a:picLocks noChangeAspect="1"/>
+          </p:cNvPicPr>
+          <p:nvPr/>
+        </p:nvPicPr>
+        <p:blipFill>
+          <a:blip r:embed="rId1"/>
+          <a:stretch>
+            <a:fillRect/>
+          </a:stretch>
+        </p:blipFill>
+        <p:spPr>
+          <a:xfrm rot="5400000">
+            <a:off x="7855585" y="0"/>
+            <a:ext cx="1288415" cy="1288415"/>
+          </a:xfrm>
+          <a:prstGeom prst="rect">
+            <a:avLst/>
+          </a:prstGeom>
+        </p:spPr>
+      </p:pic>
+      <p:pic>
+        <p:nvPicPr>
+          <p:cNvPr id="8" name="Picture 7"/>
+          <p:cNvPicPr>
+            <a:picLocks noChangeAspect="1"/>
+          </p:cNvPicPr>
+          <p:nvPr/>
+        </p:nvPicPr>
+        <p:blipFill>
+          <a:blip r:embed="rId1"/>
+          <a:stretch>
+            <a:fillRect/>
+          </a:stretch>
+        </p:blipFill>
+        <p:spPr>
+          <a:xfrm rot="16200000">
+            <a:off x="0" y="4005580"/>
+            <a:ext cx="1137920" cy="1137920"/>
+          </a:xfrm>
+          <a:prstGeom prst="rect">
+            <a:avLst/>
+          </a:prstGeom>
+        </p:spPr>
+      </p:pic>
+      <p:pic>
+        <p:nvPicPr>
+          <p:cNvPr id="2" name="Picture 1"/>
+          <p:cNvPicPr>
+            <a:picLocks noChangeAspect="1"/>
+          </p:cNvPicPr>
+          <p:nvPr/>
+        </p:nvPicPr>
+        <p:blipFill>
+          <a:blip r:embed="rId2"/>
+          <a:srcRect b="6590"/>
+          <a:stretch>
+            <a:fillRect/>
+          </a:stretch>
+        </p:blipFill>
+        <p:spPr>
+          <a:xfrm>
+            <a:off x="2944495" y="2131060"/>
+            <a:ext cx="3632835" cy="2551430"/>
+          </a:xfrm>
+          <a:prstGeom prst="rect">
+            <a:avLst/>
+          </a:prstGeom>
+          <a:ln w="15875">
+            <a:solidFill>
+              <a:srgbClr val="003366"/>
+            </a:solidFill>
+          </a:ln>
+        </p:spPr>
+      </p:pic>
+    </p:spTree>
+  </p:cSld>
+  <p:clrMapOvr>
+    <a:masterClrMapping/>
+  </p:clrMapOvr>
+  <p:transition>
+    <p:fade/>
+  </p:transition>
+  <p:timing>
+    <p:tnLst>
+      <p:par>
+        <p:cTn id="1" dur="indefinite" restart="never" nodeType="tmRoot">
+          <p:childTnLst>
+            <p:seq concurrent="1" nextAc="seek">
+              <p:cTn id="2" dur="indefinite" nodeType="mainSeq">
+                <p:childTnLst>
+                  <p:par>
+                    <p:cTn id="3" fill="hold">
+                      <p:stCondLst>
+                        <p:cond delay="indefinite"/>
+                        <p:cond evt="onBegin" delay="0">
+                          <p:tn val="2"/>
+                        </p:cond>
+                      </p:stCondLst>
+                      <p:childTnLst>
+                        <p:par>
+                          <p:cTn id="4" fill="hold">
+                            <p:stCondLst>
+                              <p:cond delay="0"/>
+                            </p:stCondLst>
+                            <p:childTnLst>
+                              <p:par>
+                                <p:cTn id="5" presetID="49" presetClass="entr" presetSubtype="0" decel="100000" fill="hold" grpId="0" nodeType="afterEffect">
+                                  <p:stCondLst>
+                                    <p:cond delay="0"/>
+                                  </p:stCondLst>
+                                  <p:childTnLst>
+                                    <p:set>
+                                      <p:cBhvr>
+                                        <p:cTn id="6" dur="1" fill="hold">
+                                          <p:stCondLst>
+                                            <p:cond delay="0"/>
+                                          </p:stCondLst>
+                                        </p:cTn>
+                                        <p:tgtEl>
+                                          <p:spTgt spid="13"/>
+                                        </p:tgtEl>
+                                        <p:attrNameLst>
+                                          <p:attrName>style.visibility</p:attrName>
+                                        </p:attrNameLst>
+                                      </p:cBhvr>
+                                      <p:to>
+                                        <p:strVal val="visible"/>
+                                      </p:to>
+                                    </p:set>
+                                    <p:anim calcmode="lin" valueType="num">
+                                      <p:cBhvr>
+                                        <p:cTn id="7" dur="500" fill="hold"/>
+                                        <p:tgtEl>
+                                          <p:spTgt spid="13"/>
+                                        </p:tgtEl>
+                                        <p:attrNameLst>
+                                          <p:attrName>ppt_w</p:attrName>
+                                        </p:attrNameLst>
+                                      </p:cBhvr>
+                                      <p:tavLst>
+                                        <p:tav tm="0">
+                                          <p:val>
+                                            <p:fltVal val="0.000000"/>
+                                          </p:val>
+                                        </p:tav>
+                                        <p:tav tm="100000">
+                                          <p:val>
+                                            <p:strVal val="#ppt_w"/>
+                                          </p:val>
+                                        </p:tav>
+                                      </p:tavLst>
+                                    </p:anim>
+                                    <p:anim calcmode="lin" valueType="num">
+                                      <p:cBhvr>
+                                        <p:cTn id="8" dur="500" fill="hold"/>
+                                        <p:tgtEl>
+                                          <p:spTgt spid="13"/>
+                                        </p:tgtEl>
+                                        <p:attrNameLst>
+                                          <p:attrName>ppt_h</p:attrName>
+                                        </p:attrNameLst>
+                                      </p:cBhvr>
+                                      <p:tavLst>
+                                        <p:tav tm="0">
+                                          <p:val>
+                                            <p:fltVal val="0.000000"/>
+                                          </p:val>
+                                        </p:tav>
+                                        <p:tav tm="100000">
+                                          <p:val>
+                                            <p:strVal val="#ppt_h"/>
+                                          </p:val>
+                                        </p:tav>
+                                      </p:tavLst>
+                                    </p:anim>
+                                    <p:anim calcmode="lin" valueType="num">
+                                      <p:cBhvr>
+                                        <p:cTn id="9" dur="500" fill="hold"/>
+                                        <p:tgtEl>
+                                          <p:spTgt spid="13"/>
+                                        </p:tgtEl>
+                                        <p:attrNameLst>
+                                          <p:attrName>style.rotation</p:attrName>
+                                        </p:attrNameLst>
+                                      </p:cBhvr>
+                                      <p:tavLst>
+                                        <p:tav tm="0">
+                                          <p:val>
+                                            <p:fltVal val="360.000000"/>
+                                          </p:val>
+                                        </p:tav>
+                                        <p:tav tm="100000">
+                                          <p:val>
+                                            <p:fltVal val="0.000000"/>
+                                          </p:val>
+                                        </p:tav>
+                                      </p:tavLst>
+                                    </p:anim>
+                                    <p:animEffect transition="in" filter="fade">
+                                      <p:cBhvr>
+                                        <p:cTn id="10" dur="500"/>
+                                        <p:tgtEl>
+                                          <p:spTgt spid="13"/>
+                                        </p:tgtEl>
+                                      </p:cBhvr>
+                                    </p:animEffect>
+                                  </p:childTnLst>
+                                </p:cTn>
+                              </p:par>
+                            </p:childTnLst>
+                          </p:cTn>
+                        </p:par>
+                        <p:par>
+                          <p:cTn id="11" fill="hold">
+                            <p:stCondLst>
+                              <p:cond delay="500"/>
+                            </p:stCondLst>
+                            <p:childTnLst>
+                              <p:par>
+                                <p:cTn id="12" presetID="53" presetClass="entr" presetSubtype="16" fill="hold" grpId="0" nodeType="afterEffect">
+                                  <p:stCondLst>
+                                    <p:cond delay="0"/>
+                                  </p:stCondLst>
+                                  <p:childTnLst>
+                                    <p:set>
+                                      <p:cBhvr>
+                                        <p:cTn id="13" dur="1" fill="hold">
+                                          <p:stCondLst>
+                                            <p:cond delay="0"/>
+                                          </p:stCondLst>
+                                        </p:cTn>
+                                        <p:tgtEl>
+                                          <p:spTgt spid="52249"/>
+                                        </p:tgtEl>
+                                        <p:attrNameLst>
+                                          <p:attrName>style.visibility</p:attrName>
+                                        </p:attrNameLst>
+                                      </p:cBhvr>
+                                      <p:to>
+                                        <p:strVal val="visible"/>
+                                      </p:to>
+                                    </p:set>
+                                    <p:anim calcmode="lin" valueType="num">
+                                      <p:cBhvr>
+                                        <p:cTn id="14" dur="500" fill="hold"/>
+                                        <p:tgtEl>
+                                          <p:spTgt spid="52249"/>
+                                        </p:tgtEl>
+                                        <p:attrNameLst>
+                                          <p:attrName>ppt_w</p:attrName>
+                                        </p:attrNameLst>
+                                      </p:cBhvr>
+                                      <p:tavLst>
+                                        <p:tav tm="0">
+                                          <p:val>
+                                            <p:fltVal val="0.000000"/>
+                                          </p:val>
+                                        </p:tav>
+                                        <p:tav tm="100000">
+                                          <p:val>
+                                            <p:strVal val="#ppt_w"/>
+                                          </p:val>
+                                        </p:tav>
+                                      </p:tavLst>
+                                    </p:anim>
+                                    <p:anim calcmode="lin" valueType="num">
+                                      <p:cBhvr>
+                                        <p:cTn id="15" dur="500" fill="hold"/>
+                                        <p:tgtEl>
+                                          <p:spTgt spid="52249"/>
+                                        </p:tgtEl>
+                                        <p:attrNameLst>
+                                          <p:attrName>ppt_h</p:attrName>
+                                        </p:attrNameLst>
+                                      </p:cBhvr>
+                                      <p:tavLst>
+                                        <p:tav tm="0">
+                                          <p:val>
+                                            <p:fltVal val="0.000000"/>
+                                          </p:val>
+                                        </p:tav>
+                                        <p:tav tm="100000">
+                                          <p:val>
+                                            <p:strVal val="#ppt_h"/>
+                                          </p:val>
+                                        </p:tav>
+                                      </p:tavLst>
+                                    </p:anim>
+                                    <p:animEffect transition="in" filter="fade">
+                                      <p:cBhvr>
+                                        <p:cTn id="16" dur="500"/>
+                                        <p:tgtEl>
+                                          <p:spTgt spid="52249"/>
+                                        </p:tgtEl>
+                                      </p:cBhvr>
+                                    </p:animEffect>
+                                  </p:childTnLst>
+                                </p:cTn>
+                              </p:par>
+                            </p:childTnLst>
+                          </p:cTn>
+                        </p:par>
+                      </p:childTnLst>
+                    </p:cTn>
+                  </p:par>
+                </p:childTnLst>
+              </p:cTn>
+              <p:prevCondLst>
+                <p:cond evt="onPrev" delay="0">
+                  <p:tgtEl>
+                    <p:sldTgt/>
+                  </p:tgtEl>
+                </p:cond>
+              </p:prevCondLst>
+              <p:nextCondLst>
+                <p:cond evt="onNext" delay="0">
+                  <p:tgtEl>
+                    <p:sldTgt/>
+                  </p:tgtEl>
+                </p:cond>
+              </p:nextCondLst>
+            </p:seq>
+          </p:childTnLst>
+        </p:cTn>
+      </p:par>
+    </p:tnLst>
+    <p:bldLst>
+      <p:bldP spid="13" grpId="0" bldLvl="0" animBg="1"/>
+      <p:bldP spid="52249" grpId="0"/>
+    </p:bldLst>
+  </p:timing>
+</p:sld>
+</file>
+
+<file path=ppt/slides/slide23.xml><?xml version="1.0" encoding="utf-8"?>
+<p:sld xmlns:a="http://schemas.openxmlformats.org/drawingml/2006/main" xmlns:r="http://schemas.openxmlformats.org/officeDocument/2006/relationships" xmlns:p="http://schemas.openxmlformats.org/presentationml/2006/main">
+  <p:cSld>
+    <p:spTree>
+      <p:nvGrpSpPr>
+        <p:cNvPr id="1" name=""/>
+        <p:cNvGrpSpPr/>
+        <p:nvPr/>
+      </p:nvGrpSpPr>
+      <p:grpSpPr/>
+      <p:sp>
+        <p:nvSpPr>
+          <p:cNvPr id="13" name="Copyright Notice"/>
+          <p:cNvSpPr/>
+          <p:nvPr/>
+        </p:nvSpPr>
+        <p:spPr bwMode="auto">
+          <a:xfrm>
+            <a:off x="567690" y="427355"/>
+            <a:ext cx="7833360" cy="610235"/>
+          </a:xfrm>
+          <a:prstGeom prst="rect">
+            <a:avLst/>
+          </a:prstGeom>
+          <a:noFill/>
+          <a:ln w="6350" cap="flat" cmpd="sng" algn="ctr">
+            <a:noFill/>
+            <a:prstDash val="solid"/>
+          </a:ln>
+          <a:effectLst/>
+          <a:extLst>
+            <a:ext uri="{909E8E84-426E-40DD-AFC4-6F175D3DCCD1}">
+              <a14:hiddenFill xmlns:a14="http://schemas.microsoft.com/office/drawing/2010/main">
+                <a:solidFill>
+                  <a:schemeClr val="bg1"/>
+                </a:solidFill>
+              </a14:hiddenFill>
+            </a:ext>
+            <a:ext uri="{91240B29-F687-4F45-9708-019B960494DF}">
+              <a14:hiddenLine xmlns:a14="http://schemas.microsoft.com/office/drawing/2010/main" w="6350">
+                <a:solidFill>
+                  <a:srgbClr val="FFFFFF"/>
+                </a:solidFill>
+                <a:prstDash val="solid"/>
+              </a14:hiddenLine>
+            </a:ext>
+          </a:extLst>
+        </p:spPr>
+        <p:style>
+          <a:lnRef idx="2">
+            <a:schemeClr val="accent1">
+              <a:shade val="50000"/>
+            </a:schemeClr>
+          </a:lnRef>
+          <a:fillRef idx="1">
+            <a:schemeClr val="accent1"/>
+          </a:fillRef>
+          <a:effectRef idx="0">
+            <a:schemeClr val="accent1"/>
+          </a:effectRef>
+          <a:fontRef idx="minor">
+            <a:schemeClr val="lt1"/>
+          </a:fontRef>
+        </p:style>
+        <p:txBody>
+          <a:bodyPr wrap="square" lIns="56626" tIns="25481" rIns="56626" bIns="25481" rtlCol="0" anchor="t">
+            <a:spAutoFit/>
+          </a:bodyPr>
+          <a:lstStyle>
+            <a:defPPr>
+              <a:defRPr lang="zh-CN"/>
+            </a:defPPr>
+            <a:lvl1pPr marL="0" algn="l" defTabSz="914400" rtl="0" eaLnBrk="1" latinLnBrk="0" hangingPunct="1">
+              <a:defRPr sz="1800" kern="1200">
+                <a:solidFill>
+                  <a:schemeClr val="lt1"/>
+                </a:solidFill>
+                <a:latin typeface="+mn-lt"/>
+                <a:ea typeface="+mn-ea"/>
+                <a:cs typeface="+mn-cs"/>
+              </a:defRPr>
+            </a:lvl1pPr>
+            <a:lvl2pPr marL="457200" algn="l" defTabSz="914400" rtl="0" eaLnBrk="1" latinLnBrk="0" hangingPunct="1">
+              <a:defRPr sz="1800" kern="1200">
+                <a:solidFill>
+                  <a:schemeClr val="lt1"/>
+                </a:solidFill>
+                <a:latin typeface="+mn-lt"/>
+                <a:ea typeface="+mn-ea"/>
+                <a:cs typeface="+mn-cs"/>
+              </a:defRPr>
+            </a:lvl2pPr>
+            <a:lvl3pPr marL="914400" algn="l" defTabSz="914400" rtl="0" eaLnBrk="1" latinLnBrk="0" hangingPunct="1">
+              <a:defRPr sz="1800" kern="1200">
+                <a:solidFill>
+                  <a:schemeClr val="lt1"/>
+                </a:solidFill>
+                <a:latin typeface="+mn-lt"/>
+                <a:ea typeface="+mn-ea"/>
+                <a:cs typeface="+mn-cs"/>
+              </a:defRPr>
+            </a:lvl3pPr>
+            <a:lvl4pPr marL="1371600" algn="l" defTabSz="914400" rtl="0" eaLnBrk="1" latinLnBrk="0" hangingPunct="1">
+              <a:defRPr sz="1800" kern="1200">
+                <a:solidFill>
+                  <a:schemeClr val="lt1"/>
+                </a:solidFill>
+                <a:latin typeface="+mn-lt"/>
+                <a:ea typeface="+mn-ea"/>
+                <a:cs typeface="+mn-cs"/>
+              </a:defRPr>
+            </a:lvl4pPr>
+            <a:lvl5pPr marL="1828800" algn="l" defTabSz="914400" rtl="0" eaLnBrk="1" latinLnBrk="0" hangingPunct="1">
+              <a:defRPr sz="1800" kern="1200">
+                <a:solidFill>
+                  <a:schemeClr val="lt1"/>
+                </a:solidFill>
+                <a:latin typeface="+mn-lt"/>
+                <a:ea typeface="+mn-ea"/>
+                <a:cs typeface="+mn-cs"/>
+              </a:defRPr>
+            </a:lvl5pPr>
+            <a:lvl6pPr marL="2286000" algn="l" defTabSz="914400" rtl="0" eaLnBrk="1" latinLnBrk="0" hangingPunct="1">
+              <a:defRPr sz="1800" kern="1200">
+                <a:solidFill>
+                  <a:schemeClr val="lt1"/>
+                </a:solidFill>
+                <a:latin typeface="+mn-lt"/>
+                <a:ea typeface="+mn-ea"/>
+                <a:cs typeface="+mn-cs"/>
+              </a:defRPr>
+            </a:lvl6pPr>
+            <a:lvl7pPr marL="2743200" algn="l" defTabSz="914400" rtl="0" eaLnBrk="1" latinLnBrk="0" hangingPunct="1">
+              <a:defRPr sz="1800" kern="1200">
+                <a:solidFill>
+                  <a:schemeClr val="lt1"/>
+                </a:solidFill>
+                <a:latin typeface="+mn-lt"/>
+                <a:ea typeface="+mn-ea"/>
+                <a:cs typeface="+mn-cs"/>
+              </a:defRPr>
+            </a:lvl7pPr>
+            <a:lvl8pPr marL="3200400" algn="l" defTabSz="914400" rtl="0" eaLnBrk="1" latinLnBrk="0" hangingPunct="1">
+              <a:defRPr sz="1800" kern="1200">
+                <a:solidFill>
+                  <a:schemeClr val="lt1"/>
+                </a:solidFill>
+                <a:latin typeface="+mn-lt"/>
+                <a:ea typeface="+mn-ea"/>
+                <a:cs typeface="+mn-cs"/>
+              </a:defRPr>
+            </a:lvl8pPr>
+            <a:lvl9pPr marL="3657600" algn="l" defTabSz="914400" rtl="0" eaLnBrk="1" latinLnBrk="0" hangingPunct="1">
+              <a:defRPr sz="1800" kern="1200">
+                <a:solidFill>
+                  <a:schemeClr val="lt1"/>
+                </a:solidFill>
+                <a:latin typeface="+mn-lt"/>
+                <a:ea typeface="+mn-ea"/>
+                <a:cs typeface="+mn-cs"/>
+              </a:defRPr>
+            </a:lvl9pPr>
+          </a:lstStyle>
+          <a:p>
+            <a:pPr algn="ctr">
+              <a:lnSpc>
+                <a:spcPct val="130000"/>
+              </a:lnSpc>
+            </a:pPr>
+            <a:r>
+              <a:rPr lang="en-US" altLang="x-none" sz="2800" b="1" dirty="0">
+                <a:solidFill>
+                  <a:srgbClr val="002748"/>
+                </a:solidFill>
+                <a:latin typeface="Arial Unicode MS" panose="020B0604020202020204" charset="-122"/>
+                <a:ea typeface="Arial Unicode MS" panose="020B0604020202020204" charset="-122"/>
+                <a:cs typeface="Arial Unicode MS" panose="020B0604020202020204" charset="-122"/>
+                <a:sym typeface="+mn-ea"/>
+              </a:rPr>
+              <a:t>Pre-Processor Loops</a:t>
+            </a:r>
+            <a:endParaRPr lang="en-US" altLang="x-none" sz="2800" b="1" dirty="0">
+              <a:solidFill>
+                <a:srgbClr val="002748"/>
+              </a:solidFill>
+              <a:latin typeface="Arial Unicode MS" panose="020B0604020202020204" charset="-122"/>
+              <a:ea typeface="Arial Unicode MS" panose="020B0604020202020204" charset="-122"/>
+              <a:cs typeface="Arial Unicode MS" panose="020B0604020202020204" charset="-122"/>
+              <a:sym typeface="+mn-ea"/>
+            </a:endParaRPr>
+          </a:p>
+        </p:txBody>
+      </p:sp>
+      <p:sp>
+        <p:nvSpPr>
+          <p:cNvPr id="52249" name="文本框 4"/>
+          <p:cNvSpPr txBox="1"/>
+          <p:nvPr/>
+        </p:nvSpPr>
+        <p:spPr>
+          <a:xfrm>
+            <a:off x="1288415" y="1169670"/>
+            <a:ext cx="7088505" cy="2030095"/>
+          </a:xfrm>
+          <a:prstGeom prst="rect">
+            <a:avLst/>
+          </a:prstGeom>
+          <a:noFill/>
+          <a:ln w="9525">
+            <a:noFill/>
+          </a:ln>
+        </p:spPr>
+        <p:txBody>
+          <a:bodyPr wrap="square" anchor="t">
+            <a:spAutoFit/>
+          </a:bodyPr>
+          <a:p>
+            <a:pPr marL="171450" indent="-171450" algn="l">
+              <a:lnSpc>
+                <a:spcPct val="150000"/>
+              </a:lnSpc>
+              <a:buFont typeface="Wingdings" panose="05000000000000000000" charset="0"/>
+              <a:buChar char="Ø"/>
+            </a:pPr>
+            <a:r>
+              <a:rPr lang="en-US" altLang="en-US" sz="1400" dirty="0">
+                <a:solidFill>
+                  <a:schemeClr val="tx1"/>
+                </a:solidFill>
+                <a:latin typeface="Arial Unicode MS" panose="020B0604020202020204" charset="-122"/>
+                <a:ea typeface="Arial Unicode MS" panose="020B0604020202020204" charset="-122"/>
+                <a:sym typeface="Arial" panose="020B0604020202020204" pitchFamily="34" charset="0"/>
+              </a:rPr>
+              <a:t>Loops are useful when you have a collection of items (arrays or objects) that you want to increment over.</a:t>
+            </a:r>
+            <a:endParaRPr lang="en-US" altLang="en-US" sz="1400" dirty="0">
+              <a:solidFill>
+                <a:schemeClr val="tx1"/>
+              </a:solidFill>
+              <a:latin typeface="Arial Unicode MS" panose="020B0604020202020204" charset="-122"/>
+              <a:ea typeface="Arial Unicode MS" panose="020B0604020202020204" charset="-122"/>
+              <a:sym typeface="Arial" panose="020B0604020202020204" pitchFamily="34" charset="0"/>
+            </a:endParaRPr>
+          </a:p>
+          <a:p>
+            <a:pPr marL="171450" indent="-171450" algn="l">
+              <a:lnSpc>
+                <a:spcPct val="150000"/>
+              </a:lnSpc>
+              <a:buFont typeface="Wingdings" panose="05000000000000000000" charset="0"/>
+              <a:buChar char="Ø"/>
+            </a:pPr>
+            <a:r>
+              <a:rPr lang="en-US" altLang="en-US" sz="1400" dirty="0">
+                <a:solidFill>
+                  <a:schemeClr val="tx1"/>
+                </a:solidFill>
+                <a:latin typeface="Arial Unicode MS" panose="020B0604020202020204" charset="-122"/>
+                <a:ea typeface="Arial Unicode MS" panose="020B0604020202020204" charset="-122"/>
+                <a:sym typeface="Arial" panose="020B0604020202020204" pitchFamily="34" charset="0"/>
+              </a:rPr>
+              <a:t>As an example, let’s say we have an object of our different social media icons and the colors they should be. We want to look through and apply the relevant color and link to each button.</a:t>
+            </a:r>
+            <a:endParaRPr lang="en-US" altLang="en-US" sz="1400" dirty="0">
+              <a:solidFill>
+                <a:schemeClr val="tx1"/>
+              </a:solidFill>
+              <a:latin typeface="Arial Unicode MS" panose="020B0604020202020204" charset="-122"/>
+              <a:ea typeface="Arial Unicode MS" panose="020B0604020202020204" charset="-122"/>
+              <a:sym typeface="Arial" panose="020B0604020202020204" pitchFamily="34" charset="0"/>
+            </a:endParaRPr>
+          </a:p>
+          <a:p>
+            <a:pPr marL="171450" indent="-171450" algn="l">
+              <a:lnSpc>
+                <a:spcPct val="150000"/>
+              </a:lnSpc>
+              <a:buFont typeface="Wingdings" panose="05000000000000000000" charset="0"/>
+              <a:buChar char="Ø"/>
+            </a:pPr>
+            <a:endParaRPr lang="en-US" altLang="en-US" sz="1400" dirty="0">
+              <a:solidFill>
+                <a:schemeClr val="tx1"/>
+              </a:solidFill>
+              <a:latin typeface="Arial Unicode MS" panose="020B0604020202020204" charset="-122"/>
+              <a:ea typeface="Arial Unicode MS" panose="020B0604020202020204" charset="-122"/>
+              <a:sym typeface="Arial" panose="020B0604020202020204" pitchFamily="34" charset="0"/>
+            </a:endParaRPr>
+          </a:p>
+        </p:txBody>
+      </p:sp>
+      <p:pic>
+        <p:nvPicPr>
+          <p:cNvPr id="7" name="Picture 6"/>
+          <p:cNvPicPr>
+            <a:picLocks noChangeAspect="1"/>
+          </p:cNvPicPr>
+          <p:nvPr/>
+        </p:nvPicPr>
+        <p:blipFill>
+          <a:blip r:embed="rId1"/>
+          <a:stretch>
+            <a:fillRect/>
+          </a:stretch>
+        </p:blipFill>
+        <p:spPr>
+          <a:xfrm rot="5400000">
+            <a:off x="7855585" y="0"/>
+            <a:ext cx="1288415" cy="1288415"/>
+          </a:xfrm>
+          <a:prstGeom prst="rect">
+            <a:avLst/>
+          </a:prstGeom>
+        </p:spPr>
+      </p:pic>
+      <p:pic>
+        <p:nvPicPr>
+          <p:cNvPr id="8" name="Picture 7"/>
+          <p:cNvPicPr>
+            <a:picLocks noChangeAspect="1"/>
+          </p:cNvPicPr>
+          <p:nvPr/>
+        </p:nvPicPr>
+        <p:blipFill>
+          <a:blip r:embed="rId1"/>
+          <a:stretch>
+            <a:fillRect/>
+          </a:stretch>
+        </p:blipFill>
+        <p:spPr>
+          <a:xfrm rot="16200000">
+            <a:off x="0" y="4005580"/>
+            <a:ext cx="1137920" cy="1137920"/>
+          </a:xfrm>
+          <a:prstGeom prst="rect">
+            <a:avLst/>
+          </a:prstGeom>
+        </p:spPr>
+      </p:pic>
+      <p:pic>
+        <p:nvPicPr>
+          <p:cNvPr id="3" name="Picture 2"/>
+          <p:cNvPicPr>
+            <a:picLocks noChangeAspect="1"/>
+          </p:cNvPicPr>
+          <p:nvPr/>
+        </p:nvPicPr>
+        <p:blipFill>
+          <a:blip r:embed="rId2"/>
+          <a:stretch>
+            <a:fillRect/>
+          </a:stretch>
+        </p:blipFill>
+        <p:spPr>
+          <a:xfrm>
+            <a:off x="1288415" y="3331845"/>
+            <a:ext cx="2110740" cy="1188720"/>
+          </a:xfrm>
+          <a:prstGeom prst="rect">
+            <a:avLst/>
+          </a:prstGeom>
+          <a:ln w="19050">
+            <a:solidFill>
+              <a:srgbClr val="003366"/>
+            </a:solidFill>
+          </a:ln>
+        </p:spPr>
+      </p:pic>
+      <p:pic>
+        <p:nvPicPr>
+          <p:cNvPr id="5" name="Picture 4"/>
+          <p:cNvPicPr>
+            <a:picLocks noChangeAspect="1"/>
+          </p:cNvPicPr>
+          <p:nvPr/>
+        </p:nvPicPr>
+        <p:blipFill>
+          <a:blip r:embed="rId3"/>
+          <a:stretch>
+            <a:fillRect/>
+          </a:stretch>
+        </p:blipFill>
+        <p:spPr>
+          <a:xfrm>
+            <a:off x="3822065" y="3112135"/>
+            <a:ext cx="4921885" cy="1628140"/>
+          </a:xfrm>
+          <a:prstGeom prst="rect">
+            <a:avLst/>
+          </a:prstGeom>
+          <a:ln w="19050">
+            <a:solidFill>
+              <a:srgbClr val="003366"/>
+            </a:solidFill>
+          </a:ln>
+        </p:spPr>
+      </p:pic>
+    </p:spTree>
+  </p:cSld>
+  <p:clrMapOvr>
+    <a:masterClrMapping/>
+  </p:clrMapOvr>
+  <p:transition>
+    <p:fade/>
+  </p:transition>
+  <p:timing>
+    <p:tnLst>
+      <p:par>
+        <p:cTn id="1" dur="indefinite" restart="never" nodeType="tmRoot">
+          <p:childTnLst>
+            <p:seq concurrent="1" nextAc="seek">
+              <p:cTn id="2" dur="indefinite" nodeType="mainSeq">
+                <p:childTnLst>
+                  <p:par>
+                    <p:cTn id="3" fill="hold">
+                      <p:stCondLst>
+                        <p:cond delay="indefinite"/>
+                        <p:cond evt="onBegin" delay="0">
+                          <p:tn val="2"/>
+                        </p:cond>
+                      </p:stCondLst>
+                      <p:childTnLst>
+                        <p:par>
+                          <p:cTn id="4" fill="hold">
+                            <p:stCondLst>
+                              <p:cond delay="0"/>
+                            </p:stCondLst>
+                            <p:childTnLst>
+                              <p:par>
+                                <p:cTn id="5" presetID="49" presetClass="entr" presetSubtype="0" decel="100000" fill="hold" grpId="0" nodeType="afterEffect">
+                                  <p:stCondLst>
+                                    <p:cond delay="0"/>
+                                  </p:stCondLst>
+                                  <p:childTnLst>
+                                    <p:set>
+                                      <p:cBhvr>
+                                        <p:cTn id="6" dur="1" fill="hold">
+                                          <p:stCondLst>
+                                            <p:cond delay="0"/>
+                                          </p:stCondLst>
+                                        </p:cTn>
+                                        <p:tgtEl>
+                                          <p:spTgt spid="13"/>
+                                        </p:tgtEl>
+                                        <p:attrNameLst>
+                                          <p:attrName>style.visibility</p:attrName>
+                                        </p:attrNameLst>
+                                      </p:cBhvr>
+                                      <p:to>
+                                        <p:strVal val="visible"/>
+                                      </p:to>
+                                    </p:set>
+                                    <p:anim calcmode="lin" valueType="num">
+                                      <p:cBhvr>
+                                        <p:cTn id="7" dur="500" fill="hold"/>
+                                        <p:tgtEl>
+                                          <p:spTgt spid="13"/>
+                                        </p:tgtEl>
+                                        <p:attrNameLst>
+                                          <p:attrName>ppt_w</p:attrName>
+                                        </p:attrNameLst>
+                                      </p:cBhvr>
+                                      <p:tavLst>
+                                        <p:tav tm="0">
+                                          <p:val>
+                                            <p:fltVal val="0.000000"/>
+                                          </p:val>
+                                        </p:tav>
+                                        <p:tav tm="100000">
+                                          <p:val>
+                                            <p:strVal val="#ppt_w"/>
+                                          </p:val>
+                                        </p:tav>
+                                      </p:tavLst>
+                                    </p:anim>
+                                    <p:anim calcmode="lin" valueType="num">
+                                      <p:cBhvr>
+                                        <p:cTn id="8" dur="500" fill="hold"/>
+                                        <p:tgtEl>
+                                          <p:spTgt spid="13"/>
+                                        </p:tgtEl>
+                                        <p:attrNameLst>
+                                          <p:attrName>ppt_h</p:attrName>
+                                        </p:attrNameLst>
+                                      </p:cBhvr>
+                                      <p:tavLst>
+                                        <p:tav tm="0">
+                                          <p:val>
+                                            <p:fltVal val="0.000000"/>
+                                          </p:val>
+                                        </p:tav>
+                                        <p:tav tm="100000">
+                                          <p:val>
+                                            <p:strVal val="#ppt_h"/>
+                                          </p:val>
+                                        </p:tav>
+                                      </p:tavLst>
+                                    </p:anim>
+                                    <p:anim calcmode="lin" valueType="num">
+                                      <p:cBhvr>
+                                        <p:cTn id="9" dur="500" fill="hold"/>
+                                        <p:tgtEl>
+                                          <p:spTgt spid="13"/>
+                                        </p:tgtEl>
+                                        <p:attrNameLst>
+                                          <p:attrName>style.rotation</p:attrName>
+                                        </p:attrNameLst>
+                                      </p:cBhvr>
+                                      <p:tavLst>
+                                        <p:tav tm="0">
+                                          <p:val>
+                                            <p:fltVal val="360.000000"/>
+                                          </p:val>
+                                        </p:tav>
+                                        <p:tav tm="100000">
+                                          <p:val>
+                                            <p:fltVal val="0.000000"/>
+                                          </p:val>
+                                        </p:tav>
+                                      </p:tavLst>
+                                    </p:anim>
+                                    <p:animEffect transition="in" filter="fade">
+                                      <p:cBhvr>
+                                        <p:cTn id="10" dur="500"/>
+                                        <p:tgtEl>
+                                          <p:spTgt spid="13"/>
+                                        </p:tgtEl>
+                                      </p:cBhvr>
+                                    </p:animEffect>
+                                  </p:childTnLst>
+                                </p:cTn>
+                              </p:par>
+                            </p:childTnLst>
+                          </p:cTn>
+                        </p:par>
+                        <p:par>
+                          <p:cTn id="11" fill="hold">
+                            <p:stCondLst>
+                              <p:cond delay="500"/>
+                            </p:stCondLst>
+                            <p:childTnLst>
+                              <p:par>
+                                <p:cTn id="12" presetID="53" presetClass="entr" presetSubtype="16" fill="hold" grpId="0" nodeType="afterEffect">
+                                  <p:stCondLst>
+                                    <p:cond delay="0"/>
+                                  </p:stCondLst>
+                                  <p:childTnLst>
+                                    <p:set>
+                                      <p:cBhvr>
+                                        <p:cTn id="13" dur="1" fill="hold">
+                                          <p:stCondLst>
+                                            <p:cond delay="0"/>
+                                          </p:stCondLst>
+                                        </p:cTn>
+                                        <p:tgtEl>
+                                          <p:spTgt spid="52249"/>
+                                        </p:tgtEl>
+                                        <p:attrNameLst>
+                                          <p:attrName>style.visibility</p:attrName>
+                                        </p:attrNameLst>
+                                      </p:cBhvr>
+                                      <p:to>
+                                        <p:strVal val="visible"/>
+                                      </p:to>
+                                    </p:set>
+                                    <p:anim calcmode="lin" valueType="num">
+                                      <p:cBhvr>
+                                        <p:cTn id="14" dur="500" fill="hold"/>
+                                        <p:tgtEl>
+                                          <p:spTgt spid="52249"/>
+                                        </p:tgtEl>
+                                        <p:attrNameLst>
+                                          <p:attrName>ppt_w</p:attrName>
+                                        </p:attrNameLst>
+                                      </p:cBhvr>
+                                      <p:tavLst>
+                                        <p:tav tm="0">
+                                          <p:val>
+                                            <p:fltVal val="0.000000"/>
+                                          </p:val>
+                                        </p:tav>
+                                        <p:tav tm="100000">
+                                          <p:val>
+                                            <p:strVal val="#ppt_w"/>
+                                          </p:val>
+                                        </p:tav>
+                                      </p:tavLst>
+                                    </p:anim>
+                                    <p:anim calcmode="lin" valueType="num">
+                                      <p:cBhvr>
+                                        <p:cTn id="15" dur="500" fill="hold"/>
+                                        <p:tgtEl>
+                                          <p:spTgt spid="52249"/>
+                                        </p:tgtEl>
+                                        <p:attrNameLst>
+                                          <p:attrName>ppt_h</p:attrName>
+                                        </p:attrNameLst>
+                                      </p:cBhvr>
+                                      <p:tavLst>
+                                        <p:tav tm="0">
+                                          <p:val>
+                                            <p:fltVal val="0.000000"/>
+                                          </p:val>
+                                        </p:tav>
+                                        <p:tav tm="100000">
+                                          <p:val>
+                                            <p:strVal val="#ppt_h"/>
+                                          </p:val>
+                                        </p:tav>
+                                      </p:tavLst>
+                                    </p:anim>
+                                    <p:animEffect transition="in" filter="fade">
+                                      <p:cBhvr>
+                                        <p:cTn id="16" dur="500"/>
+                                        <p:tgtEl>
+                                          <p:spTgt spid="52249"/>
+                                        </p:tgtEl>
+                                      </p:cBhvr>
+                                    </p:animEffect>
+                                  </p:childTnLst>
+                                </p:cTn>
+                              </p:par>
+                            </p:childTnLst>
+                          </p:cTn>
+                        </p:par>
+                      </p:childTnLst>
+                    </p:cTn>
+                  </p:par>
+                </p:childTnLst>
+              </p:cTn>
+              <p:prevCondLst>
+                <p:cond evt="onPrev" delay="0">
+                  <p:tgtEl>
+                    <p:sldTgt/>
+                  </p:tgtEl>
+                </p:cond>
+              </p:prevCondLst>
+              <p:nextCondLst>
+                <p:cond evt="onNext" delay="0">
+                  <p:tgtEl>
+                    <p:sldTgt/>
+                  </p:tgtEl>
+                </p:cond>
+              </p:nextCondLst>
+            </p:seq>
+          </p:childTnLst>
+        </p:cTn>
+      </p:par>
+    </p:tnLst>
+    <p:bldLst>
+      <p:bldP spid="13" grpId="0" bldLvl="0" animBg="1"/>
+      <p:bldP spid="52249" grpId="0"/>
+    </p:bldLst>
+  </p:timing>
+</p:sld>
+</file>
+
+<file path=ppt/slides/slide24.xml><?xml version="1.0" encoding="utf-8"?>
+<p:sld xmlns:a="http://schemas.openxmlformats.org/drawingml/2006/main" xmlns:r="http://schemas.openxmlformats.org/officeDocument/2006/relationships" xmlns:p="http://schemas.openxmlformats.org/presentationml/2006/main">
+  <p:cSld>
+    <p:spTree>
+      <p:nvGrpSpPr>
+        <p:cNvPr id="1" name=""/>
+        <p:cNvGrpSpPr/>
+        <p:nvPr/>
+      </p:nvGrpSpPr>
+      <p:grpSpPr/>
+      <p:sp>
+        <p:nvSpPr>
+          <p:cNvPr id="12" name="直角三角形 11"/>
+          <p:cNvSpPr/>
+          <p:nvPr/>
+        </p:nvSpPr>
+        <p:spPr>
+          <a:xfrm rot="16200000">
+            <a:off x="7733348" y="3732530"/>
+            <a:ext cx="1411288" cy="1409700"/>
+          </a:xfrm>
+          <a:prstGeom prst="rtTriangle">
+            <a:avLst/>
+          </a:prstGeom>
+          <a:solidFill>
+            <a:srgbClr val="FF9900"/>
+          </a:solidFill>
+          <a:ln>
+            <a:noFill/>
+          </a:ln>
+        </p:spPr>
+        <p:style>
+          <a:lnRef idx="2">
+            <a:schemeClr val="accent1">
+              <a:shade val="50000"/>
+            </a:schemeClr>
+          </a:lnRef>
+          <a:fillRef idx="1">
+            <a:schemeClr val="accent1"/>
+          </a:fillRef>
+          <a:effectRef idx="0">
+            <a:schemeClr val="accent1"/>
+          </a:effectRef>
+          <a:fontRef idx="minor">
+            <a:schemeClr val="lt1"/>
+          </a:fontRef>
+        </p:style>
+        <p:txBody>
+          <a:bodyPr rtlCol="0" anchor="ctr"/>
+          <a:p>
+            <a:pPr algn="ctr" fontAlgn="base"/>
+            <a:endParaRPr lang="zh-CN" altLang="en-US" strike="noStrike" noProof="1">
+              <a:ea typeface="Arial Unicode MS" panose="020B0604020202020204" charset="-122"/>
+            </a:endParaRPr>
+          </a:p>
+        </p:txBody>
+      </p:sp>
+      <p:sp>
+        <p:nvSpPr>
+          <p:cNvPr id="13" name="Copyright Notice"/>
+          <p:cNvSpPr/>
+          <p:nvPr/>
+        </p:nvSpPr>
+        <p:spPr bwMode="auto">
+          <a:xfrm>
+            <a:off x="1851660" y="190500"/>
+            <a:ext cx="5900420" cy="610235"/>
+          </a:xfrm>
+          <a:prstGeom prst="rect">
+            <a:avLst/>
+          </a:prstGeom>
+          <a:noFill/>
+          <a:ln w="6350" cap="flat" cmpd="sng" algn="ctr">
+            <a:noFill/>
+            <a:prstDash val="solid"/>
+          </a:ln>
+          <a:effectLst/>
+          <a:extLst>
+            <a:ext uri="{909E8E84-426E-40DD-AFC4-6F175D3DCCD1}">
+              <a14:hiddenFill xmlns:a14="http://schemas.microsoft.com/office/drawing/2010/main">
+                <a:solidFill>
+                  <a:schemeClr val="bg1"/>
+                </a:solidFill>
+              </a14:hiddenFill>
+            </a:ext>
+            <a:ext uri="{91240B29-F687-4F45-9708-019B960494DF}">
+              <a14:hiddenLine xmlns:a14="http://schemas.microsoft.com/office/drawing/2010/main" w="6350">
+                <a:solidFill>
+                  <a:srgbClr val="FFFFFF"/>
+                </a:solidFill>
+                <a:prstDash val="solid"/>
+              </a14:hiddenLine>
+            </a:ext>
+          </a:extLst>
+        </p:spPr>
+        <p:style>
+          <a:lnRef idx="2">
+            <a:schemeClr val="accent1">
+              <a:shade val="50000"/>
+            </a:schemeClr>
+          </a:lnRef>
+          <a:fillRef idx="1">
+            <a:schemeClr val="accent1"/>
+          </a:fillRef>
+          <a:effectRef idx="0">
+            <a:schemeClr val="accent1"/>
+          </a:effectRef>
+          <a:fontRef idx="minor">
+            <a:schemeClr val="lt1"/>
+          </a:fontRef>
+        </p:style>
+        <p:txBody>
+          <a:bodyPr wrap="square" lIns="56626" tIns="25481" rIns="56626" bIns="25481" rtlCol="0" anchor="t">
+            <a:spAutoFit/>
+          </a:bodyPr>
+          <a:lstStyle>
+            <a:defPPr>
+              <a:defRPr lang="zh-CN"/>
+            </a:defPPr>
+            <a:lvl1pPr marL="0" algn="l" defTabSz="914400" rtl="0" eaLnBrk="1" latinLnBrk="0" hangingPunct="1">
+              <a:defRPr sz="1800" kern="1200">
+                <a:solidFill>
+                  <a:schemeClr val="lt1"/>
+                </a:solidFill>
+                <a:latin typeface="+mn-lt"/>
+                <a:ea typeface="+mn-ea"/>
+                <a:cs typeface="+mn-cs"/>
+              </a:defRPr>
+            </a:lvl1pPr>
+            <a:lvl2pPr marL="457200" algn="l" defTabSz="914400" rtl="0" eaLnBrk="1" latinLnBrk="0" hangingPunct="1">
+              <a:defRPr sz="1800" kern="1200">
+                <a:solidFill>
+                  <a:schemeClr val="lt1"/>
+                </a:solidFill>
+                <a:latin typeface="+mn-lt"/>
+                <a:ea typeface="+mn-ea"/>
+                <a:cs typeface="+mn-cs"/>
+              </a:defRPr>
+            </a:lvl2pPr>
+            <a:lvl3pPr marL="914400" algn="l" defTabSz="914400" rtl="0" eaLnBrk="1" latinLnBrk="0" hangingPunct="1">
+              <a:defRPr sz="1800" kern="1200">
+                <a:solidFill>
+                  <a:schemeClr val="lt1"/>
+                </a:solidFill>
+                <a:latin typeface="+mn-lt"/>
+                <a:ea typeface="+mn-ea"/>
+                <a:cs typeface="+mn-cs"/>
+              </a:defRPr>
+            </a:lvl3pPr>
+            <a:lvl4pPr marL="1371600" algn="l" defTabSz="914400" rtl="0" eaLnBrk="1" latinLnBrk="0" hangingPunct="1">
+              <a:defRPr sz="1800" kern="1200">
+                <a:solidFill>
+                  <a:schemeClr val="lt1"/>
+                </a:solidFill>
+                <a:latin typeface="+mn-lt"/>
+                <a:ea typeface="+mn-ea"/>
+                <a:cs typeface="+mn-cs"/>
+              </a:defRPr>
+            </a:lvl4pPr>
+            <a:lvl5pPr marL="1828800" algn="l" defTabSz="914400" rtl="0" eaLnBrk="1" latinLnBrk="0" hangingPunct="1">
+              <a:defRPr sz="1800" kern="1200">
+                <a:solidFill>
+                  <a:schemeClr val="lt1"/>
+                </a:solidFill>
+                <a:latin typeface="+mn-lt"/>
+                <a:ea typeface="+mn-ea"/>
+                <a:cs typeface="+mn-cs"/>
+              </a:defRPr>
+            </a:lvl5pPr>
+            <a:lvl6pPr marL="2286000" algn="l" defTabSz="914400" rtl="0" eaLnBrk="1" latinLnBrk="0" hangingPunct="1">
+              <a:defRPr sz="1800" kern="1200">
+                <a:solidFill>
+                  <a:schemeClr val="lt1"/>
+                </a:solidFill>
+                <a:latin typeface="+mn-lt"/>
+                <a:ea typeface="+mn-ea"/>
+                <a:cs typeface="+mn-cs"/>
+              </a:defRPr>
+            </a:lvl6pPr>
+            <a:lvl7pPr marL="2743200" algn="l" defTabSz="914400" rtl="0" eaLnBrk="1" latinLnBrk="0" hangingPunct="1">
+              <a:defRPr sz="1800" kern="1200">
+                <a:solidFill>
+                  <a:schemeClr val="lt1"/>
+                </a:solidFill>
+                <a:latin typeface="+mn-lt"/>
+                <a:ea typeface="+mn-ea"/>
+                <a:cs typeface="+mn-cs"/>
+              </a:defRPr>
+            </a:lvl7pPr>
+            <a:lvl8pPr marL="3200400" algn="l" defTabSz="914400" rtl="0" eaLnBrk="1" latinLnBrk="0" hangingPunct="1">
+              <a:defRPr sz="1800" kern="1200">
+                <a:solidFill>
+                  <a:schemeClr val="lt1"/>
+                </a:solidFill>
+                <a:latin typeface="+mn-lt"/>
+                <a:ea typeface="+mn-ea"/>
+                <a:cs typeface="+mn-cs"/>
+              </a:defRPr>
+            </a:lvl8pPr>
+            <a:lvl9pPr marL="3657600" algn="l" defTabSz="914400" rtl="0" eaLnBrk="1" latinLnBrk="0" hangingPunct="1">
+              <a:defRPr sz="1800" kern="1200">
+                <a:solidFill>
+                  <a:schemeClr val="lt1"/>
+                </a:solidFill>
+                <a:latin typeface="+mn-lt"/>
+                <a:ea typeface="+mn-ea"/>
+                <a:cs typeface="+mn-cs"/>
+              </a:defRPr>
+            </a:lvl9pPr>
+          </a:lstStyle>
+          <a:p>
+            <a:pPr>
+              <a:lnSpc>
+                <a:spcPct val="130000"/>
+              </a:lnSpc>
+            </a:pPr>
+            <a:r>
+              <a:rPr lang="en-US" altLang="x-none" sz="2800" b="1" dirty="0">
+                <a:solidFill>
+                  <a:srgbClr val="002748"/>
+                </a:solidFill>
+                <a:latin typeface="Arial Unicode MS" panose="020B0604020202020204" charset="-122"/>
+                <a:ea typeface="Arial Unicode MS" panose="020B0604020202020204" charset="-122"/>
+                <a:cs typeface="Arial Unicode MS" panose="020B0604020202020204" charset="-122"/>
+                <a:sym typeface="+mn-ea"/>
+              </a:rPr>
+              <a:t>Pros of using a CSS preprocessor</a:t>
+            </a:r>
+            <a:endParaRPr lang="en-US" altLang="x-none" sz="2800" b="1" dirty="0">
+              <a:solidFill>
+                <a:srgbClr val="002748"/>
+              </a:solidFill>
+              <a:latin typeface="Arial Unicode MS" panose="020B0604020202020204" charset="-122"/>
+              <a:ea typeface="Arial Unicode MS" panose="020B0604020202020204" charset="-122"/>
+              <a:cs typeface="Arial Unicode MS" panose="020B0604020202020204" charset="-122"/>
+              <a:sym typeface="+mn-ea"/>
+            </a:endParaRPr>
+          </a:p>
+        </p:txBody>
+      </p:sp>
+      <p:sp>
+        <p:nvSpPr>
+          <p:cNvPr id="2" name="直角三角形 11"/>
+          <p:cNvSpPr/>
+          <p:nvPr/>
+        </p:nvSpPr>
+        <p:spPr>
+          <a:xfrm rot="5400000">
+            <a:off x="-317" y="635"/>
+            <a:ext cx="1411288" cy="1409700"/>
+          </a:xfrm>
+          <a:prstGeom prst="rtTriangle">
+            <a:avLst/>
+          </a:prstGeom>
+          <a:solidFill>
+            <a:srgbClr val="FF9900"/>
+          </a:solidFill>
+          <a:ln>
+            <a:noFill/>
+          </a:ln>
+        </p:spPr>
+        <p:style>
+          <a:lnRef idx="2">
+            <a:schemeClr val="accent1">
+              <a:shade val="50000"/>
+            </a:schemeClr>
+          </a:lnRef>
+          <a:fillRef idx="1">
+            <a:schemeClr val="accent1"/>
+          </a:fillRef>
+          <a:effectRef idx="0">
+            <a:schemeClr val="accent1"/>
+          </a:effectRef>
+          <a:fontRef idx="minor">
+            <a:schemeClr val="lt1"/>
+          </a:fontRef>
+        </p:style>
+        <p:txBody>
+          <a:bodyPr rtlCol="0" anchor="ctr"/>
+          <a:p>
+            <a:pPr algn="ctr" fontAlgn="base"/>
+            <a:endParaRPr lang="zh-CN" altLang="en-US" strike="noStrike" noProof="1">
+              <a:ea typeface="Arial Unicode MS" panose="020B0604020202020204" charset="-122"/>
+            </a:endParaRPr>
+          </a:p>
+        </p:txBody>
+      </p:sp>
+      <p:sp>
+        <p:nvSpPr>
+          <p:cNvPr id="5" name="文本框 4"/>
+          <p:cNvSpPr txBox="1"/>
+          <p:nvPr/>
+        </p:nvSpPr>
+        <p:spPr>
+          <a:xfrm>
+            <a:off x="1592580" y="885190"/>
+            <a:ext cx="6418580" cy="3969385"/>
+          </a:xfrm>
+          <a:prstGeom prst="rect">
+            <a:avLst/>
+          </a:prstGeom>
+          <a:noFill/>
+          <a:ln w="9525">
+            <a:noFill/>
+          </a:ln>
+        </p:spPr>
+        <p:txBody>
+          <a:bodyPr wrap="square" anchor="t">
+            <a:spAutoFit/>
+          </a:bodyPr>
+          <a:p>
+            <a:pPr marL="742950" lvl="1" indent="-285750" algn="l">
+              <a:lnSpc>
+                <a:spcPct val="150000"/>
+              </a:lnSpc>
+              <a:buFont typeface="Wingdings" panose="05000000000000000000" charset="0"/>
+              <a:buChar char="Ø"/>
+            </a:pPr>
+            <a:r>
+              <a:rPr lang="en-US" altLang="en-US" sz="1400" b="1" dirty="0">
+                <a:latin typeface="Arial Unicode MS" panose="020B0604020202020204" charset="-122"/>
+                <a:ea typeface="Arial Unicode MS" panose="020B0604020202020204" charset="-122"/>
+                <a:sym typeface="Arial" panose="020B0604020202020204" pitchFamily="34" charset="0"/>
+              </a:rPr>
+              <a:t>It makes your code more maintainable. </a:t>
+            </a:r>
+            <a:r>
+              <a:rPr lang="en-US" altLang="en-US" sz="1400" dirty="0">
+                <a:latin typeface="Arial Unicode MS" panose="020B0604020202020204" charset="-122"/>
+                <a:ea typeface="Arial Unicode MS" panose="020B0604020202020204" charset="-122"/>
+                <a:sym typeface="Arial" panose="020B0604020202020204" pitchFamily="34" charset="0"/>
+              </a:rPr>
+              <a:t>For example, you can declare your brand colors in one place: $primaryColor, $secondaryColor, etc. If your brand colors change later, you only have to update them in one place now.</a:t>
+            </a:r>
+            <a:endParaRPr lang="en-US" altLang="en-US" sz="1400" b="1" dirty="0">
+              <a:latin typeface="Arial Unicode MS" panose="020B0604020202020204" charset="-122"/>
+              <a:ea typeface="Arial Unicode MS" panose="020B0604020202020204" charset="-122"/>
+              <a:sym typeface="Arial" panose="020B0604020202020204" pitchFamily="34" charset="0"/>
+            </a:endParaRPr>
+          </a:p>
+          <a:p>
+            <a:pPr marL="742950" lvl="1" indent="-285750" algn="l">
+              <a:lnSpc>
+                <a:spcPct val="150000"/>
+              </a:lnSpc>
+              <a:buFont typeface="Wingdings" panose="05000000000000000000" charset="0"/>
+              <a:buChar char="Ø"/>
+            </a:pPr>
+            <a:endParaRPr lang="en-US" altLang="en-US" sz="1400" b="1" dirty="0">
+              <a:latin typeface="Arial Unicode MS" panose="020B0604020202020204" charset="-122"/>
+              <a:ea typeface="Arial Unicode MS" panose="020B0604020202020204" charset="-122"/>
+              <a:sym typeface="Arial" panose="020B0604020202020204" pitchFamily="34" charset="0"/>
+            </a:endParaRPr>
+          </a:p>
+          <a:p>
+            <a:pPr marL="742950" lvl="1" indent="-285750" algn="l">
+              <a:lnSpc>
+                <a:spcPct val="150000"/>
+              </a:lnSpc>
+              <a:buFont typeface="Wingdings" panose="05000000000000000000" charset="0"/>
+              <a:buChar char="Ø"/>
+            </a:pPr>
+            <a:r>
+              <a:rPr lang="en-US" altLang="en-US" sz="1400" b="1" dirty="0">
+                <a:latin typeface="Arial Unicode MS" panose="020B0604020202020204" charset="-122"/>
+                <a:ea typeface="Arial Unicode MS" panose="020B0604020202020204" charset="-122"/>
+                <a:sym typeface="Arial" panose="020B0604020202020204" pitchFamily="34" charset="0"/>
+              </a:rPr>
+              <a:t>Write DRY CSS, a.k.a. Don’t Repeat Yourself. </a:t>
+            </a:r>
+            <a:r>
+              <a:rPr lang="en-US" altLang="en-US" sz="1400" dirty="0">
+                <a:latin typeface="Arial Unicode MS" panose="020B0604020202020204" charset="-122"/>
+                <a:ea typeface="Arial Unicode MS" panose="020B0604020202020204" charset="-122"/>
+                <a:sym typeface="Arial" panose="020B0604020202020204" pitchFamily="34" charset="0"/>
+              </a:rPr>
+              <a:t>CSS preprocessors make it easy to reuse styles, meaning you don’t have to write the same code over and over.</a:t>
+            </a:r>
+            <a:endParaRPr lang="en-US" altLang="en-US" sz="1400" b="1" dirty="0">
+              <a:latin typeface="Arial Unicode MS" panose="020B0604020202020204" charset="-122"/>
+              <a:ea typeface="Arial Unicode MS" panose="020B0604020202020204" charset="-122"/>
+              <a:sym typeface="Arial" panose="020B0604020202020204" pitchFamily="34" charset="0"/>
+            </a:endParaRPr>
+          </a:p>
+          <a:p>
+            <a:pPr marL="742950" lvl="1" indent="-285750" algn="l">
+              <a:lnSpc>
+                <a:spcPct val="150000"/>
+              </a:lnSpc>
+              <a:buFont typeface="Wingdings" panose="05000000000000000000" charset="0"/>
+              <a:buChar char="Ø"/>
+            </a:pPr>
+            <a:endParaRPr lang="en-US" altLang="en-US" sz="1400" b="1" dirty="0">
+              <a:latin typeface="Arial Unicode MS" panose="020B0604020202020204" charset="-122"/>
+              <a:ea typeface="Arial Unicode MS" panose="020B0604020202020204" charset="-122"/>
+              <a:sym typeface="Arial" panose="020B0604020202020204" pitchFamily="34" charset="0"/>
+            </a:endParaRPr>
+          </a:p>
+          <a:p>
+            <a:pPr marL="742950" lvl="1" indent="-285750" algn="l">
+              <a:lnSpc>
+                <a:spcPct val="150000"/>
+              </a:lnSpc>
+              <a:buFont typeface="Wingdings" panose="05000000000000000000" charset="0"/>
+              <a:buChar char="Ø"/>
+            </a:pPr>
+            <a:r>
+              <a:rPr lang="en-US" altLang="en-US" sz="1400" b="1" dirty="0">
+                <a:latin typeface="Arial Unicode MS" panose="020B0604020202020204" charset="-122"/>
+                <a:ea typeface="Arial Unicode MS" panose="020B0604020202020204" charset="-122"/>
+                <a:sym typeface="Arial" panose="020B0604020202020204" pitchFamily="34" charset="0"/>
+              </a:rPr>
+              <a:t>They make your code more organized. </a:t>
+            </a:r>
+            <a:r>
+              <a:rPr lang="en-US" altLang="en-US" sz="1400" dirty="0">
+                <a:latin typeface="Arial Unicode MS" panose="020B0604020202020204" charset="-122"/>
+                <a:ea typeface="Arial Unicode MS" panose="020B0604020202020204" charset="-122"/>
+                <a:sym typeface="Arial" panose="020B0604020202020204" pitchFamily="34" charset="0"/>
+              </a:rPr>
+              <a:t>Rather than sprawling sheets of styles, you can group your code and be more specific. Less repetition is shorter and more readable.</a:t>
+            </a:r>
+            <a:endParaRPr lang="en-US" altLang="en-US" sz="1400" dirty="0">
+              <a:latin typeface="Arial Unicode MS" panose="020B0604020202020204" charset="-122"/>
+              <a:ea typeface="Arial Unicode MS" panose="020B0604020202020204" charset="-122"/>
+              <a:sym typeface="Arial" panose="020B0604020202020204" pitchFamily="34" charset="0"/>
+            </a:endParaRPr>
+          </a:p>
+        </p:txBody>
+      </p:sp>
+    </p:spTree>
+  </p:cSld>
+  <p:clrMapOvr>
+    <a:masterClrMapping/>
+  </p:clrMapOvr>
+  <p:transition>
+    <p:fade/>
+  </p:transition>
+  <p:timing>
+    <p:tnLst>
+      <p:par>
+        <p:cTn id="1" dur="indefinite" restart="never" nodeType="tmRoot">
+          <p:childTnLst>
+            <p:seq concurrent="1" nextAc="seek">
+              <p:cTn id="2" dur="indefinite" nodeType="mainSeq">
+                <p:childTnLst>
+                  <p:par>
+                    <p:cTn id="3" fill="hold">
+                      <p:stCondLst>
+                        <p:cond delay="indefinite"/>
+                        <p:cond evt="onBegin" delay="0">
+                          <p:tn val="2"/>
+                        </p:cond>
+                      </p:stCondLst>
+                      <p:childTnLst>
+                        <p:par>
+                          <p:cTn id="4" fill="hold">
+                            <p:stCondLst>
+                              <p:cond delay="0"/>
+                            </p:stCondLst>
+                            <p:childTnLst>
+                              <p:par>
+                                <p:cTn id="5" presetID="2" presetClass="entr" presetSubtype="2" fill="hold" grpId="0" nodeType="afterEffect">
+                                  <p:stCondLst>
+                                    <p:cond delay="0"/>
+                                  </p:stCondLst>
+                                  <p:childTnLst>
+                                    <p:set>
+                                      <p:cBhvr>
+                                        <p:cTn id="6" dur="1" fill="hold">
+                                          <p:stCondLst>
+                                            <p:cond delay="0"/>
+                                          </p:stCondLst>
+                                        </p:cTn>
+                                        <p:tgtEl>
+                                          <p:spTgt spid="12"/>
+                                        </p:tgtEl>
+                                        <p:attrNameLst>
+                                          <p:attrName>style.visibility</p:attrName>
+                                        </p:attrNameLst>
+                                      </p:cBhvr>
+                                      <p:to>
+                                        <p:strVal val="visible"/>
+                                      </p:to>
+                                    </p:set>
+                                    <p:anim calcmode="lin" valueType="num">
+                                      <p:cBhvr>
+                                        <p:cTn id="7" dur="500" fill="hold"/>
+                                        <p:tgtEl>
+                                          <p:spTgt spid="12"/>
+                                        </p:tgtEl>
+                                        <p:attrNameLst>
+                                          <p:attrName>ppt_x</p:attrName>
+                                        </p:attrNameLst>
+                                      </p:cBhvr>
+                                      <p:tavLst>
+                                        <p:tav tm="0">
+                                          <p:val>
+                                            <p:strVal val="1+#ppt_w/2"/>
+                                          </p:val>
+                                        </p:tav>
+                                        <p:tav tm="100000">
+                                          <p:val>
+                                            <p:strVal val="#ppt_x"/>
+                                          </p:val>
+                                        </p:tav>
+                                      </p:tavLst>
+                                    </p:anim>
+                                    <p:anim calcmode="lin" valueType="num">
+                                      <p:cBhvr>
+                                        <p:cTn id="8" dur="500" fill="hold"/>
+                                        <p:tgtEl>
+                                          <p:spTgt spid="12"/>
+                                        </p:tgtEl>
+                                        <p:attrNameLst>
+                                          <p:attrName>ppt_y</p:attrName>
+                                        </p:attrNameLst>
+                                      </p:cBhvr>
+                                      <p:tavLst>
+                                        <p:tav tm="0">
+                                          <p:val>
+                                            <p:strVal val="#ppt_y"/>
+                                          </p:val>
+                                        </p:tav>
+                                        <p:tav tm="100000">
+                                          <p:val>
+                                            <p:strVal val="#ppt_y"/>
+                                          </p:val>
+                                        </p:tav>
+                                      </p:tavLst>
+                                    </p:anim>
+                                  </p:childTnLst>
+                                </p:cTn>
+                              </p:par>
+                            </p:childTnLst>
+                          </p:cTn>
+                        </p:par>
+                        <p:par>
+                          <p:cTn id="9" fill="hold">
+                            <p:stCondLst>
+                              <p:cond delay="500"/>
+                            </p:stCondLst>
+                            <p:childTnLst>
+                              <p:par>
+                                <p:cTn id="10" presetID="49" presetClass="entr" presetSubtype="0" decel="100000" fill="hold" grpId="0" nodeType="afterEffect">
+                                  <p:stCondLst>
+                                    <p:cond delay="0"/>
+                                  </p:stCondLst>
+                                  <p:childTnLst>
+                                    <p:set>
+                                      <p:cBhvr>
+                                        <p:cTn id="11" dur="1" fill="hold">
+                                          <p:stCondLst>
+                                            <p:cond delay="0"/>
+                                          </p:stCondLst>
+                                        </p:cTn>
+                                        <p:tgtEl>
+                                          <p:spTgt spid="13"/>
+                                        </p:tgtEl>
+                                        <p:attrNameLst>
+                                          <p:attrName>style.visibility</p:attrName>
+                                        </p:attrNameLst>
+                                      </p:cBhvr>
+                                      <p:to>
+                                        <p:strVal val="visible"/>
+                                      </p:to>
+                                    </p:set>
+                                    <p:anim calcmode="lin" valueType="num">
+                                      <p:cBhvr>
+                                        <p:cTn id="12" dur="500" fill="hold"/>
+                                        <p:tgtEl>
+                                          <p:spTgt spid="13"/>
+                                        </p:tgtEl>
+                                        <p:attrNameLst>
+                                          <p:attrName>ppt_w</p:attrName>
+                                        </p:attrNameLst>
+                                      </p:cBhvr>
+                                      <p:tavLst>
+                                        <p:tav tm="0">
+                                          <p:val>
+                                            <p:fltVal val="0.000000"/>
+                                          </p:val>
+                                        </p:tav>
+                                        <p:tav tm="100000">
+                                          <p:val>
+                                            <p:strVal val="#ppt_w"/>
+                                          </p:val>
+                                        </p:tav>
+                                      </p:tavLst>
+                                    </p:anim>
+                                    <p:anim calcmode="lin" valueType="num">
+                                      <p:cBhvr>
+                                        <p:cTn id="13" dur="500" fill="hold"/>
+                                        <p:tgtEl>
+                                          <p:spTgt spid="13"/>
+                                        </p:tgtEl>
+                                        <p:attrNameLst>
+                                          <p:attrName>ppt_h</p:attrName>
+                                        </p:attrNameLst>
+                                      </p:cBhvr>
+                                      <p:tavLst>
+                                        <p:tav tm="0">
+                                          <p:val>
+                                            <p:fltVal val="0.000000"/>
+                                          </p:val>
+                                        </p:tav>
+                                        <p:tav tm="100000">
+                                          <p:val>
+                                            <p:strVal val="#ppt_h"/>
+                                          </p:val>
+                                        </p:tav>
+                                      </p:tavLst>
+                                    </p:anim>
+                                    <p:anim calcmode="lin" valueType="num">
+                                      <p:cBhvr>
+                                        <p:cTn id="14" dur="500" fill="hold"/>
+                                        <p:tgtEl>
+                                          <p:spTgt spid="13"/>
+                                        </p:tgtEl>
+                                        <p:attrNameLst>
+                                          <p:attrName>style.rotation</p:attrName>
+                                        </p:attrNameLst>
+                                      </p:cBhvr>
+                                      <p:tavLst>
+                                        <p:tav tm="0">
+                                          <p:val>
+                                            <p:fltVal val="360.000000"/>
+                                          </p:val>
+                                        </p:tav>
+                                        <p:tav tm="100000">
+                                          <p:val>
+                                            <p:fltVal val="0.000000"/>
+                                          </p:val>
+                                        </p:tav>
+                                      </p:tavLst>
+                                    </p:anim>
+                                    <p:animEffect transition="in" filter="fade">
+                                      <p:cBhvr>
+                                        <p:cTn id="15" dur="500"/>
+                                        <p:tgtEl>
+                                          <p:spTgt spid="13"/>
+                                        </p:tgtEl>
+                                      </p:cBhvr>
+                                    </p:animEffect>
+                                  </p:childTnLst>
+                                </p:cTn>
+                              </p:par>
+                            </p:childTnLst>
+                          </p:cTn>
+                        </p:par>
+                        <p:par>
+                          <p:cTn id="16" fill="hold">
+                            <p:stCondLst>
+                              <p:cond delay="1000"/>
+                            </p:stCondLst>
+                            <p:childTnLst>
+                              <p:par>
+                                <p:cTn id="17" presetID="2" presetClass="entr" presetSubtype="2" fill="hold" grpId="0" nodeType="afterEffect">
+                                  <p:stCondLst>
+                                    <p:cond delay="0"/>
+                                  </p:stCondLst>
+                                  <p:childTnLst>
+                                    <p:set>
+                                      <p:cBhvr>
+                                        <p:cTn id="18" dur="1" fill="hold">
+                                          <p:stCondLst>
+                                            <p:cond delay="0"/>
+                                          </p:stCondLst>
+                                        </p:cTn>
+                                        <p:tgtEl>
+                                          <p:spTgt spid="2"/>
+                                        </p:tgtEl>
+                                        <p:attrNameLst>
+                                          <p:attrName>style.visibility</p:attrName>
+                                        </p:attrNameLst>
+                                      </p:cBhvr>
+                                      <p:to>
+                                        <p:strVal val="visible"/>
+                                      </p:to>
+                                    </p:set>
+                                    <p:anim calcmode="lin" valueType="num">
+                                      <p:cBhvr>
+                                        <p:cTn id="19" dur="500" fill="hold"/>
+                                        <p:tgtEl>
+                                          <p:spTgt spid="2"/>
+                                        </p:tgtEl>
+                                        <p:attrNameLst>
+                                          <p:attrName>ppt_x</p:attrName>
+                                        </p:attrNameLst>
+                                      </p:cBhvr>
+                                      <p:tavLst>
+                                        <p:tav tm="0">
+                                          <p:val>
+                                            <p:strVal val="1+#ppt_w/2"/>
+                                          </p:val>
+                                        </p:tav>
+                                        <p:tav tm="100000">
+                                          <p:val>
+                                            <p:strVal val="#ppt_x"/>
+                                          </p:val>
+                                        </p:tav>
+                                      </p:tavLst>
+                                    </p:anim>
+                                    <p:anim calcmode="lin" valueType="num">
+                                      <p:cBhvr>
+                                        <p:cTn id="20" dur="500" fill="hold"/>
+                                        <p:tgtEl>
+                                          <p:spTgt spid="2"/>
+                                        </p:tgtEl>
+                                        <p:attrNameLst>
+                                          <p:attrName>ppt_y</p:attrName>
+                                        </p:attrNameLst>
+                                      </p:cBhvr>
+                                      <p:tavLst>
+                                        <p:tav tm="0">
+                                          <p:val>
+                                            <p:strVal val="#ppt_y"/>
+                                          </p:val>
+                                        </p:tav>
+                                        <p:tav tm="100000">
+                                          <p:val>
+                                            <p:strVal val="#ppt_y"/>
+                                          </p:val>
+                                        </p:tav>
+                                      </p:tavLst>
+                                    </p:anim>
+                                  </p:childTnLst>
+                                </p:cTn>
+                              </p:par>
+                            </p:childTnLst>
+                          </p:cTn>
+                        </p:par>
+                        <p:par>
+                          <p:cTn id="21" fill="hold">
+                            <p:stCondLst>
+                              <p:cond delay="1500"/>
+                            </p:stCondLst>
+                            <p:childTnLst>
+                              <p:par>
+                                <p:cTn id="22" presetID="53" presetClass="entr" presetSubtype="16" fill="hold" grpId="0" nodeType="afterEffect">
+                                  <p:stCondLst>
+                                    <p:cond delay="0"/>
+                                  </p:stCondLst>
+                                  <p:childTnLst>
+                                    <p:set>
+                                      <p:cBhvr>
+                                        <p:cTn id="23" dur="1" fill="hold">
+                                          <p:stCondLst>
+                                            <p:cond delay="0"/>
+                                          </p:stCondLst>
+                                        </p:cTn>
+                                        <p:tgtEl>
+                                          <p:spTgt spid="5"/>
+                                        </p:tgtEl>
+                                        <p:attrNameLst>
+                                          <p:attrName>style.visibility</p:attrName>
+                                        </p:attrNameLst>
+                                      </p:cBhvr>
+                                      <p:to>
+                                        <p:strVal val="visible"/>
+                                      </p:to>
+                                    </p:set>
+                                    <p:anim calcmode="lin" valueType="num">
+                                      <p:cBhvr>
+                                        <p:cTn id="24" dur="500" fill="hold"/>
+                                        <p:tgtEl>
+                                          <p:spTgt spid="5"/>
+                                        </p:tgtEl>
+                                        <p:attrNameLst>
+                                          <p:attrName>ppt_w</p:attrName>
+                                        </p:attrNameLst>
+                                      </p:cBhvr>
+                                      <p:tavLst>
+                                        <p:tav tm="0">
+                                          <p:val>
+                                            <p:fltVal val="0.000000"/>
+                                          </p:val>
+                                        </p:tav>
+                                        <p:tav tm="100000">
+                                          <p:val>
+                                            <p:strVal val="#ppt_w"/>
+                                          </p:val>
+                                        </p:tav>
+                                      </p:tavLst>
+                                    </p:anim>
+                                    <p:anim calcmode="lin" valueType="num">
+                                      <p:cBhvr>
+                                        <p:cTn id="25" dur="500" fill="hold"/>
+                                        <p:tgtEl>
+                                          <p:spTgt spid="5"/>
+                                        </p:tgtEl>
+                                        <p:attrNameLst>
+                                          <p:attrName>ppt_h</p:attrName>
+                                        </p:attrNameLst>
+                                      </p:cBhvr>
+                                      <p:tavLst>
+                                        <p:tav tm="0">
+                                          <p:val>
+                                            <p:fltVal val="0.000000"/>
+                                          </p:val>
+                                        </p:tav>
+                                        <p:tav tm="100000">
+                                          <p:val>
+                                            <p:strVal val="#ppt_h"/>
+                                          </p:val>
+                                        </p:tav>
+                                      </p:tavLst>
+                                    </p:anim>
+                                    <p:animEffect transition="in" filter="fade">
+                                      <p:cBhvr>
+                                        <p:cTn id="26" dur="500"/>
+                                        <p:tgtEl>
+                                          <p:spTgt spid="5"/>
+                                        </p:tgtEl>
+                                      </p:cBhvr>
+                                    </p:animEffect>
+                                  </p:childTnLst>
+                                </p:cTn>
+                              </p:par>
+                            </p:childTnLst>
+                          </p:cTn>
+                        </p:par>
+                      </p:childTnLst>
+                    </p:cTn>
+                  </p:par>
+                </p:childTnLst>
+              </p:cTn>
+              <p:prevCondLst>
+                <p:cond evt="onPrev" delay="0">
+                  <p:tgtEl>
+                    <p:sldTgt/>
+                  </p:tgtEl>
+                </p:cond>
+              </p:prevCondLst>
+              <p:nextCondLst>
+                <p:cond evt="onNext" delay="0">
+                  <p:tgtEl>
+                    <p:sldTgt/>
+                  </p:tgtEl>
+                </p:cond>
+              </p:nextCondLst>
+            </p:seq>
+          </p:childTnLst>
+        </p:cTn>
+      </p:par>
+    </p:tnLst>
+    <p:bldLst>
+      <p:bldP spid="13" grpId="0" bldLvl="0" animBg="1"/>
+      <p:bldP spid="12" grpId="0" bldLvl="0" animBg="1"/>
+      <p:bldP spid="2" grpId="0" bldLvl="0" animBg="1"/>
+      <p:bldP spid="5" grpId="0"/>
+    </p:bldLst>
+  </p:timing>
+</p:sld>
+</file>
+
+<file path=ppt/slides/slide25.xml><?xml version="1.0" encoding="utf-8"?>
+<p:sld xmlns:a="http://schemas.openxmlformats.org/drawingml/2006/main" xmlns:r="http://schemas.openxmlformats.org/officeDocument/2006/relationships" xmlns:p="http://schemas.openxmlformats.org/presentationml/2006/main">
+  <p:cSld>
+    <p:spTree>
+      <p:nvGrpSpPr>
+        <p:cNvPr id="1" name=""/>
+        <p:cNvGrpSpPr/>
+        <p:nvPr/>
+      </p:nvGrpSpPr>
+      <p:grpSpPr/>
+      <p:sp>
+        <p:nvSpPr>
+          <p:cNvPr id="12" name="直角三角形 11"/>
+          <p:cNvSpPr/>
+          <p:nvPr/>
+        </p:nvSpPr>
+        <p:spPr>
+          <a:xfrm rot="16200000">
+            <a:off x="7733348" y="3732530"/>
+            <a:ext cx="1411288" cy="1409700"/>
+          </a:xfrm>
+          <a:prstGeom prst="rtTriangle">
+            <a:avLst/>
+          </a:prstGeom>
+          <a:solidFill>
+            <a:srgbClr val="FF9900"/>
+          </a:solidFill>
+          <a:ln>
+            <a:noFill/>
+          </a:ln>
+        </p:spPr>
+        <p:style>
+          <a:lnRef idx="2">
+            <a:schemeClr val="accent1">
+              <a:shade val="50000"/>
+            </a:schemeClr>
+          </a:lnRef>
+          <a:fillRef idx="1">
+            <a:schemeClr val="accent1"/>
+          </a:fillRef>
+          <a:effectRef idx="0">
+            <a:schemeClr val="accent1"/>
+          </a:effectRef>
+          <a:fontRef idx="minor">
+            <a:schemeClr val="lt1"/>
+          </a:fontRef>
+        </p:style>
+        <p:txBody>
+          <a:bodyPr rtlCol="0" anchor="ctr"/>
+          <a:p>
+            <a:pPr algn="ctr" fontAlgn="base"/>
+            <a:endParaRPr lang="zh-CN" altLang="en-US" strike="noStrike" noProof="1">
+              <a:ea typeface="Arial Unicode MS" panose="020B0604020202020204" charset="-122"/>
+            </a:endParaRPr>
+          </a:p>
+        </p:txBody>
+      </p:sp>
+      <p:sp>
+        <p:nvSpPr>
+          <p:cNvPr id="13" name="Copyright Notice"/>
+          <p:cNvSpPr/>
+          <p:nvPr/>
+        </p:nvSpPr>
+        <p:spPr bwMode="auto">
+          <a:xfrm>
+            <a:off x="1851660" y="190500"/>
+            <a:ext cx="5900420" cy="610235"/>
+          </a:xfrm>
+          <a:prstGeom prst="rect">
+            <a:avLst/>
+          </a:prstGeom>
+          <a:noFill/>
+          <a:ln w="6350" cap="flat" cmpd="sng" algn="ctr">
+            <a:noFill/>
+            <a:prstDash val="solid"/>
+          </a:ln>
+          <a:effectLst/>
+          <a:extLst>
+            <a:ext uri="{909E8E84-426E-40DD-AFC4-6F175D3DCCD1}">
+              <a14:hiddenFill xmlns:a14="http://schemas.microsoft.com/office/drawing/2010/main">
+                <a:solidFill>
+                  <a:schemeClr val="bg1"/>
+                </a:solidFill>
+              </a14:hiddenFill>
+            </a:ext>
+            <a:ext uri="{91240B29-F687-4F45-9708-019B960494DF}">
+              <a14:hiddenLine xmlns:a14="http://schemas.microsoft.com/office/drawing/2010/main" w="6350">
+                <a:solidFill>
+                  <a:srgbClr val="FFFFFF"/>
+                </a:solidFill>
+                <a:prstDash val="solid"/>
+              </a14:hiddenLine>
+            </a:ext>
+          </a:extLst>
+        </p:spPr>
+        <p:style>
+          <a:lnRef idx="2">
+            <a:schemeClr val="accent1">
+              <a:shade val="50000"/>
+            </a:schemeClr>
+          </a:lnRef>
+          <a:fillRef idx="1">
+            <a:schemeClr val="accent1"/>
+          </a:fillRef>
+          <a:effectRef idx="0">
+            <a:schemeClr val="accent1"/>
+          </a:effectRef>
+          <a:fontRef idx="minor">
+            <a:schemeClr val="lt1"/>
+          </a:fontRef>
+        </p:style>
+        <p:txBody>
+          <a:bodyPr wrap="square" lIns="56626" tIns="25481" rIns="56626" bIns="25481" rtlCol="0" anchor="t">
+            <a:spAutoFit/>
+          </a:bodyPr>
+          <a:lstStyle>
+            <a:defPPr>
+              <a:defRPr lang="zh-CN"/>
+            </a:defPPr>
+            <a:lvl1pPr marL="0" algn="l" defTabSz="914400" rtl="0" eaLnBrk="1" latinLnBrk="0" hangingPunct="1">
+              <a:defRPr sz="1800" kern="1200">
+                <a:solidFill>
+                  <a:schemeClr val="lt1"/>
+                </a:solidFill>
+                <a:latin typeface="+mn-lt"/>
+                <a:ea typeface="+mn-ea"/>
+                <a:cs typeface="+mn-cs"/>
+              </a:defRPr>
+            </a:lvl1pPr>
+            <a:lvl2pPr marL="457200" algn="l" defTabSz="914400" rtl="0" eaLnBrk="1" latinLnBrk="0" hangingPunct="1">
+              <a:defRPr sz="1800" kern="1200">
+                <a:solidFill>
+                  <a:schemeClr val="lt1"/>
+                </a:solidFill>
+                <a:latin typeface="+mn-lt"/>
+                <a:ea typeface="+mn-ea"/>
+                <a:cs typeface="+mn-cs"/>
+              </a:defRPr>
+            </a:lvl2pPr>
+            <a:lvl3pPr marL="914400" algn="l" defTabSz="914400" rtl="0" eaLnBrk="1" latinLnBrk="0" hangingPunct="1">
+              <a:defRPr sz="1800" kern="1200">
+                <a:solidFill>
+                  <a:schemeClr val="lt1"/>
+                </a:solidFill>
+                <a:latin typeface="+mn-lt"/>
+                <a:ea typeface="+mn-ea"/>
+                <a:cs typeface="+mn-cs"/>
+              </a:defRPr>
+            </a:lvl3pPr>
+            <a:lvl4pPr marL="1371600" algn="l" defTabSz="914400" rtl="0" eaLnBrk="1" latinLnBrk="0" hangingPunct="1">
+              <a:defRPr sz="1800" kern="1200">
+                <a:solidFill>
+                  <a:schemeClr val="lt1"/>
+                </a:solidFill>
+                <a:latin typeface="+mn-lt"/>
+                <a:ea typeface="+mn-ea"/>
+                <a:cs typeface="+mn-cs"/>
+              </a:defRPr>
+            </a:lvl4pPr>
+            <a:lvl5pPr marL="1828800" algn="l" defTabSz="914400" rtl="0" eaLnBrk="1" latinLnBrk="0" hangingPunct="1">
+              <a:defRPr sz="1800" kern="1200">
+                <a:solidFill>
+                  <a:schemeClr val="lt1"/>
+                </a:solidFill>
+                <a:latin typeface="+mn-lt"/>
+                <a:ea typeface="+mn-ea"/>
+                <a:cs typeface="+mn-cs"/>
+              </a:defRPr>
+            </a:lvl5pPr>
+            <a:lvl6pPr marL="2286000" algn="l" defTabSz="914400" rtl="0" eaLnBrk="1" latinLnBrk="0" hangingPunct="1">
+              <a:defRPr sz="1800" kern="1200">
+                <a:solidFill>
+                  <a:schemeClr val="lt1"/>
+                </a:solidFill>
+                <a:latin typeface="+mn-lt"/>
+                <a:ea typeface="+mn-ea"/>
+                <a:cs typeface="+mn-cs"/>
+              </a:defRPr>
+            </a:lvl6pPr>
+            <a:lvl7pPr marL="2743200" algn="l" defTabSz="914400" rtl="0" eaLnBrk="1" latinLnBrk="0" hangingPunct="1">
+              <a:defRPr sz="1800" kern="1200">
+                <a:solidFill>
+                  <a:schemeClr val="lt1"/>
+                </a:solidFill>
+                <a:latin typeface="+mn-lt"/>
+                <a:ea typeface="+mn-ea"/>
+                <a:cs typeface="+mn-cs"/>
+              </a:defRPr>
+            </a:lvl7pPr>
+            <a:lvl8pPr marL="3200400" algn="l" defTabSz="914400" rtl="0" eaLnBrk="1" latinLnBrk="0" hangingPunct="1">
+              <a:defRPr sz="1800" kern="1200">
+                <a:solidFill>
+                  <a:schemeClr val="lt1"/>
+                </a:solidFill>
+                <a:latin typeface="+mn-lt"/>
+                <a:ea typeface="+mn-ea"/>
+                <a:cs typeface="+mn-cs"/>
+              </a:defRPr>
+            </a:lvl8pPr>
+            <a:lvl9pPr marL="3657600" algn="l" defTabSz="914400" rtl="0" eaLnBrk="1" latinLnBrk="0" hangingPunct="1">
+              <a:defRPr sz="1800" kern="1200">
+                <a:solidFill>
+                  <a:schemeClr val="lt1"/>
+                </a:solidFill>
+                <a:latin typeface="+mn-lt"/>
+                <a:ea typeface="+mn-ea"/>
+                <a:cs typeface="+mn-cs"/>
+              </a:defRPr>
+            </a:lvl9pPr>
+          </a:lstStyle>
+          <a:p>
+            <a:pPr>
+              <a:lnSpc>
+                <a:spcPct val="130000"/>
+              </a:lnSpc>
+            </a:pPr>
+            <a:r>
+              <a:rPr lang="en-US" altLang="x-none" sz="2800" b="1" dirty="0">
+                <a:solidFill>
+                  <a:srgbClr val="002748"/>
+                </a:solidFill>
+                <a:latin typeface="Arial Unicode MS" panose="020B0604020202020204" charset="-122"/>
+                <a:ea typeface="Arial Unicode MS" panose="020B0604020202020204" charset="-122"/>
+                <a:cs typeface="Arial Unicode MS" panose="020B0604020202020204" charset="-122"/>
+                <a:sym typeface="+mn-ea"/>
+              </a:rPr>
+              <a:t>Cons of using a CSS preprocessor</a:t>
+            </a:r>
+            <a:endParaRPr lang="en-US" altLang="x-none" sz="2800" b="1" dirty="0">
+              <a:solidFill>
+                <a:srgbClr val="002748"/>
+              </a:solidFill>
+              <a:latin typeface="Arial Unicode MS" panose="020B0604020202020204" charset="-122"/>
+              <a:ea typeface="Arial Unicode MS" panose="020B0604020202020204" charset="-122"/>
+              <a:cs typeface="Arial Unicode MS" panose="020B0604020202020204" charset="-122"/>
+              <a:sym typeface="+mn-ea"/>
+            </a:endParaRPr>
+          </a:p>
+        </p:txBody>
+      </p:sp>
+      <p:sp>
+        <p:nvSpPr>
+          <p:cNvPr id="2" name="直角三角形 11"/>
+          <p:cNvSpPr/>
+          <p:nvPr/>
+        </p:nvSpPr>
+        <p:spPr>
+          <a:xfrm rot="5400000">
+            <a:off x="-317" y="635"/>
+            <a:ext cx="1411288" cy="1409700"/>
+          </a:xfrm>
+          <a:prstGeom prst="rtTriangle">
+            <a:avLst/>
+          </a:prstGeom>
+          <a:solidFill>
+            <a:srgbClr val="FF9900"/>
+          </a:solidFill>
+          <a:ln>
+            <a:noFill/>
+          </a:ln>
+        </p:spPr>
+        <p:style>
+          <a:lnRef idx="2">
+            <a:schemeClr val="accent1">
+              <a:shade val="50000"/>
+            </a:schemeClr>
+          </a:lnRef>
+          <a:fillRef idx="1">
+            <a:schemeClr val="accent1"/>
+          </a:fillRef>
+          <a:effectRef idx="0">
+            <a:schemeClr val="accent1"/>
+          </a:effectRef>
+          <a:fontRef idx="minor">
+            <a:schemeClr val="lt1"/>
+          </a:fontRef>
+        </p:style>
+        <p:txBody>
+          <a:bodyPr rtlCol="0" anchor="ctr"/>
+          <a:p>
+            <a:pPr algn="ctr" fontAlgn="base"/>
+            <a:endParaRPr lang="zh-CN" altLang="en-US" strike="noStrike" noProof="1">
+              <a:ea typeface="Arial Unicode MS" panose="020B0604020202020204" charset="-122"/>
+            </a:endParaRPr>
+          </a:p>
+        </p:txBody>
+      </p:sp>
+      <p:sp>
+        <p:nvSpPr>
+          <p:cNvPr id="5" name="文本框 4"/>
+          <p:cNvSpPr txBox="1"/>
+          <p:nvPr/>
+        </p:nvSpPr>
+        <p:spPr>
+          <a:xfrm>
+            <a:off x="1410335" y="1216660"/>
+            <a:ext cx="6418580" cy="3322955"/>
+          </a:xfrm>
+          <a:prstGeom prst="rect">
+            <a:avLst/>
+          </a:prstGeom>
+          <a:noFill/>
+          <a:ln w="9525">
+            <a:noFill/>
+          </a:ln>
+        </p:spPr>
+        <p:txBody>
+          <a:bodyPr wrap="square" anchor="t">
+            <a:spAutoFit/>
+          </a:bodyPr>
+          <a:p>
+            <a:pPr marL="742950" lvl="1" indent="-285750" algn="l">
+              <a:lnSpc>
+                <a:spcPct val="150000"/>
+              </a:lnSpc>
+              <a:buFont typeface="Wingdings" panose="05000000000000000000" charset="0"/>
+              <a:buChar char="Ø"/>
+            </a:pPr>
+            <a:r>
+              <a:rPr lang="en-US" altLang="en-US" sz="1400" b="1" dirty="0">
+                <a:latin typeface="Arial Unicode MS" panose="020B0604020202020204" charset="-122"/>
+                <a:ea typeface="Arial Unicode MS" panose="020B0604020202020204" charset="-122"/>
+                <a:sym typeface="Arial" panose="020B0604020202020204" pitchFamily="34" charset="0"/>
+              </a:rPr>
+              <a:t>Debugging is harder.</a:t>
+            </a:r>
+            <a:r>
+              <a:rPr lang="en-US" altLang="en-US" sz="1400" dirty="0">
+                <a:latin typeface="Arial Unicode MS" panose="020B0604020202020204" charset="-122"/>
+                <a:ea typeface="Arial Unicode MS" panose="020B0604020202020204" charset="-122"/>
+                <a:sym typeface="Arial" panose="020B0604020202020204" pitchFamily="34" charset="0"/>
+              </a:rPr>
+              <a:t> Since you’re reusing code, it could take longer to find where the problem is.</a:t>
+            </a:r>
+            <a:endParaRPr lang="en-US" altLang="en-US" sz="1400" dirty="0">
+              <a:latin typeface="Arial Unicode MS" panose="020B0604020202020204" charset="-122"/>
+              <a:ea typeface="Arial Unicode MS" panose="020B0604020202020204" charset="-122"/>
+              <a:sym typeface="Arial" panose="020B0604020202020204" pitchFamily="34" charset="0"/>
+            </a:endParaRPr>
+          </a:p>
+          <a:p>
+            <a:pPr marL="742950" lvl="1" indent="-285750" algn="l">
+              <a:lnSpc>
+                <a:spcPct val="150000"/>
+              </a:lnSpc>
+              <a:buFont typeface="Wingdings" panose="05000000000000000000" charset="0"/>
+              <a:buChar char="Ø"/>
+            </a:pPr>
+            <a:endParaRPr lang="en-US" altLang="en-US" sz="1400" dirty="0">
+              <a:latin typeface="Arial Unicode MS" panose="020B0604020202020204" charset="-122"/>
+              <a:ea typeface="Arial Unicode MS" panose="020B0604020202020204" charset="-122"/>
+              <a:sym typeface="Arial" panose="020B0604020202020204" pitchFamily="34" charset="0"/>
+            </a:endParaRPr>
+          </a:p>
+          <a:p>
+            <a:pPr marL="742950" lvl="1" indent="-285750" algn="l">
+              <a:lnSpc>
+                <a:spcPct val="150000"/>
+              </a:lnSpc>
+              <a:buFont typeface="Wingdings" panose="05000000000000000000" charset="0"/>
+              <a:buChar char="Ø"/>
+            </a:pPr>
+            <a:r>
+              <a:rPr lang="en-US" altLang="en-US" sz="1400" b="1" dirty="0">
+                <a:latin typeface="Arial Unicode MS" panose="020B0604020202020204" charset="-122"/>
+                <a:ea typeface="Arial Unicode MS" panose="020B0604020202020204" charset="-122"/>
+                <a:sym typeface="Arial" panose="020B0604020202020204" pitchFamily="34" charset="0"/>
+              </a:rPr>
+              <a:t>Additional complication time.</a:t>
+            </a:r>
+            <a:r>
+              <a:rPr lang="en-US" altLang="en-US" sz="1400" dirty="0">
+                <a:latin typeface="Arial Unicode MS" panose="020B0604020202020204" charset="-122"/>
+                <a:ea typeface="Arial Unicode MS" panose="020B0604020202020204" charset="-122"/>
+                <a:sym typeface="Arial" panose="020B0604020202020204" pitchFamily="34" charset="0"/>
+              </a:rPr>
+              <a:t> Since the browser doesn’t read this more advanced version of CSS, it needs to compile it into regular CSS before showing the style.</a:t>
+            </a:r>
+            <a:endParaRPr lang="en-US" altLang="en-US" sz="1400" dirty="0">
+              <a:latin typeface="Arial Unicode MS" panose="020B0604020202020204" charset="-122"/>
+              <a:ea typeface="Arial Unicode MS" panose="020B0604020202020204" charset="-122"/>
+              <a:sym typeface="Arial" panose="020B0604020202020204" pitchFamily="34" charset="0"/>
+            </a:endParaRPr>
+          </a:p>
+          <a:p>
+            <a:pPr marL="742950" lvl="1" indent="-285750" algn="l">
+              <a:lnSpc>
+                <a:spcPct val="150000"/>
+              </a:lnSpc>
+              <a:buFont typeface="Wingdings" panose="05000000000000000000" charset="0"/>
+              <a:buChar char="Ø"/>
+            </a:pPr>
+            <a:endParaRPr lang="en-US" altLang="en-US" sz="1400" dirty="0">
+              <a:latin typeface="Arial Unicode MS" panose="020B0604020202020204" charset="-122"/>
+              <a:ea typeface="Arial Unicode MS" panose="020B0604020202020204" charset="-122"/>
+              <a:sym typeface="Arial" panose="020B0604020202020204" pitchFamily="34" charset="0"/>
+            </a:endParaRPr>
+          </a:p>
+          <a:p>
+            <a:pPr marL="742950" lvl="1" indent="-285750" algn="l">
+              <a:lnSpc>
+                <a:spcPct val="150000"/>
+              </a:lnSpc>
+              <a:buFont typeface="Wingdings" panose="05000000000000000000" charset="0"/>
+              <a:buChar char="Ø"/>
+            </a:pPr>
+            <a:r>
+              <a:rPr lang="en-US" altLang="en-US" sz="1400" b="1" dirty="0">
+                <a:latin typeface="Arial Unicode MS" panose="020B0604020202020204" charset="-122"/>
+                <a:ea typeface="Arial Unicode MS" panose="020B0604020202020204" charset="-122"/>
+                <a:sym typeface="Arial" panose="020B0604020202020204" pitchFamily="34" charset="0"/>
+              </a:rPr>
+              <a:t>Can produce very large CSS files.</a:t>
+            </a:r>
+            <a:r>
+              <a:rPr lang="en-US" altLang="en-US" sz="1400" dirty="0">
+                <a:latin typeface="Arial Unicode MS" panose="020B0604020202020204" charset="-122"/>
+                <a:ea typeface="Arial Unicode MS" panose="020B0604020202020204" charset="-122"/>
+                <a:sym typeface="Arial" panose="020B0604020202020204" pitchFamily="34" charset="0"/>
+              </a:rPr>
+              <a:t> The source files will be more concise, but the generated CSS files could be huge. This could cause additional time for a request to complete.</a:t>
+            </a:r>
+            <a:endParaRPr lang="en-US" altLang="en-US" sz="1400" dirty="0">
+              <a:latin typeface="Arial Unicode MS" panose="020B0604020202020204" charset="-122"/>
+              <a:ea typeface="Arial Unicode MS" panose="020B0604020202020204" charset="-122"/>
+              <a:sym typeface="Arial" panose="020B0604020202020204" pitchFamily="34" charset="0"/>
+            </a:endParaRPr>
+          </a:p>
+        </p:txBody>
+      </p:sp>
+    </p:spTree>
+  </p:cSld>
+  <p:clrMapOvr>
+    <a:masterClrMapping/>
+  </p:clrMapOvr>
+  <p:transition>
+    <p:fade/>
+  </p:transition>
+  <p:timing>
+    <p:tnLst>
+      <p:par>
+        <p:cTn id="1" dur="indefinite" restart="never" nodeType="tmRoot">
+          <p:childTnLst>
+            <p:seq concurrent="1" nextAc="seek">
+              <p:cTn id="2" dur="indefinite" nodeType="mainSeq">
+                <p:childTnLst>
+                  <p:par>
+                    <p:cTn id="3" fill="hold">
+                      <p:stCondLst>
+                        <p:cond delay="indefinite"/>
+                        <p:cond evt="onBegin" delay="0">
+                          <p:tn val="2"/>
+                        </p:cond>
+                      </p:stCondLst>
+                      <p:childTnLst>
+                        <p:par>
+                          <p:cTn id="4" fill="hold">
+                            <p:stCondLst>
+                              <p:cond delay="0"/>
+                            </p:stCondLst>
+                            <p:childTnLst>
+                              <p:par>
+                                <p:cTn id="5" presetID="2" presetClass="entr" presetSubtype="2" fill="hold" grpId="0" nodeType="afterEffect">
+                                  <p:stCondLst>
+                                    <p:cond delay="0"/>
+                                  </p:stCondLst>
+                                  <p:childTnLst>
+                                    <p:set>
+                                      <p:cBhvr>
+                                        <p:cTn id="6" dur="1" fill="hold">
+                                          <p:stCondLst>
+                                            <p:cond delay="0"/>
+                                          </p:stCondLst>
+                                        </p:cTn>
+                                        <p:tgtEl>
+                                          <p:spTgt spid="12"/>
+                                        </p:tgtEl>
+                                        <p:attrNameLst>
+                                          <p:attrName>style.visibility</p:attrName>
+                                        </p:attrNameLst>
+                                      </p:cBhvr>
+                                      <p:to>
+                                        <p:strVal val="visible"/>
+                                      </p:to>
+                                    </p:set>
+                                    <p:anim calcmode="lin" valueType="num">
+                                      <p:cBhvr>
+                                        <p:cTn id="7" dur="500" fill="hold"/>
+                                        <p:tgtEl>
+                                          <p:spTgt spid="12"/>
+                                        </p:tgtEl>
+                                        <p:attrNameLst>
+                                          <p:attrName>ppt_x</p:attrName>
+                                        </p:attrNameLst>
+                                      </p:cBhvr>
+                                      <p:tavLst>
+                                        <p:tav tm="0">
+                                          <p:val>
+                                            <p:strVal val="1+#ppt_w/2"/>
+                                          </p:val>
+                                        </p:tav>
+                                        <p:tav tm="100000">
+                                          <p:val>
+                                            <p:strVal val="#ppt_x"/>
+                                          </p:val>
+                                        </p:tav>
+                                      </p:tavLst>
+                                    </p:anim>
+                                    <p:anim calcmode="lin" valueType="num">
+                                      <p:cBhvr>
+                                        <p:cTn id="8" dur="500" fill="hold"/>
+                                        <p:tgtEl>
+                                          <p:spTgt spid="12"/>
+                                        </p:tgtEl>
+                                        <p:attrNameLst>
+                                          <p:attrName>ppt_y</p:attrName>
+                                        </p:attrNameLst>
+                                      </p:cBhvr>
+                                      <p:tavLst>
+                                        <p:tav tm="0">
+                                          <p:val>
+                                            <p:strVal val="#ppt_y"/>
+                                          </p:val>
+                                        </p:tav>
+                                        <p:tav tm="100000">
+                                          <p:val>
+                                            <p:strVal val="#ppt_y"/>
+                                          </p:val>
+                                        </p:tav>
+                                      </p:tavLst>
+                                    </p:anim>
+                                  </p:childTnLst>
+                                </p:cTn>
+                              </p:par>
+                            </p:childTnLst>
+                          </p:cTn>
+                        </p:par>
+                        <p:par>
+                          <p:cTn id="9" fill="hold">
+                            <p:stCondLst>
+                              <p:cond delay="500"/>
+                            </p:stCondLst>
+                            <p:childTnLst>
+                              <p:par>
+                                <p:cTn id="10" presetID="49" presetClass="entr" presetSubtype="0" decel="100000" fill="hold" grpId="0" nodeType="afterEffect">
+                                  <p:stCondLst>
+                                    <p:cond delay="0"/>
+                                  </p:stCondLst>
+                                  <p:childTnLst>
+                                    <p:set>
+                                      <p:cBhvr>
+                                        <p:cTn id="11" dur="1" fill="hold">
+                                          <p:stCondLst>
+                                            <p:cond delay="0"/>
+                                          </p:stCondLst>
+                                        </p:cTn>
+                                        <p:tgtEl>
+                                          <p:spTgt spid="13"/>
+                                        </p:tgtEl>
+                                        <p:attrNameLst>
+                                          <p:attrName>style.visibility</p:attrName>
+                                        </p:attrNameLst>
+                                      </p:cBhvr>
+                                      <p:to>
+                                        <p:strVal val="visible"/>
+                                      </p:to>
+                                    </p:set>
+                                    <p:anim calcmode="lin" valueType="num">
+                                      <p:cBhvr>
+                                        <p:cTn id="12" dur="500" fill="hold"/>
+                                        <p:tgtEl>
+                                          <p:spTgt spid="13"/>
+                                        </p:tgtEl>
+                                        <p:attrNameLst>
+                                          <p:attrName>ppt_w</p:attrName>
+                                        </p:attrNameLst>
+                                      </p:cBhvr>
+                                      <p:tavLst>
+                                        <p:tav tm="0">
+                                          <p:val>
+                                            <p:fltVal val="0.000000"/>
+                                          </p:val>
+                                        </p:tav>
+                                        <p:tav tm="100000">
+                                          <p:val>
+                                            <p:strVal val="#ppt_w"/>
+                                          </p:val>
+                                        </p:tav>
+                                      </p:tavLst>
+                                    </p:anim>
+                                    <p:anim calcmode="lin" valueType="num">
+                                      <p:cBhvr>
+                                        <p:cTn id="13" dur="500" fill="hold"/>
+                                        <p:tgtEl>
+                                          <p:spTgt spid="13"/>
+                                        </p:tgtEl>
+                                        <p:attrNameLst>
+                                          <p:attrName>ppt_h</p:attrName>
+                                        </p:attrNameLst>
+                                      </p:cBhvr>
+                                      <p:tavLst>
+                                        <p:tav tm="0">
+                                          <p:val>
+                                            <p:fltVal val="0.000000"/>
+                                          </p:val>
+                                        </p:tav>
+                                        <p:tav tm="100000">
+                                          <p:val>
+                                            <p:strVal val="#ppt_h"/>
+                                          </p:val>
+                                        </p:tav>
+                                      </p:tavLst>
+                                    </p:anim>
+                                    <p:anim calcmode="lin" valueType="num">
+                                      <p:cBhvr>
+                                        <p:cTn id="14" dur="500" fill="hold"/>
+                                        <p:tgtEl>
+                                          <p:spTgt spid="13"/>
+                                        </p:tgtEl>
+                                        <p:attrNameLst>
+                                          <p:attrName>style.rotation</p:attrName>
+                                        </p:attrNameLst>
+                                      </p:cBhvr>
+                                      <p:tavLst>
+                                        <p:tav tm="0">
+                                          <p:val>
+                                            <p:fltVal val="360.000000"/>
+                                          </p:val>
+                                        </p:tav>
+                                        <p:tav tm="100000">
+                                          <p:val>
+                                            <p:fltVal val="0.000000"/>
+                                          </p:val>
+                                        </p:tav>
+                                      </p:tavLst>
+                                    </p:anim>
+                                    <p:animEffect transition="in" filter="fade">
+                                      <p:cBhvr>
+                                        <p:cTn id="15" dur="500"/>
+                                        <p:tgtEl>
+                                          <p:spTgt spid="13"/>
+                                        </p:tgtEl>
+                                      </p:cBhvr>
+                                    </p:animEffect>
+                                  </p:childTnLst>
+                                </p:cTn>
+                              </p:par>
+                            </p:childTnLst>
+                          </p:cTn>
+                        </p:par>
+                        <p:par>
+                          <p:cTn id="16" fill="hold">
+                            <p:stCondLst>
+                              <p:cond delay="1000"/>
+                            </p:stCondLst>
+                            <p:childTnLst>
+                              <p:par>
+                                <p:cTn id="17" presetID="2" presetClass="entr" presetSubtype="2" fill="hold" grpId="0" nodeType="afterEffect">
+                                  <p:stCondLst>
+                                    <p:cond delay="0"/>
+                                  </p:stCondLst>
+                                  <p:childTnLst>
+                                    <p:set>
+                                      <p:cBhvr>
+                                        <p:cTn id="18" dur="1" fill="hold">
+                                          <p:stCondLst>
+                                            <p:cond delay="0"/>
+                                          </p:stCondLst>
+                                        </p:cTn>
+                                        <p:tgtEl>
+                                          <p:spTgt spid="2"/>
+                                        </p:tgtEl>
+                                        <p:attrNameLst>
+                                          <p:attrName>style.visibility</p:attrName>
+                                        </p:attrNameLst>
+                                      </p:cBhvr>
+                                      <p:to>
+                                        <p:strVal val="visible"/>
+                                      </p:to>
+                                    </p:set>
+                                    <p:anim calcmode="lin" valueType="num">
+                                      <p:cBhvr>
+                                        <p:cTn id="19" dur="500" fill="hold"/>
+                                        <p:tgtEl>
+                                          <p:spTgt spid="2"/>
+                                        </p:tgtEl>
+                                        <p:attrNameLst>
+                                          <p:attrName>ppt_x</p:attrName>
+                                        </p:attrNameLst>
+                                      </p:cBhvr>
+                                      <p:tavLst>
+                                        <p:tav tm="0">
+                                          <p:val>
+                                            <p:strVal val="1+#ppt_w/2"/>
+                                          </p:val>
+                                        </p:tav>
+                                        <p:tav tm="100000">
+                                          <p:val>
+                                            <p:strVal val="#ppt_x"/>
+                                          </p:val>
+                                        </p:tav>
+                                      </p:tavLst>
+                                    </p:anim>
+                                    <p:anim calcmode="lin" valueType="num">
+                                      <p:cBhvr>
+                                        <p:cTn id="20" dur="500" fill="hold"/>
+                                        <p:tgtEl>
+                                          <p:spTgt spid="2"/>
+                                        </p:tgtEl>
+                                        <p:attrNameLst>
+                                          <p:attrName>ppt_y</p:attrName>
+                                        </p:attrNameLst>
+                                      </p:cBhvr>
+                                      <p:tavLst>
+                                        <p:tav tm="0">
+                                          <p:val>
+                                            <p:strVal val="#ppt_y"/>
+                                          </p:val>
+                                        </p:tav>
+                                        <p:tav tm="100000">
+                                          <p:val>
+                                            <p:strVal val="#ppt_y"/>
+                                          </p:val>
+                                        </p:tav>
+                                      </p:tavLst>
+                                    </p:anim>
+                                  </p:childTnLst>
+                                </p:cTn>
+                              </p:par>
+                            </p:childTnLst>
+                          </p:cTn>
+                        </p:par>
+                        <p:par>
+                          <p:cTn id="21" fill="hold">
+                            <p:stCondLst>
+                              <p:cond delay="1500"/>
+                            </p:stCondLst>
+                            <p:childTnLst>
+                              <p:par>
+                                <p:cTn id="22" presetID="53" presetClass="entr" presetSubtype="16" fill="hold" grpId="0" nodeType="afterEffect">
+                                  <p:stCondLst>
+                                    <p:cond delay="0"/>
+                                  </p:stCondLst>
+                                  <p:childTnLst>
+                                    <p:set>
+                                      <p:cBhvr>
+                                        <p:cTn id="23" dur="1" fill="hold">
+                                          <p:stCondLst>
+                                            <p:cond delay="0"/>
+                                          </p:stCondLst>
+                                        </p:cTn>
+                                        <p:tgtEl>
+                                          <p:spTgt spid="5"/>
+                                        </p:tgtEl>
+                                        <p:attrNameLst>
+                                          <p:attrName>style.visibility</p:attrName>
+                                        </p:attrNameLst>
+                                      </p:cBhvr>
+                                      <p:to>
+                                        <p:strVal val="visible"/>
+                                      </p:to>
+                                    </p:set>
+                                    <p:anim calcmode="lin" valueType="num">
+                                      <p:cBhvr>
+                                        <p:cTn id="24" dur="500" fill="hold"/>
+                                        <p:tgtEl>
+                                          <p:spTgt spid="5"/>
+                                        </p:tgtEl>
+                                        <p:attrNameLst>
+                                          <p:attrName>ppt_w</p:attrName>
+                                        </p:attrNameLst>
+                                      </p:cBhvr>
+                                      <p:tavLst>
+                                        <p:tav tm="0">
+                                          <p:val>
+                                            <p:fltVal val="0.000000"/>
+                                          </p:val>
+                                        </p:tav>
+                                        <p:tav tm="100000">
+                                          <p:val>
+                                            <p:strVal val="#ppt_w"/>
+                                          </p:val>
+                                        </p:tav>
+                                      </p:tavLst>
+                                    </p:anim>
+                                    <p:anim calcmode="lin" valueType="num">
+                                      <p:cBhvr>
+                                        <p:cTn id="25" dur="500" fill="hold"/>
+                                        <p:tgtEl>
+                                          <p:spTgt spid="5"/>
+                                        </p:tgtEl>
+                                        <p:attrNameLst>
+                                          <p:attrName>ppt_h</p:attrName>
+                                        </p:attrNameLst>
+                                      </p:cBhvr>
+                                      <p:tavLst>
+                                        <p:tav tm="0">
+                                          <p:val>
+                                            <p:fltVal val="0.000000"/>
+                                          </p:val>
+                                        </p:tav>
+                                        <p:tav tm="100000">
+                                          <p:val>
+                                            <p:strVal val="#ppt_h"/>
+                                          </p:val>
+                                        </p:tav>
+                                      </p:tavLst>
+                                    </p:anim>
+                                    <p:animEffect transition="in" filter="fade">
+                                      <p:cBhvr>
+                                        <p:cTn id="26" dur="500"/>
+                                        <p:tgtEl>
+                                          <p:spTgt spid="5"/>
+                                        </p:tgtEl>
+                                      </p:cBhvr>
+                                    </p:animEffect>
+                                  </p:childTnLst>
+                                </p:cTn>
+                              </p:par>
+                            </p:childTnLst>
+                          </p:cTn>
+                        </p:par>
+                      </p:childTnLst>
+                    </p:cTn>
+                  </p:par>
+                </p:childTnLst>
+              </p:cTn>
+              <p:prevCondLst>
+                <p:cond evt="onPrev" delay="0">
+                  <p:tgtEl>
+                    <p:sldTgt/>
+                  </p:tgtEl>
+                </p:cond>
+              </p:prevCondLst>
+              <p:nextCondLst>
+                <p:cond evt="onNext" delay="0">
+                  <p:tgtEl>
+                    <p:sldTgt/>
+                  </p:tgtEl>
+                </p:cond>
+              </p:nextCondLst>
+            </p:seq>
+          </p:childTnLst>
+        </p:cTn>
+      </p:par>
+    </p:tnLst>
+    <p:bldLst>
+      <p:bldP spid="13" grpId="0" bldLvl="0" animBg="1"/>
+      <p:bldP spid="12" grpId="0" bldLvl="0" animBg="1"/>
+      <p:bldP spid="2" grpId="0" bldLvl="0" animBg="1"/>
+      <p:bldP spid="5" grpId="0"/>
+    </p:bldLst>
+  </p:timing>
+</p:sld>
+</file>
+
+<file path=ppt/slides/slide26.xml><?xml version="1.0" encoding="utf-8"?>
+<p:sld xmlns:a="http://schemas.openxmlformats.org/drawingml/2006/main" xmlns:r="http://schemas.openxmlformats.org/officeDocument/2006/relationships" xmlns:p="http://schemas.openxmlformats.org/presentationml/2006/main">
+  <p:cSld>
+    <p:spTree>
+      <p:nvGrpSpPr>
+        <p:cNvPr id="1" name=""/>
+        <p:cNvGrpSpPr/>
+        <p:nvPr/>
+      </p:nvGrpSpPr>
+      <p:grpSpPr/>
+      <p:sp>
+        <p:nvSpPr>
+          <p:cNvPr id="13" name="Copyright Notice"/>
+          <p:cNvSpPr/>
+          <p:nvPr/>
+        </p:nvSpPr>
+        <p:spPr bwMode="auto">
+          <a:xfrm>
+            <a:off x="567690" y="427355"/>
+            <a:ext cx="7833360" cy="610235"/>
+          </a:xfrm>
+          <a:prstGeom prst="rect">
+            <a:avLst/>
+          </a:prstGeom>
+          <a:noFill/>
+          <a:ln w="6350" cap="flat" cmpd="sng" algn="ctr">
+            <a:noFill/>
+            <a:prstDash val="solid"/>
+          </a:ln>
+          <a:effectLst/>
+          <a:extLst>
+            <a:ext uri="{909E8E84-426E-40DD-AFC4-6F175D3DCCD1}">
+              <a14:hiddenFill xmlns:a14="http://schemas.microsoft.com/office/drawing/2010/main">
+                <a:solidFill>
+                  <a:schemeClr val="bg1"/>
+                </a:solidFill>
+              </a14:hiddenFill>
+            </a:ext>
+            <a:ext uri="{91240B29-F687-4F45-9708-019B960494DF}">
+              <a14:hiddenLine xmlns:a14="http://schemas.microsoft.com/office/drawing/2010/main" w="6350">
+                <a:solidFill>
+                  <a:srgbClr val="FFFFFF"/>
+                </a:solidFill>
+                <a:prstDash val="solid"/>
+              </a14:hiddenLine>
+            </a:ext>
+          </a:extLst>
+        </p:spPr>
+        <p:style>
+          <a:lnRef idx="2">
+            <a:schemeClr val="accent1">
+              <a:shade val="50000"/>
+            </a:schemeClr>
+          </a:lnRef>
+          <a:fillRef idx="1">
+            <a:schemeClr val="accent1"/>
+          </a:fillRef>
+          <a:effectRef idx="0">
+            <a:schemeClr val="accent1"/>
+          </a:effectRef>
+          <a:fontRef idx="minor">
+            <a:schemeClr val="lt1"/>
+          </a:fontRef>
+        </p:style>
+        <p:txBody>
+          <a:bodyPr wrap="square" lIns="56626" tIns="25481" rIns="56626" bIns="25481" rtlCol="0" anchor="t">
+            <a:spAutoFit/>
+          </a:bodyPr>
+          <a:lstStyle>
+            <a:defPPr>
+              <a:defRPr lang="zh-CN"/>
+            </a:defPPr>
+            <a:lvl1pPr marL="0" algn="l" defTabSz="914400" rtl="0" eaLnBrk="1" latinLnBrk="0" hangingPunct="1">
+              <a:defRPr sz="1800" kern="1200">
+                <a:solidFill>
+                  <a:schemeClr val="lt1"/>
+                </a:solidFill>
+                <a:latin typeface="+mn-lt"/>
+                <a:ea typeface="+mn-ea"/>
+                <a:cs typeface="+mn-cs"/>
+              </a:defRPr>
+            </a:lvl1pPr>
+            <a:lvl2pPr marL="457200" algn="l" defTabSz="914400" rtl="0" eaLnBrk="1" latinLnBrk="0" hangingPunct="1">
+              <a:defRPr sz="1800" kern="1200">
+                <a:solidFill>
+                  <a:schemeClr val="lt1"/>
+                </a:solidFill>
+                <a:latin typeface="+mn-lt"/>
+                <a:ea typeface="+mn-ea"/>
+                <a:cs typeface="+mn-cs"/>
+              </a:defRPr>
+            </a:lvl2pPr>
+            <a:lvl3pPr marL="914400" algn="l" defTabSz="914400" rtl="0" eaLnBrk="1" latinLnBrk="0" hangingPunct="1">
+              <a:defRPr sz="1800" kern="1200">
+                <a:solidFill>
+                  <a:schemeClr val="lt1"/>
+                </a:solidFill>
+                <a:latin typeface="+mn-lt"/>
+                <a:ea typeface="+mn-ea"/>
+                <a:cs typeface="+mn-cs"/>
+              </a:defRPr>
+            </a:lvl3pPr>
+            <a:lvl4pPr marL="1371600" algn="l" defTabSz="914400" rtl="0" eaLnBrk="1" latinLnBrk="0" hangingPunct="1">
+              <a:defRPr sz="1800" kern="1200">
+                <a:solidFill>
+                  <a:schemeClr val="lt1"/>
+                </a:solidFill>
+                <a:latin typeface="+mn-lt"/>
+                <a:ea typeface="+mn-ea"/>
+                <a:cs typeface="+mn-cs"/>
+              </a:defRPr>
+            </a:lvl4pPr>
+            <a:lvl5pPr marL="1828800" algn="l" defTabSz="914400" rtl="0" eaLnBrk="1" latinLnBrk="0" hangingPunct="1">
+              <a:defRPr sz="1800" kern="1200">
+                <a:solidFill>
+                  <a:schemeClr val="lt1"/>
+                </a:solidFill>
+                <a:latin typeface="+mn-lt"/>
+                <a:ea typeface="+mn-ea"/>
+                <a:cs typeface="+mn-cs"/>
+              </a:defRPr>
+            </a:lvl5pPr>
+            <a:lvl6pPr marL="2286000" algn="l" defTabSz="914400" rtl="0" eaLnBrk="1" latinLnBrk="0" hangingPunct="1">
+              <a:defRPr sz="1800" kern="1200">
+                <a:solidFill>
+                  <a:schemeClr val="lt1"/>
+                </a:solidFill>
+                <a:latin typeface="+mn-lt"/>
+                <a:ea typeface="+mn-ea"/>
+                <a:cs typeface="+mn-cs"/>
+              </a:defRPr>
+            </a:lvl6pPr>
+            <a:lvl7pPr marL="2743200" algn="l" defTabSz="914400" rtl="0" eaLnBrk="1" latinLnBrk="0" hangingPunct="1">
+              <a:defRPr sz="1800" kern="1200">
+                <a:solidFill>
+                  <a:schemeClr val="lt1"/>
+                </a:solidFill>
+                <a:latin typeface="+mn-lt"/>
+                <a:ea typeface="+mn-ea"/>
+                <a:cs typeface="+mn-cs"/>
+              </a:defRPr>
+            </a:lvl7pPr>
+            <a:lvl8pPr marL="3200400" algn="l" defTabSz="914400" rtl="0" eaLnBrk="1" latinLnBrk="0" hangingPunct="1">
+              <a:defRPr sz="1800" kern="1200">
+                <a:solidFill>
+                  <a:schemeClr val="lt1"/>
+                </a:solidFill>
+                <a:latin typeface="+mn-lt"/>
+                <a:ea typeface="+mn-ea"/>
+                <a:cs typeface="+mn-cs"/>
+              </a:defRPr>
+            </a:lvl8pPr>
+            <a:lvl9pPr marL="3657600" algn="l" defTabSz="914400" rtl="0" eaLnBrk="1" latinLnBrk="0" hangingPunct="1">
+              <a:defRPr sz="1800" kern="1200">
+                <a:solidFill>
+                  <a:schemeClr val="lt1"/>
+                </a:solidFill>
+                <a:latin typeface="+mn-lt"/>
+                <a:ea typeface="+mn-ea"/>
+                <a:cs typeface="+mn-cs"/>
+              </a:defRPr>
+            </a:lvl9pPr>
+          </a:lstStyle>
+          <a:p>
+            <a:pPr algn="ctr">
+              <a:lnSpc>
+                <a:spcPct val="130000"/>
+              </a:lnSpc>
+            </a:pPr>
+            <a:r>
+              <a:rPr lang="en-US" altLang="x-none" sz="2800" b="1" dirty="0">
+                <a:solidFill>
+                  <a:srgbClr val="002748"/>
+                </a:solidFill>
+                <a:latin typeface="Arial Unicode MS" panose="020B0604020202020204" charset="-122"/>
+                <a:ea typeface="Arial Unicode MS" panose="020B0604020202020204" charset="-122"/>
+                <a:cs typeface="Arial Unicode MS" panose="020B0604020202020204" charset="-122"/>
+                <a:sym typeface="+mn-ea"/>
+              </a:rPr>
+              <a:t>Popular CSS preprocessors</a:t>
+            </a:r>
+            <a:endParaRPr lang="en-US" altLang="x-none" sz="2800" b="1" dirty="0">
+              <a:solidFill>
+                <a:srgbClr val="002748"/>
+              </a:solidFill>
+              <a:latin typeface="Arial Unicode MS" panose="020B0604020202020204" charset="-122"/>
+              <a:ea typeface="Arial Unicode MS" panose="020B0604020202020204" charset="-122"/>
+              <a:cs typeface="Arial Unicode MS" panose="020B0604020202020204" charset="-122"/>
+              <a:sym typeface="+mn-ea"/>
+            </a:endParaRPr>
+          </a:p>
+        </p:txBody>
+      </p:sp>
+      <p:sp>
+        <p:nvSpPr>
+          <p:cNvPr id="52249" name="文本框 4"/>
+          <p:cNvSpPr txBox="1"/>
+          <p:nvPr/>
+        </p:nvSpPr>
+        <p:spPr>
+          <a:xfrm>
+            <a:off x="1312545" y="1438275"/>
+            <a:ext cx="7088505" cy="2353310"/>
+          </a:xfrm>
+          <a:prstGeom prst="rect">
+            <a:avLst/>
+          </a:prstGeom>
+          <a:noFill/>
+          <a:ln w="9525">
+            <a:noFill/>
+          </a:ln>
+        </p:spPr>
+        <p:txBody>
+          <a:bodyPr wrap="square" anchor="t">
+            <a:spAutoFit/>
+          </a:bodyPr>
+          <a:p>
+            <a:pPr marL="171450" indent="-171450" algn="l">
+              <a:lnSpc>
+                <a:spcPct val="150000"/>
+              </a:lnSpc>
+              <a:buFont typeface="Wingdings" panose="05000000000000000000" charset="0"/>
+              <a:buChar char="Ø"/>
+            </a:pPr>
+            <a:r>
+              <a:rPr lang="en-US" altLang="en-US" sz="1400" dirty="0">
+                <a:solidFill>
+                  <a:schemeClr val="tx1"/>
+                </a:solidFill>
+                <a:latin typeface="Arial Unicode MS" panose="020B0604020202020204" charset="-122"/>
+                <a:ea typeface="Arial Unicode MS" panose="020B0604020202020204" charset="-122"/>
+                <a:sym typeface="Arial" panose="020B0604020202020204" pitchFamily="34" charset="0"/>
+              </a:rPr>
+              <a:t>There are three main CSS preprocessors. SASS, LESS, and Stylus. Most CSS preprocessors have similar features. Yet each one has its own unique way of completing the same task.</a:t>
+            </a:r>
+            <a:endParaRPr lang="en-US" altLang="en-US" sz="1400" dirty="0">
+              <a:solidFill>
+                <a:schemeClr val="tx1"/>
+              </a:solidFill>
+              <a:latin typeface="Arial Unicode MS" panose="020B0604020202020204" charset="-122"/>
+              <a:ea typeface="Arial Unicode MS" panose="020B0604020202020204" charset="-122"/>
+              <a:sym typeface="Arial" panose="020B0604020202020204" pitchFamily="34" charset="0"/>
+            </a:endParaRPr>
+          </a:p>
+          <a:p>
+            <a:pPr marL="171450" indent="-171450" algn="l">
+              <a:lnSpc>
+                <a:spcPct val="150000"/>
+              </a:lnSpc>
+              <a:buFont typeface="Wingdings" panose="05000000000000000000" charset="0"/>
+              <a:buChar char="Ø"/>
+            </a:pPr>
+            <a:endParaRPr lang="en-US" altLang="en-US" sz="1400" dirty="0">
+              <a:solidFill>
+                <a:schemeClr val="tx1"/>
+              </a:solidFill>
+              <a:latin typeface="Arial Unicode MS" panose="020B0604020202020204" charset="-122"/>
+              <a:ea typeface="Arial Unicode MS" panose="020B0604020202020204" charset="-122"/>
+              <a:sym typeface="Arial" panose="020B0604020202020204" pitchFamily="34" charset="0"/>
+            </a:endParaRPr>
+          </a:p>
+          <a:p>
+            <a:pPr marL="171450" indent="-171450" algn="l">
+              <a:lnSpc>
+                <a:spcPct val="150000"/>
+              </a:lnSpc>
+              <a:buFont typeface="Wingdings" panose="05000000000000000000" charset="0"/>
+              <a:buChar char="Ø"/>
+            </a:pPr>
+            <a:r>
+              <a:rPr lang="en-US" altLang="en-US" sz="1400" dirty="0">
+                <a:solidFill>
+                  <a:schemeClr val="tx1"/>
+                </a:solidFill>
+                <a:latin typeface="Arial Unicode MS" panose="020B0604020202020204" charset="-122"/>
+                <a:ea typeface="Arial Unicode MS" panose="020B0604020202020204" charset="-122"/>
+                <a:sym typeface="Arial" panose="020B0604020202020204" pitchFamily="34" charset="0"/>
+              </a:rPr>
+              <a:t>All three preprocessors allow you to create variables, media queries, mixins, nesting, loops, conditionals, and import. There are some differences when it comes to advanced usage.</a:t>
+            </a:r>
+            <a:endParaRPr lang="en-US" altLang="en-US" sz="1400" dirty="0">
+              <a:solidFill>
+                <a:schemeClr val="tx1"/>
+              </a:solidFill>
+              <a:latin typeface="Arial Unicode MS" panose="020B0604020202020204" charset="-122"/>
+              <a:ea typeface="Arial Unicode MS" panose="020B0604020202020204" charset="-122"/>
+              <a:sym typeface="Arial" panose="020B0604020202020204" pitchFamily="34" charset="0"/>
+            </a:endParaRPr>
+          </a:p>
+        </p:txBody>
+      </p:sp>
+      <p:pic>
+        <p:nvPicPr>
+          <p:cNvPr id="7" name="Picture 6"/>
+          <p:cNvPicPr>
+            <a:picLocks noChangeAspect="1"/>
+          </p:cNvPicPr>
+          <p:nvPr/>
+        </p:nvPicPr>
+        <p:blipFill>
+          <a:blip r:embed="rId1"/>
+          <a:stretch>
+            <a:fillRect/>
+          </a:stretch>
+        </p:blipFill>
+        <p:spPr>
+          <a:xfrm rot="5400000">
+            <a:off x="7855585" y="0"/>
+            <a:ext cx="1288415" cy="1288415"/>
+          </a:xfrm>
+          <a:prstGeom prst="rect">
+            <a:avLst/>
+          </a:prstGeom>
+        </p:spPr>
+      </p:pic>
+      <p:pic>
+        <p:nvPicPr>
+          <p:cNvPr id="8" name="Picture 7"/>
+          <p:cNvPicPr>
+            <a:picLocks noChangeAspect="1"/>
+          </p:cNvPicPr>
+          <p:nvPr/>
+        </p:nvPicPr>
+        <p:blipFill>
+          <a:blip r:embed="rId1"/>
+          <a:stretch>
+            <a:fillRect/>
+          </a:stretch>
+        </p:blipFill>
+        <p:spPr>
+          <a:xfrm rot="16200000">
+            <a:off x="0" y="4005580"/>
+            <a:ext cx="1137920" cy="1137920"/>
+          </a:xfrm>
+          <a:prstGeom prst="rect">
+            <a:avLst/>
+          </a:prstGeom>
+        </p:spPr>
+      </p:pic>
+    </p:spTree>
+  </p:cSld>
+  <p:clrMapOvr>
+    <a:masterClrMapping/>
+  </p:clrMapOvr>
+  <p:transition>
+    <p:fade/>
+  </p:transition>
+  <p:timing>
+    <p:tnLst>
+      <p:par>
+        <p:cTn id="1" dur="indefinite" restart="never" nodeType="tmRoot">
+          <p:childTnLst>
+            <p:seq concurrent="1" nextAc="seek">
+              <p:cTn id="2" dur="indefinite" nodeType="mainSeq">
+                <p:childTnLst>
+                  <p:par>
+                    <p:cTn id="3" fill="hold">
+                      <p:stCondLst>
+                        <p:cond delay="indefinite"/>
+                        <p:cond evt="onBegin" delay="0">
+                          <p:tn val="2"/>
+                        </p:cond>
+                      </p:stCondLst>
+                      <p:childTnLst>
+                        <p:par>
+                          <p:cTn id="4" fill="hold">
+                            <p:stCondLst>
+                              <p:cond delay="0"/>
+                            </p:stCondLst>
+                            <p:childTnLst>
+                              <p:par>
+                                <p:cTn id="5" presetID="49" presetClass="entr" presetSubtype="0" decel="100000" fill="hold" grpId="0" nodeType="afterEffect">
+                                  <p:stCondLst>
+                                    <p:cond delay="0"/>
+                                  </p:stCondLst>
+                                  <p:childTnLst>
+                                    <p:set>
+                                      <p:cBhvr>
+                                        <p:cTn id="6" dur="1" fill="hold">
+                                          <p:stCondLst>
+                                            <p:cond delay="0"/>
+                                          </p:stCondLst>
+                                        </p:cTn>
+                                        <p:tgtEl>
+                                          <p:spTgt spid="13"/>
+                                        </p:tgtEl>
+                                        <p:attrNameLst>
+                                          <p:attrName>style.visibility</p:attrName>
+                                        </p:attrNameLst>
+                                      </p:cBhvr>
+                                      <p:to>
+                                        <p:strVal val="visible"/>
+                                      </p:to>
+                                    </p:set>
+                                    <p:anim calcmode="lin" valueType="num">
+                                      <p:cBhvr>
+                                        <p:cTn id="7" dur="500" fill="hold"/>
+                                        <p:tgtEl>
+                                          <p:spTgt spid="13"/>
+                                        </p:tgtEl>
+                                        <p:attrNameLst>
+                                          <p:attrName>ppt_w</p:attrName>
+                                        </p:attrNameLst>
+                                      </p:cBhvr>
+                                      <p:tavLst>
+                                        <p:tav tm="0">
+                                          <p:val>
+                                            <p:fltVal val="0.000000"/>
+                                          </p:val>
+                                        </p:tav>
+                                        <p:tav tm="100000">
+                                          <p:val>
+                                            <p:strVal val="#ppt_w"/>
+                                          </p:val>
+                                        </p:tav>
+                                      </p:tavLst>
+                                    </p:anim>
+                                    <p:anim calcmode="lin" valueType="num">
+                                      <p:cBhvr>
+                                        <p:cTn id="8" dur="500" fill="hold"/>
+                                        <p:tgtEl>
+                                          <p:spTgt spid="13"/>
+                                        </p:tgtEl>
+                                        <p:attrNameLst>
+                                          <p:attrName>ppt_h</p:attrName>
+                                        </p:attrNameLst>
+                                      </p:cBhvr>
+                                      <p:tavLst>
+                                        <p:tav tm="0">
+                                          <p:val>
+                                            <p:fltVal val="0.000000"/>
+                                          </p:val>
+                                        </p:tav>
+                                        <p:tav tm="100000">
+                                          <p:val>
+                                            <p:strVal val="#ppt_h"/>
+                                          </p:val>
+                                        </p:tav>
+                                      </p:tavLst>
+                                    </p:anim>
+                                    <p:anim calcmode="lin" valueType="num">
+                                      <p:cBhvr>
+                                        <p:cTn id="9" dur="500" fill="hold"/>
+                                        <p:tgtEl>
+                                          <p:spTgt spid="13"/>
+                                        </p:tgtEl>
+                                        <p:attrNameLst>
+                                          <p:attrName>style.rotation</p:attrName>
+                                        </p:attrNameLst>
+                                      </p:cBhvr>
+                                      <p:tavLst>
+                                        <p:tav tm="0">
+                                          <p:val>
+                                            <p:fltVal val="360.000000"/>
+                                          </p:val>
+                                        </p:tav>
+                                        <p:tav tm="100000">
+                                          <p:val>
+                                            <p:fltVal val="0.000000"/>
+                                          </p:val>
+                                        </p:tav>
+                                      </p:tavLst>
+                                    </p:anim>
+                                    <p:animEffect transition="in" filter="fade">
+                                      <p:cBhvr>
+                                        <p:cTn id="10" dur="500"/>
+                                        <p:tgtEl>
+                                          <p:spTgt spid="13"/>
+                                        </p:tgtEl>
+                                      </p:cBhvr>
+                                    </p:animEffect>
+                                  </p:childTnLst>
+                                </p:cTn>
+                              </p:par>
+                            </p:childTnLst>
+                          </p:cTn>
+                        </p:par>
+                        <p:par>
+                          <p:cTn id="11" fill="hold">
+                            <p:stCondLst>
+                              <p:cond delay="500"/>
+                            </p:stCondLst>
+                            <p:childTnLst>
+                              <p:par>
+                                <p:cTn id="12" presetID="53" presetClass="entr" presetSubtype="16" fill="hold" grpId="0" nodeType="afterEffect">
+                                  <p:stCondLst>
+                                    <p:cond delay="0"/>
+                                  </p:stCondLst>
+                                  <p:childTnLst>
+                                    <p:set>
+                                      <p:cBhvr>
+                                        <p:cTn id="13" dur="1" fill="hold">
+                                          <p:stCondLst>
+                                            <p:cond delay="0"/>
+                                          </p:stCondLst>
+                                        </p:cTn>
+                                        <p:tgtEl>
+                                          <p:spTgt spid="52249"/>
+                                        </p:tgtEl>
+                                        <p:attrNameLst>
+                                          <p:attrName>style.visibility</p:attrName>
+                                        </p:attrNameLst>
+                                      </p:cBhvr>
+                                      <p:to>
+                                        <p:strVal val="visible"/>
+                                      </p:to>
+                                    </p:set>
+                                    <p:anim calcmode="lin" valueType="num">
+                                      <p:cBhvr>
+                                        <p:cTn id="14" dur="500" fill="hold"/>
+                                        <p:tgtEl>
+                                          <p:spTgt spid="52249"/>
+                                        </p:tgtEl>
+                                        <p:attrNameLst>
+                                          <p:attrName>ppt_w</p:attrName>
+                                        </p:attrNameLst>
+                                      </p:cBhvr>
+                                      <p:tavLst>
+                                        <p:tav tm="0">
+                                          <p:val>
+                                            <p:fltVal val="0.000000"/>
+                                          </p:val>
+                                        </p:tav>
+                                        <p:tav tm="100000">
+                                          <p:val>
+                                            <p:strVal val="#ppt_w"/>
+                                          </p:val>
+                                        </p:tav>
+                                      </p:tavLst>
+                                    </p:anim>
+                                    <p:anim calcmode="lin" valueType="num">
+                                      <p:cBhvr>
+                                        <p:cTn id="15" dur="500" fill="hold"/>
+                                        <p:tgtEl>
+                                          <p:spTgt spid="52249"/>
+                                        </p:tgtEl>
+                                        <p:attrNameLst>
+                                          <p:attrName>ppt_h</p:attrName>
+                                        </p:attrNameLst>
+                                      </p:cBhvr>
+                                      <p:tavLst>
+                                        <p:tav tm="0">
+                                          <p:val>
+                                            <p:fltVal val="0.000000"/>
+                                          </p:val>
+                                        </p:tav>
+                                        <p:tav tm="100000">
+                                          <p:val>
+                                            <p:strVal val="#ppt_h"/>
+                                          </p:val>
+                                        </p:tav>
+                                      </p:tavLst>
+                                    </p:anim>
+                                    <p:animEffect transition="in" filter="fade">
+                                      <p:cBhvr>
+                                        <p:cTn id="16" dur="500"/>
+                                        <p:tgtEl>
+                                          <p:spTgt spid="52249"/>
+                                        </p:tgtEl>
+                                      </p:cBhvr>
+                                    </p:animEffect>
+                                  </p:childTnLst>
+                                </p:cTn>
+                              </p:par>
+                            </p:childTnLst>
+                          </p:cTn>
+                        </p:par>
+                      </p:childTnLst>
+                    </p:cTn>
+                  </p:par>
+                </p:childTnLst>
+              </p:cTn>
+              <p:prevCondLst>
+                <p:cond evt="onPrev" delay="0">
+                  <p:tgtEl>
+                    <p:sldTgt/>
+                  </p:tgtEl>
+                </p:cond>
+              </p:prevCondLst>
+              <p:nextCondLst>
+                <p:cond evt="onNext" delay="0">
+                  <p:tgtEl>
+                    <p:sldTgt/>
+                  </p:tgtEl>
+                </p:cond>
+              </p:nextCondLst>
+            </p:seq>
+          </p:childTnLst>
+        </p:cTn>
+      </p:par>
+    </p:tnLst>
+    <p:bldLst>
+      <p:bldP spid="13" grpId="0" bldLvl="0" animBg="1"/>
+      <p:bldP spid="52249" grpId="0"/>
+    </p:bldLst>
+  </p:timing>
+</p:sld>
+</file>
+
+<file path=ppt/slides/slide27.xml><?xml version="1.0" encoding="utf-8"?>
+<p:sld xmlns:a="http://schemas.openxmlformats.org/drawingml/2006/main" xmlns:r="http://schemas.openxmlformats.org/officeDocument/2006/relationships" xmlns:p="http://schemas.openxmlformats.org/presentationml/2006/main">
+  <p:cSld>
+    <p:spTree>
+      <p:nvGrpSpPr>
+        <p:cNvPr id="1" name=""/>
+        <p:cNvGrpSpPr/>
+        <p:nvPr/>
+      </p:nvGrpSpPr>
+      <p:grpSpPr/>
+      <p:sp>
+        <p:nvSpPr>
+          <p:cNvPr id="13" name="Copyright Notice"/>
+          <p:cNvSpPr/>
+          <p:nvPr/>
+        </p:nvSpPr>
+        <p:spPr bwMode="auto">
+          <a:xfrm>
+            <a:off x="1015365" y="236855"/>
+            <a:ext cx="7087235" cy="610235"/>
+          </a:xfrm>
+          <a:prstGeom prst="rect">
+            <a:avLst/>
+          </a:prstGeom>
+          <a:noFill/>
+          <a:ln w="6350" cap="flat" cmpd="sng" algn="ctr">
+            <a:noFill/>
+            <a:prstDash val="solid"/>
+          </a:ln>
+          <a:effectLst/>
+          <a:extLst>
+            <a:ext uri="{909E8E84-426E-40DD-AFC4-6F175D3DCCD1}">
+              <a14:hiddenFill xmlns:a14="http://schemas.microsoft.com/office/drawing/2010/main">
+                <a:solidFill>
+                  <a:schemeClr val="bg1"/>
+                </a:solidFill>
+              </a14:hiddenFill>
+            </a:ext>
+            <a:ext uri="{91240B29-F687-4F45-9708-019B960494DF}">
+              <a14:hiddenLine xmlns:a14="http://schemas.microsoft.com/office/drawing/2010/main" w="6350">
+                <a:solidFill>
+                  <a:srgbClr val="FFFFFF"/>
+                </a:solidFill>
+                <a:prstDash val="solid"/>
+              </a14:hiddenLine>
+            </a:ext>
+          </a:extLst>
+        </p:spPr>
+        <p:style>
+          <a:lnRef idx="2">
+            <a:schemeClr val="accent1">
+              <a:shade val="50000"/>
+            </a:schemeClr>
+          </a:lnRef>
+          <a:fillRef idx="1">
+            <a:schemeClr val="accent1"/>
+          </a:fillRef>
+          <a:effectRef idx="0">
+            <a:schemeClr val="accent1"/>
+          </a:effectRef>
+          <a:fontRef idx="minor">
+            <a:schemeClr val="lt1"/>
+          </a:fontRef>
+        </p:style>
+        <p:txBody>
+          <a:bodyPr wrap="square" lIns="56626" tIns="25481" rIns="56626" bIns="25481" rtlCol="0" anchor="t">
+            <a:spAutoFit/>
+          </a:bodyPr>
+          <a:lstStyle>
+            <a:defPPr>
+              <a:defRPr lang="zh-CN"/>
+            </a:defPPr>
+            <a:lvl1pPr marL="0" algn="l" defTabSz="914400" rtl="0" eaLnBrk="1" latinLnBrk="0" hangingPunct="1">
+              <a:defRPr sz="1800" kern="1200">
+                <a:solidFill>
+                  <a:schemeClr val="lt1"/>
+                </a:solidFill>
+                <a:latin typeface="+mn-lt"/>
+                <a:ea typeface="+mn-ea"/>
+                <a:cs typeface="+mn-cs"/>
+              </a:defRPr>
+            </a:lvl1pPr>
+            <a:lvl2pPr marL="457200" algn="l" defTabSz="914400" rtl="0" eaLnBrk="1" latinLnBrk="0" hangingPunct="1">
+              <a:defRPr sz="1800" kern="1200">
+                <a:solidFill>
+                  <a:schemeClr val="lt1"/>
+                </a:solidFill>
+                <a:latin typeface="+mn-lt"/>
+                <a:ea typeface="+mn-ea"/>
+                <a:cs typeface="+mn-cs"/>
+              </a:defRPr>
+            </a:lvl2pPr>
+            <a:lvl3pPr marL="914400" algn="l" defTabSz="914400" rtl="0" eaLnBrk="1" latinLnBrk="0" hangingPunct="1">
+              <a:defRPr sz="1800" kern="1200">
+                <a:solidFill>
+                  <a:schemeClr val="lt1"/>
+                </a:solidFill>
+                <a:latin typeface="+mn-lt"/>
+                <a:ea typeface="+mn-ea"/>
+                <a:cs typeface="+mn-cs"/>
+              </a:defRPr>
+            </a:lvl3pPr>
+            <a:lvl4pPr marL="1371600" algn="l" defTabSz="914400" rtl="0" eaLnBrk="1" latinLnBrk="0" hangingPunct="1">
+              <a:defRPr sz="1800" kern="1200">
+                <a:solidFill>
+                  <a:schemeClr val="lt1"/>
+                </a:solidFill>
+                <a:latin typeface="+mn-lt"/>
+                <a:ea typeface="+mn-ea"/>
+                <a:cs typeface="+mn-cs"/>
+              </a:defRPr>
+            </a:lvl4pPr>
+            <a:lvl5pPr marL="1828800" algn="l" defTabSz="914400" rtl="0" eaLnBrk="1" latinLnBrk="0" hangingPunct="1">
+              <a:defRPr sz="1800" kern="1200">
+                <a:solidFill>
+                  <a:schemeClr val="lt1"/>
+                </a:solidFill>
+                <a:latin typeface="+mn-lt"/>
+                <a:ea typeface="+mn-ea"/>
+                <a:cs typeface="+mn-cs"/>
+              </a:defRPr>
+            </a:lvl5pPr>
+            <a:lvl6pPr marL="2286000" algn="l" defTabSz="914400" rtl="0" eaLnBrk="1" latinLnBrk="0" hangingPunct="1">
+              <a:defRPr sz="1800" kern="1200">
+                <a:solidFill>
+                  <a:schemeClr val="lt1"/>
+                </a:solidFill>
+                <a:latin typeface="+mn-lt"/>
+                <a:ea typeface="+mn-ea"/>
+                <a:cs typeface="+mn-cs"/>
+              </a:defRPr>
+            </a:lvl6pPr>
+            <a:lvl7pPr marL="2743200" algn="l" defTabSz="914400" rtl="0" eaLnBrk="1" latinLnBrk="0" hangingPunct="1">
+              <a:defRPr sz="1800" kern="1200">
+                <a:solidFill>
+                  <a:schemeClr val="lt1"/>
+                </a:solidFill>
+                <a:latin typeface="+mn-lt"/>
+                <a:ea typeface="+mn-ea"/>
+                <a:cs typeface="+mn-cs"/>
+              </a:defRPr>
+            </a:lvl7pPr>
+            <a:lvl8pPr marL="3200400" algn="l" defTabSz="914400" rtl="0" eaLnBrk="1" latinLnBrk="0" hangingPunct="1">
+              <a:defRPr sz="1800" kern="1200">
+                <a:solidFill>
+                  <a:schemeClr val="lt1"/>
+                </a:solidFill>
+                <a:latin typeface="+mn-lt"/>
+                <a:ea typeface="+mn-ea"/>
+                <a:cs typeface="+mn-cs"/>
+              </a:defRPr>
+            </a:lvl8pPr>
+            <a:lvl9pPr marL="3657600" algn="l" defTabSz="914400" rtl="0" eaLnBrk="1" latinLnBrk="0" hangingPunct="1">
+              <a:defRPr sz="1800" kern="1200">
+                <a:solidFill>
+                  <a:schemeClr val="lt1"/>
+                </a:solidFill>
+                <a:latin typeface="+mn-lt"/>
+                <a:ea typeface="+mn-ea"/>
+                <a:cs typeface="+mn-cs"/>
+              </a:defRPr>
+            </a:lvl9pPr>
+          </a:lstStyle>
+          <a:p>
+            <a:pPr algn="ctr">
+              <a:lnSpc>
+                <a:spcPct val="130000"/>
+              </a:lnSpc>
+            </a:pPr>
+            <a:r>
+              <a:rPr lang="en-US" altLang="x-none" sz="2800" b="1" dirty="0">
+                <a:solidFill>
+                  <a:srgbClr val="002748"/>
+                </a:solidFill>
+                <a:latin typeface="Arial Unicode MS" panose="020B0604020202020204" charset="-122"/>
+                <a:ea typeface="Arial Unicode MS" panose="020B0604020202020204" charset="-122"/>
+                <a:cs typeface="Arial Unicode MS" panose="020B0604020202020204" charset="-122"/>
+                <a:sym typeface="+mn-ea"/>
+              </a:rPr>
+              <a:t>BEM &amp; Pre-Processors</a:t>
+            </a:r>
+            <a:endParaRPr lang="en-US" sz="2800" b="1" strike="noStrike" cap="small" noProof="1" dirty="0" smtClean="0">
+              <a:solidFill>
+                <a:srgbClr val="FF9900"/>
+              </a:solidFill>
+              <a:latin typeface="Arial Unicode MS" panose="020B0604020202020204" charset="-122"/>
+              <a:ea typeface="Arial Unicode MS" panose="020B0604020202020204" charset="-122"/>
+            </a:endParaRPr>
+          </a:p>
+        </p:txBody>
+      </p:sp>
+      <p:sp>
+        <p:nvSpPr>
+          <p:cNvPr id="52249" name="文本框 4"/>
+          <p:cNvSpPr txBox="1"/>
+          <p:nvPr/>
+        </p:nvSpPr>
+        <p:spPr>
+          <a:xfrm>
+            <a:off x="913765" y="1050290"/>
+            <a:ext cx="7088505" cy="1060450"/>
+          </a:xfrm>
+          <a:prstGeom prst="rect">
+            <a:avLst/>
+          </a:prstGeom>
+          <a:noFill/>
+          <a:ln w="9525">
+            <a:noFill/>
+          </a:ln>
+        </p:spPr>
+        <p:txBody>
+          <a:bodyPr wrap="square" anchor="t">
+            <a:spAutoFit/>
+          </a:bodyPr>
+          <a:p>
+            <a:pPr marL="171450" indent="-171450" algn="l">
+              <a:lnSpc>
+                <a:spcPct val="150000"/>
+              </a:lnSpc>
+              <a:buFont typeface="Wingdings" panose="05000000000000000000" charset="0"/>
+              <a:buChar char="Ø"/>
+            </a:pPr>
+            <a:r>
+              <a:rPr lang="en-US" altLang="en-US" sz="1400" dirty="0">
+                <a:solidFill>
+                  <a:schemeClr val="tx1"/>
+                </a:solidFill>
+                <a:latin typeface="Arial Unicode MS" panose="020B0604020202020204" charset="-122"/>
+                <a:ea typeface="Arial Unicode MS" panose="020B0604020202020204" charset="-122"/>
+                <a:sym typeface="Arial" panose="020B0604020202020204" pitchFamily="34" charset="0"/>
+              </a:rPr>
+              <a:t>BEM can make it easier to use preprocessors like Sass or Less by allowing you to nest selectors and create variables for commonly used values. This can help you write more maintainable and reusable code</a:t>
+            </a:r>
+            <a:endParaRPr lang="en-US" altLang="en-US" sz="1400" dirty="0">
+              <a:solidFill>
+                <a:schemeClr val="tx1"/>
+              </a:solidFill>
+              <a:latin typeface="Arial Unicode MS" panose="020B0604020202020204" charset="-122"/>
+              <a:ea typeface="Arial Unicode MS" panose="020B0604020202020204" charset="-122"/>
+              <a:sym typeface="Arial" panose="020B0604020202020204" pitchFamily="34" charset="0"/>
+            </a:endParaRPr>
+          </a:p>
+        </p:txBody>
+      </p:sp>
+      <p:pic>
+        <p:nvPicPr>
+          <p:cNvPr id="7" name="Picture 6"/>
+          <p:cNvPicPr>
+            <a:picLocks noChangeAspect="1"/>
+          </p:cNvPicPr>
+          <p:nvPr/>
+        </p:nvPicPr>
+        <p:blipFill>
+          <a:blip r:embed="rId1"/>
+          <a:stretch>
+            <a:fillRect/>
+          </a:stretch>
+        </p:blipFill>
+        <p:spPr>
+          <a:xfrm rot="5400000">
+            <a:off x="7734300" y="0"/>
+            <a:ext cx="1409700" cy="1409700"/>
+          </a:xfrm>
+          <a:prstGeom prst="rect">
+            <a:avLst/>
+          </a:prstGeom>
+        </p:spPr>
+      </p:pic>
+      <p:pic>
+        <p:nvPicPr>
+          <p:cNvPr id="8" name="Picture 7"/>
+          <p:cNvPicPr>
+            <a:picLocks noChangeAspect="1"/>
+          </p:cNvPicPr>
+          <p:nvPr/>
+        </p:nvPicPr>
+        <p:blipFill>
+          <a:blip r:embed="rId1"/>
+          <a:stretch>
+            <a:fillRect/>
+          </a:stretch>
+        </p:blipFill>
+        <p:spPr>
+          <a:xfrm rot="16200000">
+            <a:off x="0" y="3733800"/>
+            <a:ext cx="1409700" cy="1409700"/>
+          </a:xfrm>
+          <a:prstGeom prst="rect">
+            <a:avLst/>
+          </a:prstGeom>
+        </p:spPr>
+      </p:pic>
+      <p:pic>
+        <p:nvPicPr>
+          <p:cNvPr id="3" name="Picture 2"/>
+          <p:cNvPicPr>
+            <a:picLocks noChangeAspect="1"/>
+          </p:cNvPicPr>
+          <p:nvPr/>
+        </p:nvPicPr>
+        <p:blipFill>
+          <a:blip r:embed="rId2"/>
+          <a:stretch>
+            <a:fillRect/>
+          </a:stretch>
+        </p:blipFill>
+        <p:spPr>
+          <a:xfrm>
+            <a:off x="1323340" y="2098675"/>
+            <a:ext cx="6497955" cy="2931160"/>
+          </a:xfrm>
+          <a:prstGeom prst="rect">
+            <a:avLst/>
+          </a:prstGeom>
+        </p:spPr>
+      </p:pic>
+    </p:spTree>
+  </p:cSld>
+  <p:clrMapOvr>
+    <a:masterClrMapping/>
+  </p:clrMapOvr>
+  <p:transition>
+    <p:fade/>
+  </p:transition>
+  <p:timing>
+    <p:tnLst>
+      <p:par>
+        <p:cTn id="1" dur="indefinite" restart="never" nodeType="tmRoot">
+          <p:childTnLst>
+            <p:seq concurrent="1" nextAc="seek">
+              <p:cTn id="2" dur="indefinite" nodeType="mainSeq">
+                <p:childTnLst>
+                  <p:par>
+                    <p:cTn id="3" fill="hold">
+                      <p:stCondLst>
+                        <p:cond delay="indefinite"/>
+                        <p:cond evt="onBegin" delay="0">
+                          <p:tn val="2"/>
+                        </p:cond>
+                      </p:stCondLst>
+                      <p:childTnLst>
+                        <p:par>
+                          <p:cTn id="4" fill="hold">
+                            <p:stCondLst>
+                              <p:cond delay="0"/>
+                            </p:stCondLst>
+                            <p:childTnLst>
+                              <p:par>
+                                <p:cTn id="5" presetID="49" presetClass="entr" presetSubtype="0" decel="100000" fill="hold" grpId="0" nodeType="afterEffect">
+                                  <p:stCondLst>
+                                    <p:cond delay="0"/>
+                                  </p:stCondLst>
+                                  <p:childTnLst>
+                                    <p:set>
+                                      <p:cBhvr>
+                                        <p:cTn id="6" dur="1" fill="hold">
+                                          <p:stCondLst>
+                                            <p:cond delay="0"/>
+                                          </p:stCondLst>
+                                        </p:cTn>
+                                        <p:tgtEl>
+                                          <p:spTgt spid="13"/>
+                                        </p:tgtEl>
+                                        <p:attrNameLst>
+                                          <p:attrName>style.visibility</p:attrName>
+                                        </p:attrNameLst>
+                                      </p:cBhvr>
+                                      <p:to>
+                                        <p:strVal val="visible"/>
+                                      </p:to>
+                                    </p:set>
+                                    <p:anim calcmode="lin" valueType="num">
+                                      <p:cBhvr>
+                                        <p:cTn id="7" dur="500" fill="hold"/>
+                                        <p:tgtEl>
+                                          <p:spTgt spid="13"/>
+                                        </p:tgtEl>
+                                        <p:attrNameLst>
+                                          <p:attrName>ppt_w</p:attrName>
+                                        </p:attrNameLst>
+                                      </p:cBhvr>
+                                      <p:tavLst>
+                                        <p:tav tm="0">
+                                          <p:val>
+                                            <p:fltVal val="0.000000"/>
+                                          </p:val>
+                                        </p:tav>
+                                        <p:tav tm="100000">
+                                          <p:val>
+                                            <p:strVal val="#ppt_w"/>
+                                          </p:val>
+                                        </p:tav>
+                                      </p:tavLst>
+                                    </p:anim>
+                                    <p:anim calcmode="lin" valueType="num">
+                                      <p:cBhvr>
+                                        <p:cTn id="8" dur="500" fill="hold"/>
+                                        <p:tgtEl>
+                                          <p:spTgt spid="13"/>
+                                        </p:tgtEl>
+                                        <p:attrNameLst>
+                                          <p:attrName>ppt_h</p:attrName>
+                                        </p:attrNameLst>
+                                      </p:cBhvr>
+                                      <p:tavLst>
+                                        <p:tav tm="0">
+                                          <p:val>
+                                            <p:fltVal val="0.000000"/>
+                                          </p:val>
+                                        </p:tav>
+                                        <p:tav tm="100000">
+                                          <p:val>
+                                            <p:strVal val="#ppt_h"/>
+                                          </p:val>
+                                        </p:tav>
+                                      </p:tavLst>
+                                    </p:anim>
+                                    <p:anim calcmode="lin" valueType="num">
+                                      <p:cBhvr>
+                                        <p:cTn id="9" dur="500" fill="hold"/>
+                                        <p:tgtEl>
+                                          <p:spTgt spid="13"/>
+                                        </p:tgtEl>
+                                        <p:attrNameLst>
+                                          <p:attrName>style.rotation</p:attrName>
+                                        </p:attrNameLst>
+                                      </p:cBhvr>
+                                      <p:tavLst>
+                                        <p:tav tm="0">
+                                          <p:val>
+                                            <p:fltVal val="360.000000"/>
+                                          </p:val>
+                                        </p:tav>
+                                        <p:tav tm="100000">
+                                          <p:val>
+                                            <p:fltVal val="0.000000"/>
+                                          </p:val>
+                                        </p:tav>
+                                      </p:tavLst>
+                                    </p:anim>
+                                    <p:animEffect transition="in" filter="fade">
+                                      <p:cBhvr>
+                                        <p:cTn id="10" dur="500"/>
+                                        <p:tgtEl>
+                                          <p:spTgt spid="13"/>
+                                        </p:tgtEl>
+                                      </p:cBhvr>
+                                    </p:animEffect>
+                                  </p:childTnLst>
+                                </p:cTn>
+                              </p:par>
+                            </p:childTnLst>
+                          </p:cTn>
+                        </p:par>
+                        <p:par>
+                          <p:cTn id="11" fill="hold">
+                            <p:stCondLst>
+                              <p:cond delay="500"/>
+                            </p:stCondLst>
+                            <p:childTnLst>
+                              <p:par>
+                                <p:cTn id="12" presetID="53" presetClass="entr" presetSubtype="16" fill="hold" grpId="0" nodeType="afterEffect">
+                                  <p:stCondLst>
+                                    <p:cond delay="0"/>
+                                  </p:stCondLst>
+                                  <p:childTnLst>
+                                    <p:set>
+                                      <p:cBhvr>
+                                        <p:cTn id="13" dur="1" fill="hold">
+                                          <p:stCondLst>
+                                            <p:cond delay="0"/>
+                                          </p:stCondLst>
+                                        </p:cTn>
+                                        <p:tgtEl>
+                                          <p:spTgt spid="52249"/>
+                                        </p:tgtEl>
+                                        <p:attrNameLst>
+                                          <p:attrName>style.visibility</p:attrName>
+                                        </p:attrNameLst>
+                                      </p:cBhvr>
+                                      <p:to>
+                                        <p:strVal val="visible"/>
+                                      </p:to>
+                                    </p:set>
+                                    <p:anim calcmode="lin" valueType="num">
+                                      <p:cBhvr>
+                                        <p:cTn id="14" dur="500" fill="hold"/>
+                                        <p:tgtEl>
+                                          <p:spTgt spid="52249"/>
+                                        </p:tgtEl>
+                                        <p:attrNameLst>
+                                          <p:attrName>ppt_w</p:attrName>
+                                        </p:attrNameLst>
+                                      </p:cBhvr>
+                                      <p:tavLst>
+                                        <p:tav tm="0">
+                                          <p:val>
+                                            <p:fltVal val="0.000000"/>
+                                          </p:val>
+                                        </p:tav>
+                                        <p:tav tm="100000">
+                                          <p:val>
+                                            <p:strVal val="#ppt_w"/>
+                                          </p:val>
+                                        </p:tav>
+                                      </p:tavLst>
+                                    </p:anim>
+                                    <p:anim calcmode="lin" valueType="num">
+                                      <p:cBhvr>
+                                        <p:cTn id="15" dur="500" fill="hold"/>
+                                        <p:tgtEl>
+                                          <p:spTgt spid="52249"/>
+                                        </p:tgtEl>
+                                        <p:attrNameLst>
+                                          <p:attrName>ppt_h</p:attrName>
+                                        </p:attrNameLst>
+                                      </p:cBhvr>
+                                      <p:tavLst>
+                                        <p:tav tm="0">
+                                          <p:val>
+                                            <p:fltVal val="0.000000"/>
+                                          </p:val>
+                                        </p:tav>
+                                        <p:tav tm="100000">
+                                          <p:val>
+                                            <p:strVal val="#ppt_h"/>
+                                          </p:val>
+                                        </p:tav>
+                                      </p:tavLst>
+                                    </p:anim>
+                                    <p:animEffect transition="in" filter="fade">
+                                      <p:cBhvr>
+                                        <p:cTn id="16" dur="500"/>
+                                        <p:tgtEl>
+                                          <p:spTgt spid="52249"/>
+                                        </p:tgtEl>
+                                      </p:cBhvr>
+                                    </p:animEffect>
+                                  </p:childTnLst>
+                                </p:cTn>
+                              </p:par>
+                            </p:childTnLst>
+                          </p:cTn>
+                        </p:par>
+                      </p:childTnLst>
+                    </p:cTn>
+                  </p:par>
+                </p:childTnLst>
+              </p:cTn>
+              <p:prevCondLst>
+                <p:cond evt="onPrev" delay="0">
+                  <p:tgtEl>
+                    <p:sldTgt/>
+                  </p:tgtEl>
+                </p:cond>
+              </p:prevCondLst>
+              <p:nextCondLst>
+                <p:cond evt="onNext" delay="0">
+                  <p:tgtEl>
+                    <p:sldTgt/>
+                  </p:tgtEl>
+                </p:cond>
+              </p:nextCondLst>
+            </p:seq>
+          </p:childTnLst>
+        </p:cTn>
+      </p:par>
+    </p:tnLst>
+    <p:bldLst>
+      <p:bldP spid="13" grpId="0" bldLvl="0" animBg="1"/>
+      <p:bldP spid="52249" grpId="0"/>
+    </p:bldLst>
+  </p:timing>
+</p:sld>
+</file>
+
+<file path=ppt/slides/slide28.xml><?xml version="1.0" encoding="utf-8"?>
+<p:sld xmlns:a="http://schemas.openxmlformats.org/drawingml/2006/main" xmlns:r="http://schemas.openxmlformats.org/officeDocument/2006/relationships" xmlns:p="http://schemas.openxmlformats.org/presentationml/2006/main">
+  <p:cSld>
+    <p:bg>
+      <p:bgPr>
+        <a:solidFill>
+          <a:srgbClr val="002748"/>
+        </a:solidFill>
+        <a:effectLst/>
+      </p:bgPr>
+    </p:bg>
+    <p:spTree>
+      <p:nvGrpSpPr>
+        <p:cNvPr id="1" name=""/>
+        <p:cNvGrpSpPr/>
+        <p:nvPr/>
+      </p:nvGrpSpPr>
+      <p:grpSpPr/>
+      <p:sp>
+        <p:nvSpPr>
+          <p:cNvPr id="24579" name="文本框 2"/>
+          <p:cNvSpPr txBox="1"/>
+          <p:nvPr/>
+        </p:nvSpPr>
+        <p:spPr>
+          <a:xfrm>
+            <a:off x="1562100" y="2443163"/>
+            <a:ext cx="6011863" cy="612775"/>
+          </a:xfrm>
+          <a:prstGeom prst="rect">
+            <a:avLst/>
+          </a:prstGeom>
+          <a:noFill/>
+          <a:ln w="9525">
+            <a:noFill/>
+          </a:ln>
+        </p:spPr>
+        <p:txBody>
+          <a:bodyPr wrap="square" anchor="t">
+            <a:spAutoFit/>
+          </a:bodyPr>
+          <a:p>
+            <a:pPr algn="dist"/>
+            <a:r>
+              <a:rPr lang="en-US" altLang="zh-CN" sz="3200" b="1">
+                <a:solidFill>
+                  <a:schemeClr val="bg1"/>
+                </a:solidFill>
+                <a:latin typeface="Arial Unicode MS" panose="020B0604020202020204" charset="-122"/>
+                <a:ea typeface="Arial Unicode MS" panose="020B0604020202020204" charset="-122"/>
+              </a:rPr>
+              <a:t>THANKS</a:t>
+            </a:r>
+            <a:endParaRPr lang="en-US" altLang="zh-CN" sz="3200" b="1">
+              <a:solidFill>
+                <a:srgbClr val="FF9900"/>
+              </a:solidFill>
+              <a:latin typeface="Arial Unicode MS" panose="020B0604020202020204" charset="-122"/>
+              <a:ea typeface="Arial Unicode MS" panose="020B0604020202020204" charset="-122"/>
+            </a:endParaRPr>
+          </a:p>
+        </p:txBody>
+      </p:sp>
+      <p:sp>
+        <p:nvSpPr>
+          <p:cNvPr id="2" name="矩形 1"/>
+          <p:cNvSpPr/>
+          <p:nvPr/>
+        </p:nvSpPr>
+        <p:spPr>
+          <a:xfrm>
+            <a:off x="-9525" y="3232150"/>
+            <a:ext cx="9153525" cy="76200"/>
+          </a:xfrm>
+          <a:prstGeom prst="rect">
+            <a:avLst/>
+          </a:prstGeom>
+          <a:solidFill>
+            <a:srgbClr val="FF9900"/>
+          </a:solidFill>
+          <a:ln>
+            <a:noFill/>
+          </a:ln>
+        </p:spPr>
+        <p:style>
+          <a:lnRef idx="2">
+            <a:schemeClr val="accent1">
+              <a:shade val="50000"/>
+            </a:schemeClr>
+          </a:lnRef>
+          <a:fillRef idx="1">
+            <a:schemeClr val="accent1"/>
+          </a:fillRef>
+          <a:effectRef idx="0">
+            <a:schemeClr val="accent1"/>
+          </a:effectRef>
+          <a:fontRef idx="minor">
+            <a:schemeClr val="lt1"/>
+          </a:fontRef>
+        </p:style>
+        <p:txBody>
+          <a:bodyPr rtlCol="0" anchor="ctr"/>
+          <a:p>
+            <a:pPr algn="ctr" fontAlgn="base"/>
+            <a:endParaRPr lang="zh-CN" altLang="en-US" strike="noStrike" noProof="1">
+              <a:ea typeface="Arial Unicode MS" panose="020B0604020202020204" charset="-122"/>
+            </a:endParaRPr>
+          </a:p>
+        </p:txBody>
+      </p:sp>
+      <p:sp>
+        <p:nvSpPr>
+          <p:cNvPr id="3" name="等腰三角形 2"/>
+          <p:cNvSpPr/>
+          <p:nvPr/>
+        </p:nvSpPr>
+        <p:spPr>
+          <a:xfrm rot="8100000">
+            <a:off x="2611438" y="1014413"/>
+            <a:ext cx="336550" cy="290513"/>
+          </a:xfrm>
+          <a:prstGeom prst="triangle">
+            <a:avLst/>
+          </a:prstGeom>
+          <a:solidFill>
+            <a:srgbClr val="FF9900"/>
+          </a:solidFill>
+          <a:ln>
+            <a:noFill/>
+          </a:ln>
+        </p:spPr>
+        <p:style>
+          <a:lnRef idx="2">
+            <a:schemeClr val="accent1">
+              <a:shade val="50000"/>
+            </a:schemeClr>
+          </a:lnRef>
+          <a:fillRef idx="1">
+            <a:schemeClr val="accent1"/>
+          </a:fillRef>
+          <a:effectRef idx="0">
+            <a:schemeClr val="accent1"/>
+          </a:effectRef>
+          <a:fontRef idx="minor">
+            <a:schemeClr val="lt1"/>
+          </a:fontRef>
+        </p:style>
+        <p:txBody>
+          <a:bodyPr rtlCol="0" anchor="ctr"/>
+          <a:p>
+            <a:pPr algn="ctr" fontAlgn="base"/>
+            <a:endParaRPr lang="zh-CN" altLang="en-US" strike="noStrike" noProof="1">
+              <a:ea typeface="Arial Unicode MS" panose="020B0604020202020204" charset="-122"/>
+            </a:endParaRPr>
+          </a:p>
+        </p:txBody>
+      </p:sp>
+      <p:sp>
+        <p:nvSpPr>
+          <p:cNvPr id="4" name="等腰三角形 3"/>
+          <p:cNvSpPr/>
+          <p:nvPr/>
+        </p:nvSpPr>
+        <p:spPr>
+          <a:xfrm rot="1740000">
+            <a:off x="3270250" y="1706563"/>
+            <a:ext cx="261938" cy="225425"/>
+          </a:xfrm>
+          <a:prstGeom prst="triangle">
+            <a:avLst/>
+          </a:prstGeom>
+          <a:solidFill>
+            <a:schemeClr val="bg1"/>
+          </a:solidFill>
+          <a:ln>
+            <a:noFill/>
+          </a:ln>
+        </p:spPr>
+        <p:style>
+          <a:lnRef idx="2">
+            <a:schemeClr val="accent1">
+              <a:shade val="50000"/>
+            </a:schemeClr>
+          </a:lnRef>
+          <a:fillRef idx="1">
+            <a:schemeClr val="accent1"/>
+          </a:fillRef>
+          <a:effectRef idx="0">
+            <a:schemeClr val="accent1"/>
+          </a:effectRef>
+          <a:fontRef idx="minor">
+            <a:schemeClr val="lt1"/>
+          </a:fontRef>
+        </p:style>
+        <p:txBody>
+          <a:bodyPr rtlCol="0" anchor="ctr"/>
+          <a:p>
+            <a:pPr algn="ctr" fontAlgn="base"/>
+            <a:endParaRPr lang="zh-CN" altLang="en-US" strike="noStrike" noProof="1">
+              <a:ea typeface="Arial Unicode MS" panose="020B0604020202020204" charset="-122"/>
+            </a:endParaRPr>
+          </a:p>
+        </p:txBody>
+      </p:sp>
+      <p:sp>
+        <p:nvSpPr>
+          <p:cNvPr id="5" name="等腰三角形 4"/>
+          <p:cNvSpPr/>
+          <p:nvPr/>
+        </p:nvSpPr>
+        <p:spPr>
+          <a:xfrm rot="11580000">
+            <a:off x="6451600" y="1036638"/>
+            <a:ext cx="336550" cy="290513"/>
+          </a:xfrm>
+          <a:prstGeom prst="triangle">
+            <a:avLst/>
+          </a:prstGeom>
+          <a:solidFill>
+            <a:srgbClr val="FF9900"/>
+          </a:solidFill>
+          <a:ln>
+            <a:noFill/>
+          </a:ln>
+        </p:spPr>
+        <p:style>
+          <a:lnRef idx="2">
+            <a:schemeClr val="accent1">
+              <a:shade val="50000"/>
+            </a:schemeClr>
+          </a:lnRef>
+          <a:fillRef idx="1">
+            <a:schemeClr val="accent1"/>
+          </a:fillRef>
+          <a:effectRef idx="0">
+            <a:schemeClr val="accent1"/>
+          </a:effectRef>
+          <a:fontRef idx="minor">
+            <a:schemeClr val="lt1"/>
+          </a:fontRef>
+        </p:style>
+        <p:txBody>
+          <a:bodyPr rtlCol="0" anchor="ctr"/>
+          <a:p>
+            <a:pPr algn="ctr" fontAlgn="base"/>
+            <a:endParaRPr lang="zh-CN" altLang="en-US" strike="noStrike" noProof="1">
+              <a:ea typeface="Arial Unicode MS" panose="020B0604020202020204" charset="-122"/>
+            </a:endParaRPr>
+          </a:p>
+        </p:txBody>
+      </p:sp>
+      <p:sp>
+        <p:nvSpPr>
+          <p:cNvPr id="7" name="等腰三角形 6"/>
+          <p:cNvSpPr/>
+          <p:nvPr/>
+        </p:nvSpPr>
+        <p:spPr>
+          <a:xfrm rot="6360000">
+            <a:off x="5611813" y="1797050"/>
+            <a:ext cx="260350" cy="225425"/>
+          </a:xfrm>
+          <a:prstGeom prst="triangle">
+            <a:avLst/>
+          </a:prstGeom>
+          <a:solidFill>
+            <a:schemeClr val="bg1"/>
+          </a:solidFill>
+          <a:ln>
+            <a:noFill/>
+          </a:ln>
+        </p:spPr>
+        <p:style>
+          <a:lnRef idx="2">
+            <a:schemeClr val="accent1">
+              <a:shade val="50000"/>
+            </a:schemeClr>
+          </a:lnRef>
+          <a:fillRef idx="1">
+            <a:schemeClr val="accent1"/>
+          </a:fillRef>
+          <a:effectRef idx="0">
+            <a:schemeClr val="accent1"/>
+          </a:effectRef>
+          <a:fontRef idx="minor">
+            <a:schemeClr val="lt1"/>
+          </a:fontRef>
+        </p:style>
+        <p:txBody>
+          <a:bodyPr rtlCol="0" anchor="ctr"/>
+          <a:p>
+            <a:pPr algn="ctr" fontAlgn="base"/>
+            <a:endParaRPr lang="zh-CN" altLang="en-US" strike="noStrike" noProof="1">
+              <a:ea typeface="Arial Unicode MS" panose="020B0604020202020204" charset="-122"/>
+            </a:endParaRPr>
+          </a:p>
+        </p:txBody>
+      </p:sp>
+      <p:sp>
+        <p:nvSpPr>
+          <p:cNvPr id="8" name="Text Box 7"/>
+          <p:cNvSpPr txBox="1"/>
+          <p:nvPr/>
+        </p:nvSpPr>
+        <p:spPr>
+          <a:xfrm>
+            <a:off x="-107950" y="3630930"/>
+            <a:ext cx="9349740" cy="521970"/>
+          </a:xfrm>
+          <a:prstGeom prst="rect">
+            <a:avLst/>
+          </a:prstGeom>
+          <a:noFill/>
+        </p:spPr>
+        <p:txBody>
+          <a:bodyPr wrap="square" rtlCol="0">
+            <a:spAutoFit/>
+          </a:bodyPr>
+          <a:p>
+            <a:pPr algn="ctr"/>
+            <a:r>
+              <a:rPr lang="en-US" sz="2800">
+                <a:solidFill>
+                  <a:schemeClr val="bg1"/>
+                </a:solidFill>
+                <a:latin typeface="Bahnschrift SemiLight" panose="020B0502040204020203" charset="0"/>
+                <a:cs typeface="Bahnschrift SemiLight" panose="020B0502040204020203" charset="0"/>
+              </a:rPr>
+              <a:t>Aamer Qanadilo</a:t>
+            </a:r>
+            <a:endParaRPr lang="en-US" sz="2800">
+              <a:solidFill>
+                <a:schemeClr val="bg1"/>
+              </a:solidFill>
+              <a:latin typeface="Bahnschrift SemiLight" panose="020B0502040204020203" charset="0"/>
+              <a:cs typeface="Bahnschrift SemiLight" panose="020B0502040204020203" charset="0"/>
+            </a:endParaRPr>
+          </a:p>
+        </p:txBody>
+      </p:sp>
+      <p:sp>
+        <p:nvSpPr>
+          <p:cNvPr id="9" name="Text Box 8"/>
+          <p:cNvSpPr txBox="1"/>
+          <p:nvPr/>
+        </p:nvSpPr>
+        <p:spPr>
+          <a:xfrm>
+            <a:off x="0" y="4475480"/>
+            <a:ext cx="9160510" cy="368300"/>
+          </a:xfrm>
+          <a:prstGeom prst="rect">
+            <a:avLst/>
+          </a:prstGeom>
+          <a:noFill/>
+        </p:spPr>
+        <p:txBody>
+          <a:bodyPr wrap="square" rtlCol="0">
+            <a:spAutoFit/>
+          </a:bodyPr>
+          <a:p>
+            <a:pPr algn="ctr"/>
+            <a:r>
+              <a:rPr lang="en-US" b="1">
+                <a:solidFill>
+                  <a:schemeClr val="bg1"/>
+                </a:solidFill>
+                <a:latin typeface="Cascadia Code SemiBold" panose="020B0609020000020004" charset="0"/>
+                <a:cs typeface="Cascadia Code SemiBold" panose="020B0609020000020004" charset="0"/>
+              </a:rPr>
+              <a:t>Foothill Technology Solutions</a:t>
+            </a:r>
+            <a:endParaRPr lang="en-US" b="1">
+              <a:solidFill>
+                <a:schemeClr val="bg1"/>
+              </a:solidFill>
+              <a:latin typeface="Cascadia Code SemiBold" panose="020B0609020000020004" charset="0"/>
+              <a:cs typeface="Cascadia Code SemiBold" panose="020B0609020000020004" charset="0"/>
+            </a:endParaRPr>
+          </a:p>
+        </p:txBody>
+      </p:sp>
+      <p:pic>
+        <p:nvPicPr>
+          <p:cNvPr id="10" name="Picture 9" descr="squareLogo-00d15a83d026c2e522bcc0b27f1897a8"/>
+          <p:cNvPicPr>
+            <a:picLocks noChangeAspect="1"/>
+          </p:cNvPicPr>
+          <p:nvPr/>
+        </p:nvPicPr>
+        <p:blipFill>
+          <a:blip r:embed="rId1"/>
+          <a:stretch>
+            <a:fillRect/>
+          </a:stretch>
+        </p:blipFill>
+        <p:spPr>
+          <a:xfrm>
+            <a:off x="3996055" y="956310"/>
+            <a:ext cx="1141095" cy="1141095"/>
+          </a:xfrm>
+          <a:prstGeom prst="ellipse">
+            <a:avLst/>
+          </a:prstGeom>
+        </p:spPr>
+      </p:pic>
+    </p:spTree>
+  </p:cSld>
+  <p:clrMapOvr>
+    <a:masterClrMapping/>
+  </p:clrMapOvr>
+  <p:transition>
+    <p:fade/>
+  </p:transition>
+  <p:timing>
+    <p:tnLst>
+      <p:par>
+        <p:cTn id="1" dur="indefinite" restart="never" nodeType="tmRoot">
+          <p:childTnLst>
+            <p:seq concurrent="1" nextAc="seek">
+              <p:cTn id="2" dur="indefinite" nodeType="mainSeq">
+                <p:childTnLst>
+                  <p:par>
+                    <p:cTn id="3" fill="hold">
+                      <p:stCondLst>
+                        <p:cond delay="indefinite"/>
+                        <p:cond evt="onBegin" delay="0">
+                          <p:tn val="2"/>
+                        </p:cond>
+                      </p:stCondLst>
+                      <p:childTnLst>
+                        <p:par>
+                          <p:cTn id="4" fill="hold">
+                            <p:stCondLst>
+                              <p:cond delay="0"/>
+                            </p:stCondLst>
+                            <p:childTnLst>
+                              <p:par>
+                                <p:cTn id="5" presetID="10" presetClass="entr" presetSubtype="0" fill="hold" grpId="0" nodeType="afterEffect">
+                                  <p:stCondLst>
+                                    <p:cond delay="0"/>
+                                  </p:stCondLst>
+                                  <p:childTnLst>
+                                    <p:set>
+                                      <p:cBhvr>
+                                        <p:cTn id="6" dur="1" fill="hold">
+                                          <p:stCondLst>
+                                            <p:cond delay="0"/>
+                                          </p:stCondLst>
+                                        </p:cTn>
+                                        <p:tgtEl>
+                                          <p:spTgt spid="24579"/>
+                                        </p:tgtEl>
+                                        <p:attrNameLst>
+                                          <p:attrName>style.visibility</p:attrName>
+                                        </p:attrNameLst>
+                                      </p:cBhvr>
+                                      <p:to>
+                                        <p:strVal val="visible"/>
+                                      </p:to>
+                                    </p:set>
+                                    <p:animEffect transition="in" filter="fade">
+                                      <p:cBhvr>
+                                        <p:cTn id="7" dur="500"/>
+                                        <p:tgtEl>
+                                          <p:spTgt spid="24579"/>
+                                        </p:tgtEl>
+                                      </p:cBhvr>
+                                    </p:animEffect>
+                                  </p:childTnLst>
+                                </p:cTn>
+                              </p:par>
+                            </p:childTnLst>
+                          </p:cTn>
+                        </p:par>
+                        <p:par>
+                          <p:cTn id="8" fill="hold">
+                            <p:stCondLst>
+                              <p:cond delay="500"/>
+                            </p:stCondLst>
+                            <p:childTnLst>
+                              <p:par>
+                                <p:cTn id="9" presetID="49" presetClass="entr" presetSubtype="0" decel="100000" fill="hold" grpId="0" nodeType="afterEffect">
+                                  <p:stCondLst>
+                                    <p:cond delay="0"/>
+                                  </p:stCondLst>
+                                  <p:childTnLst>
+                                    <p:set>
+                                      <p:cBhvr>
+                                        <p:cTn id="10" dur="1" fill="hold">
+                                          <p:stCondLst>
+                                            <p:cond delay="0"/>
+                                          </p:stCondLst>
+                                        </p:cTn>
+                                        <p:tgtEl>
+                                          <p:spTgt spid="3"/>
+                                        </p:tgtEl>
+                                        <p:attrNameLst>
+                                          <p:attrName>style.visibility</p:attrName>
+                                        </p:attrNameLst>
+                                      </p:cBhvr>
+                                      <p:to>
+                                        <p:strVal val="visible"/>
+                                      </p:to>
+                                    </p:set>
+                                    <p:anim calcmode="lin" valueType="num">
+                                      <p:cBhvr>
+                                        <p:cTn id="11" dur="500" fill="hold"/>
+                                        <p:tgtEl>
+                                          <p:spTgt spid="3"/>
+                                        </p:tgtEl>
+                                        <p:attrNameLst>
+                                          <p:attrName>ppt_w</p:attrName>
+                                        </p:attrNameLst>
+                                      </p:cBhvr>
+                                      <p:tavLst>
+                                        <p:tav tm="0">
+                                          <p:val>
+                                            <p:fltVal val="0.000000"/>
+                                          </p:val>
+                                        </p:tav>
+                                        <p:tav tm="100000">
+                                          <p:val>
+                                            <p:strVal val="#ppt_w"/>
+                                          </p:val>
+                                        </p:tav>
+                                      </p:tavLst>
+                                    </p:anim>
+                                    <p:anim calcmode="lin" valueType="num">
+                                      <p:cBhvr>
+                                        <p:cTn id="12" dur="500" fill="hold"/>
+                                        <p:tgtEl>
+                                          <p:spTgt spid="3"/>
+                                        </p:tgtEl>
+                                        <p:attrNameLst>
+                                          <p:attrName>ppt_h</p:attrName>
+                                        </p:attrNameLst>
+                                      </p:cBhvr>
+                                      <p:tavLst>
+                                        <p:tav tm="0">
+                                          <p:val>
+                                            <p:fltVal val="0.000000"/>
+                                          </p:val>
+                                        </p:tav>
+                                        <p:tav tm="100000">
+                                          <p:val>
+                                            <p:strVal val="#ppt_h"/>
+                                          </p:val>
+                                        </p:tav>
+                                      </p:tavLst>
+                                    </p:anim>
+                                    <p:anim calcmode="lin" valueType="num">
+                                      <p:cBhvr>
+                                        <p:cTn id="13" dur="500" fill="hold"/>
+                                        <p:tgtEl>
+                                          <p:spTgt spid="3"/>
+                                        </p:tgtEl>
+                                        <p:attrNameLst>
+                                          <p:attrName>style.rotation</p:attrName>
+                                        </p:attrNameLst>
+                                      </p:cBhvr>
+                                      <p:tavLst>
+                                        <p:tav tm="0">
+                                          <p:val>
+                                            <p:fltVal val="360.000000"/>
+                                          </p:val>
+                                        </p:tav>
+                                        <p:tav tm="100000">
+                                          <p:val>
+                                            <p:fltVal val="0.000000"/>
+                                          </p:val>
+                                        </p:tav>
+                                      </p:tavLst>
+                                    </p:anim>
+                                    <p:animEffect transition="in" filter="fade">
+                                      <p:cBhvr>
+                                        <p:cTn id="14" dur="500"/>
+                                        <p:tgtEl>
+                                          <p:spTgt spid="3"/>
+                                        </p:tgtEl>
+                                      </p:cBhvr>
+                                    </p:animEffect>
+                                  </p:childTnLst>
+                                </p:cTn>
+                              </p:par>
+                            </p:childTnLst>
+                          </p:cTn>
+                        </p:par>
+                        <p:par>
+                          <p:cTn id="15" fill="hold">
+                            <p:stCondLst>
+                              <p:cond delay="1000"/>
+                            </p:stCondLst>
+                            <p:childTnLst>
+                              <p:par>
+                                <p:cTn id="16" presetID="49" presetClass="entr" presetSubtype="0" decel="100000" fill="hold" grpId="0" nodeType="afterEffect">
+                                  <p:stCondLst>
+                                    <p:cond delay="0"/>
+                                  </p:stCondLst>
+                                  <p:childTnLst>
+                                    <p:set>
+                                      <p:cBhvr>
+                                        <p:cTn id="17" dur="1" fill="hold">
+                                          <p:stCondLst>
+                                            <p:cond delay="0"/>
+                                          </p:stCondLst>
+                                        </p:cTn>
+                                        <p:tgtEl>
+                                          <p:spTgt spid="7"/>
+                                        </p:tgtEl>
+                                        <p:attrNameLst>
+                                          <p:attrName>style.visibility</p:attrName>
+                                        </p:attrNameLst>
+                                      </p:cBhvr>
+                                      <p:to>
+                                        <p:strVal val="visible"/>
+                                      </p:to>
+                                    </p:set>
+                                    <p:anim calcmode="lin" valueType="num">
+                                      <p:cBhvr>
+                                        <p:cTn id="18" dur="500" fill="hold"/>
+                                        <p:tgtEl>
+                                          <p:spTgt spid="7"/>
+                                        </p:tgtEl>
+                                        <p:attrNameLst>
+                                          <p:attrName>ppt_w</p:attrName>
+                                        </p:attrNameLst>
+                                      </p:cBhvr>
+                                      <p:tavLst>
+                                        <p:tav tm="0">
+                                          <p:val>
+                                            <p:fltVal val="0.000000"/>
+                                          </p:val>
+                                        </p:tav>
+                                        <p:tav tm="100000">
+                                          <p:val>
+                                            <p:strVal val="#ppt_w"/>
+                                          </p:val>
+                                        </p:tav>
+                                      </p:tavLst>
+                                    </p:anim>
+                                    <p:anim calcmode="lin" valueType="num">
+                                      <p:cBhvr>
+                                        <p:cTn id="19" dur="500" fill="hold"/>
+                                        <p:tgtEl>
+                                          <p:spTgt spid="7"/>
+                                        </p:tgtEl>
+                                        <p:attrNameLst>
+                                          <p:attrName>ppt_h</p:attrName>
+                                        </p:attrNameLst>
+                                      </p:cBhvr>
+                                      <p:tavLst>
+                                        <p:tav tm="0">
+                                          <p:val>
+                                            <p:fltVal val="0.000000"/>
+                                          </p:val>
+                                        </p:tav>
+                                        <p:tav tm="100000">
+                                          <p:val>
+                                            <p:strVal val="#ppt_h"/>
+                                          </p:val>
+                                        </p:tav>
+                                      </p:tavLst>
+                                    </p:anim>
+                                    <p:anim calcmode="lin" valueType="num">
+                                      <p:cBhvr>
+                                        <p:cTn id="20" dur="500" fill="hold"/>
+                                        <p:tgtEl>
+                                          <p:spTgt spid="7"/>
+                                        </p:tgtEl>
+                                        <p:attrNameLst>
+                                          <p:attrName>style.rotation</p:attrName>
+                                        </p:attrNameLst>
+                                      </p:cBhvr>
+                                      <p:tavLst>
+                                        <p:tav tm="0">
+                                          <p:val>
+                                            <p:fltVal val="360.000000"/>
+                                          </p:val>
+                                        </p:tav>
+                                        <p:tav tm="100000">
+                                          <p:val>
+                                            <p:fltVal val="0.000000"/>
+                                          </p:val>
+                                        </p:tav>
+                                      </p:tavLst>
+                                    </p:anim>
+                                    <p:animEffect transition="in" filter="fade">
+                                      <p:cBhvr>
+                                        <p:cTn id="21" dur="500"/>
+                                        <p:tgtEl>
+                                          <p:spTgt spid="7"/>
+                                        </p:tgtEl>
+                                      </p:cBhvr>
+                                    </p:animEffect>
+                                  </p:childTnLst>
+                                </p:cTn>
+                              </p:par>
+                            </p:childTnLst>
+                          </p:cTn>
+                        </p:par>
+                        <p:par>
+                          <p:cTn id="22" fill="hold">
+                            <p:stCondLst>
+                              <p:cond delay="1500"/>
+                            </p:stCondLst>
+                            <p:childTnLst>
+                              <p:par>
+                                <p:cTn id="23" presetID="49" presetClass="entr" presetSubtype="0" decel="100000" fill="hold" grpId="0" nodeType="afterEffect">
+                                  <p:stCondLst>
+                                    <p:cond delay="0"/>
+                                  </p:stCondLst>
+                                  <p:childTnLst>
+                                    <p:set>
+                                      <p:cBhvr>
+                                        <p:cTn id="24" dur="1" fill="hold">
+                                          <p:stCondLst>
+                                            <p:cond delay="0"/>
+                                          </p:stCondLst>
+                                        </p:cTn>
+                                        <p:tgtEl>
+                                          <p:spTgt spid="5"/>
+                                        </p:tgtEl>
+                                        <p:attrNameLst>
+                                          <p:attrName>style.visibility</p:attrName>
+                                        </p:attrNameLst>
+                                      </p:cBhvr>
+                                      <p:to>
+                                        <p:strVal val="visible"/>
+                                      </p:to>
+                                    </p:set>
+                                    <p:anim calcmode="lin" valueType="num">
+                                      <p:cBhvr>
+                                        <p:cTn id="25" dur="500" fill="hold"/>
+                                        <p:tgtEl>
+                                          <p:spTgt spid="5"/>
+                                        </p:tgtEl>
+                                        <p:attrNameLst>
+                                          <p:attrName>ppt_w</p:attrName>
+                                        </p:attrNameLst>
+                                      </p:cBhvr>
+                                      <p:tavLst>
+                                        <p:tav tm="0">
+                                          <p:val>
+                                            <p:fltVal val="0.000000"/>
+                                          </p:val>
+                                        </p:tav>
+                                        <p:tav tm="100000">
+                                          <p:val>
+                                            <p:strVal val="#ppt_w"/>
+                                          </p:val>
+                                        </p:tav>
+                                      </p:tavLst>
+                                    </p:anim>
+                                    <p:anim calcmode="lin" valueType="num">
+                                      <p:cBhvr>
+                                        <p:cTn id="26" dur="500" fill="hold"/>
+                                        <p:tgtEl>
+                                          <p:spTgt spid="5"/>
+                                        </p:tgtEl>
+                                        <p:attrNameLst>
+                                          <p:attrName>ppt_h</p:attrName>
+                                        </p:attrNameLst>
+                                      </p:cBhvr>
+                                      <p:tavLst>
+                                        <p:tav tm="0">
+                                          <p:val>
+                                            <p:fltVal val="0.000000"/>
+                                          </p:val>
+                                        </p:tav>
+                                        <p:tav tm="100000">
+                                          <p:val>
+                                            <p:strVal val="#ppt_h"/>
+                                          </p:val>
+                                        </p:tav>
+                                      </p:tavLst>
+                                    </p:anim>
+                                    <p:anim calcmode="lin" valueType="num">
+                                      <p:cBhvr>
+                                        <p:cTn id="27" dur="500" fill="hold"/>
+                                        <p:tgtEl>
+                                          <p:spTgt spid="5"/>
+                                        </p:tgtEl>
+                                        <p:attrNameLst>
+                                          <p:attrName>style.rotation</p:attrName>
+                                        </p:attrNameLst>
+                                      </p:cBhvr>
+                                      <p:tavLst>
+                                        <p:tav tm="0">
+                                          <p:val>
+                                            <p:fltVal val="360.000000"/>
+                                          </p:val>
+                                        </p:tav>
+                                        <p:tav tm="100000">
+                                          <p:val>
+                                            <p:fltVal val="0.000000"/>
+                                          </p:val>
+                                        </p:tav>
+                                      </p:tavLst>
+                                    </p:anim>
+                                    <p:animEffect transition="in" filter="fade">
+                                      <p:cBhvr>
+                                        <p:cTn id="28" dur="500"/>
+                                        <p:tgtEl>
+                                          <p:spTgt spid="5"/>
+                                        </p:tgtEl>
+                                      </p:cBhvr>
+                                    </p:animEffect>
+                                  </p:childTnLst>
+                                </p:cTn>
+                              </p:par>
+                            </p:childTnLst>
+                          </p:cTn>
+                        </p:par>
+                        <p:par>
+                          <p:cTn id="29" fill="hold">
+                            <p:stCondLst>
+                              <p:cond delay="2000"/>
+                            </p:stCondLst>
+                            <p:childTnLst>
+                              <p:par>
+                                <p:cTn id="30" presetID="49" presetClass="entr" presetSubtype="0" decel="100000" fill="hold" grpId="0" nodeType="afterEffect">
+                                  <p:stCondLst>
+                                    <p:cond delay="0"/>
+                                  </p:stCondLst>
+                                  <p:childTnLst>
+                                    <p:set>
+                                      <p:cBhvr>
+                                        <p:cTn id="31" dur="1" fill="hold">
+                                          <p:stCondLst>
+                                            <p:cond delay="0"/>
+                                          </p:stCondLst>
+                                        </p:cTn>
+                                        <p:tgtEl>
+                                          <p:spTgt spid="4"/>
+                                        </p:tgtEl>
+                                        <p:attrNameLst>
+                                          <p:attrName>style.visibility</p:attrName>
+                                        </p:attrNameLst>
+                                      </p:cBhvr>
+                                      <p:to>
+                                        <p:strVal val="visible"/>
+                                      </p:to>
+                                    </p:set>
+                                    <p:anim calcmode="lin" valueType="num">
+                                      <p:cBhvr>
+                                        <p:cTn id="32" dur="500" fill="hold"/>
+                                        <p:tgtEl>
+                                          <p:spTgt spid="4"/>
+                                        </p:tgtEl>
+                                        <p:attrNameLst>
+                                          <p:attrName>ppt_w</p:attrName>
+                                        </p:attrNameLst>
+                                      </p:cBhvr>
+                                      <p:tavLst>
+                                        <p:tav tm="0">
+                                          <p:val>
+                                            <p:fltVal val="0.000000"/>
+                                          </p:val>
+                                        </p:tav>
+                                        <p:tav tm="100000">
+                                          <p:val>
+                                            <p:strVal val="#ppt_w"/>
+                                          </p:val>
+                                        </p:tav>
+                                      </p:tavLst>
+                                    </p:anim>
+                                    <p:anim calcmode="lin" valueType="num">
+                                      <p:cBhvr>
+                                        <p:cTn id="33" dur="500" fill="hold"/>
+                                        <p:tgtEl>
+                                          <p:spTgt spid="4"/>
+                                        </p:tgtEl>
+                                        <p:attrNameLst>
+                                          <p:attrName>ppt_h</p:attrName>
+                                        </p:attrNameLst>
+                                      </p:cBhvr>
+                                      <p:tavLst>
+                                        <p:tav tm="0">
+                                          <p:val>
+                                            <p:fltVal val="0.000000"/>
+                                          </p:val>
+                                        </p:tav>
+                                        <p:tav tm="100000">
+                                          <p:val>
+                                            <p:strVal val="#ppt_h"/>
+                                          </p:val>
+                                        </p:tav>
+                                      </p:tavLst>
+                                    </p:anim>
+                                    <p:anim calcmode="lin" valueType="num">
+                                      <p:cBhvr>
+                                        <p:cTn id="34" dur="500" fill="hold"/>
+                                        <p:tgtEl>
+                                          <p:spTgt spid="4"/>
+                                        </p:tgtEl>
+                                        <p:attrNameLst>
+                                          <p:attrName>style.rotation</p:attrName>
+                                        </p:attrNameLst>
+                                      </p:cBhvr>
+                                      <p:tavLst>
+                                        <p:tav tm="0">
+                                          <p:val>
+                                            <p:fltVal val="360.000000"/>
+                                          </p:val>
+                                        </p:tav>
+                                        <p:tav tm="100000">
+                                          <p:val>
+                                            <p:fltVal val="0.000000"/>
+                                          </p:val>
+                                        </p:tav>
+                                      </p:tavLst>
+                                    </p:anim>
+                                    <p:animEffect transition="in" filter="fade">
+                                      <p:cBhvr>
+                                        <p:cTn id="35" dur="500"/>
+                                        <p:tgtEl>
+                                          <p:spTgt spid="4"/>
+                                        </p:tgtEl>
+                                      </p:cBhvr>
+                                    </p:animEffect>
+                                  </p:childTnLst>
+                                </p:cTn>
+                              </p:par>
+                            </p:childTnLst>
+                          </p:cTn>
+                        </p:par>
+                        <p:par>
+                          <p:cTn id="36" fill="hold">
+                            <p:stCondLst>
+                              <p:cond delay="2500"/>
+                            </p:stCondLst>
+                            <p:childTnLst>
+                              <p:par>
+                                <p:cTn id="37" presetID="2" presetClass="entr" presetSubtype="8" fill="hold" grpId="0" nodeType="afterEffect">
+                                  <p:stCondLst>
+                                    <p:cond delay="0"/>
+                                  </p:stCondLst>
+                                  <p:childTnLst>
+                                    <p:set>
+                                      <p:cBhvr>
+                                        <p:cTn id="38" dur="1" fill="hold">
+                                          <p:stCondLst>
+                                            <p:cond delay="0"/>
+                                          </p:stCondLst>
+                                        </p:cTn>
+                                        <p:tgtEl>
+                                          <p:spTgt spid="2"/>
+                                        </p:tgtEl>
+                                        <p:attrNameLst>
+                                          <p:attrName>style.visibility</p:attrName>
+                                        </p:attrNameLst>
+                                      </p:cBhvr>
+                                      <p:to>
+                                        <p:strVal val="visible"/>
+                                      </p:to>
+                                    </p:set>
+                                    <p:anim calcmode="lin" valueType="num">
+                                      <p:cBhvr>
+                                        <p:cTn id="39" dur="500" fill="hold"/>
+                                        <p:tgtEl>
+                                          <p:spTgt spid="2"/>
+                                        </p:tgtEl>
+                                        <p:attrNameLst>
+                                          <p:attrName>ppt_x</p:attrName>
+                                        </p:attrNameLst>
+                                      </p:cBhvr>
+                                      <p:tavLst>
+                                        <p:tav tm="0">
+                                          <p:val>
+                                            <p:strVal val="0-#ppt_w/2"/>
+                                          </p:val>
+                                        </p:tav>
+                                        <p:tav tm="100000">
+                                          <p:val>
+                                            <p:strVal val="#ppt_x"/>
+                                          </p:val>
+                                        </p:tav>
+                                      </p:tavLst>
+                                    </p:anim>
+                                    <p:anim calcmode="lin" valueType="num">
+                                      <p:cBhvr>
+                                        <p:cTn id="40" dur="500" fill="hold"/>
+                                        <p:tgtEl>
+                                          <p:spTgt spid="2"/>
+                                        </p:tgtEl>
+                                        <p:attrNameLst>
+                                          <p:attrName>ppt_y</p:attrName>
+                                        </p:attrNameLst>
+                                      </p:cBhvr>
+                                      <p:tavLst>
+                                        <p:tav tm="0">
+                                          <p:val>
+                                            <p:strVal val="#ppt_y"/>
+                                          </p:val>
+                                        </p:tav>
+                                        <p:tav tm="100000">
+                                          <p:val>
+                                            <p:strVal val="#ppt_y"/>
+                                          </p:val>
+                                        </p:tav>
+                                      </p:tavLst>
+                                    </p:anim>
+                                  </p:childTnLst>
+                                </p:cTn>
+                              </p:par>
+                            </p:childTnLst>
+                          </p:cTn>
+                        </p:par>
+                      </p:childTnLst>
+                    </p:cTn>
+                  </p:par>
+                </p:childTnLst>
+              </p:cTn>
+              <p:prevCondLst>
+                <p:cond evt="onPrev" delay="0">
+                  <p:tgtEl>
+                    <p:sldTgt/>
+                  </p:tgtEl>
+                </p:cond>
+              </p:prevCondLst>
+              <p:nextCondLst>
+                <p:cond evt="onNext" delay="0">
+                  <p:tgtEl>
+                    <p:sldTgt/>
+                  </p:tgtEl>
+                </p:cond>
+              </p:nextCondLst>
+            </p:seq>
+          </p:childTnLst>
+        </p:cTn>
+      </p:par>
+    </p:tnLst>
+    <p:bldLst>
+      <p:bldP spid="24579" grpId="0"/>
+      <p:bldP spid="3" grpId="0" bldLvl="0" animBg="1"/>
+      <p:bldP spid="7" grpId="0" bldLvl="0" animBg="1"/>
+      <p:bldP spid="5" grpId="0" bldLvl="0" animBg="1"/>
+      <p:bldP spid="4" grpId="0" bldLvl="0" animBg="1"/>
+      <p:bldP spid="2" grpId="0" bldLvl="0" animBg="1"/>
     </p:bldLst>
   </p:timing>
 </p:sld>
